--- a/cits1003-lecture_slides/CITS1003-8 Forensics-exercises.pptx
+++ b/cits1003-lecture_slides/CITS1003-8 Forensics-exercises.pptx
@@ -5,7 +5,7 @@
     <p:sldMasterId id="2147483763" r:id="rId1"/>
   </p:sldMasterIdLst>
   <p:notesMasterIdLst>
-    <p:notesMasterId r:id="rId63"/>
+    <p:notesMasterId r:id="rId64"/>
   </p:notesMasterIdLst>
   <p:sldIdLst>
     <p:sldId id="256" r:id="rId2"/>
@@ -38,37 +38,38 @@
     <p:sldId id="539" r:id="rId29"/>
     <p:sldId id="460" r:id="rId30"/>
     <p:sldId id="556" r:id="rId31"/>
-    <p:sldId id="557" r:id="rId32"/>
-    <p:sldId id="562" r:id="rId33"/>
-    <p:sldId id="407" r:id="rId34"/>
-    <p:sldId id="545" r:id="rId35"/>
-    <p:sldId id="546" r:id="rId36"/>
-    <p:sldId id="548" r:id="rId37"/>
-    <p:sldId id="549" r:id="rId38"/>
-    <p:sldId id="550" r:id="rId39"/>
-    <p:sldId id="455" r:id="rId40"/>
-    <p:sldId id="551" r:id="rId41"/>
-    <p:sldId id="580" r:id="rId42"/>
-    <p:sldId id="563" r:id="rId43"/>
-    <p:sldId id="552" r:id="rId44"/>
-    <p:sldId id="554" r:id="rId45"/>
-    <p:sldId id="566" r:id="rId46"/>
-    <p:sldId id="567" r:id="rId47"/>
-    <p:sldId id="568" r:id="rId48"/>
-    <p:sldId id="565" r:id="rId49"/>
-    <p:sldId id="571" r:id="rId50"/>
-    <p:sldId id="569" r:id="rId51"/>
-    <p:sldId id="572" r:id="rId52"/>
-    <p:sldId id="574" r:id="rId53"/>
-    <p:sldId id="577" r:id="rId54"/>
-    <p:sldId id="578" r:id="rId55"/>
-    <p:sldId id="573" r:id="rId56"/>
-    <p:sldId id="576" r:id="rId57"/>
-    <p:sldId id="575" r:id="rId58"/>
-    <p:sldId id="558" r:id="rId59"/>
-    <p:sldId id="560" r:id="rId60"/>
-    <p:sldId id="559" r:id="rId61"/>
-    <p:sldId id="561" r:id="rId62"/>
+    <p:sldId id="580" r:id="rId32"/>
+    <p:sldId id="557" r:id="rId33"/>
+    <p:sldId id="562" r:id="rId34"/>
+    <p:sldId id="407" r:id="rId35"/>
+    <p:sldId id="545" r:id="rId36"/>
+    <p:sldId id="546" r:id="rId37"/>
+    <p:sldId id="548" r:id="rId38"/>
+    <p:sldId id="549" r:id="rId39"/>
+    <p:sldId id="550" r:id="rId40"/>
+    <p:sldId id="455" r:id="rId41"/>
+    <p:sldId id="551" r:id="rId42"/>
+    <p:sldId id="553" r:id="rId43"/>
+    <p:sldId id="563" r:id="rId44"/>
+    <p:sldId id="552" r:id="rId45"/>
+    <p:sldId id="554" r:id="rId46"/>
+    <p:sldId id="566" r:id="rId47"/>
+    <p:sldId id="567" r:id="rId48"/>
+    <p:sldId id="568" r:id="rId49"/>
+    <p:sldId id="565" r:id="rId50"/>
+    <p:sldId id="571" r:id="rId51"/>
+    <p:sldId id="569" r:id="rId52"/>
+    <p:sldId id="572" r:id="rId53"/>
+    <p:sldId id="574" r:id="rId54"/>
+    <p:sldId id="577" r:id="rId55"/>
+    <p:sldId id="578" r:id="rId56"/>
+    <p:sldId id="573" r:id="rId57"/>
+    <p:sldId id="576" r:id="rId58"/>
+    <p:sldId id="575" r:id="rId59"/>
+    <p:sldId id="558" r:id="rId60"/>
+    <p:sldId id="560" r:id="rId61"/>
+    <p:sldId id="559" r:id="rId62"/>
+    <p:sldId id="561" r:id="rId63"/>
   </p:sldIdLst>
   <p:sldSz cx="12192000" cy="6858000"/>
   <p:notesSz cx="6858000" cy="9144000"/>
@@ -189,6 +190,203 @@
 
 <file path=ppt/changesInfos/changesInfo1.xml><?xml version="1.0" encoding="utf-8"?>
 <pc:chgInfo xmlns:a="http://schemas.openxmlformats.org/drawingml/2006/main" xmlns:r="http://schemas.openxmlformats.org/officeDocument/2006/relationships" xmlns:ac="http://schemas.microsoft.com/office/drawing/2013/main/command" xmlns:pc="http://schemas.microsoft.com/office/powerpoint/2013/main/command">
+  <pc:docChgLst>
+    <pc:chgData name="张 智" userId="36bdf691fd3510be" providerId="LiveId" clId="{F580A333-038E-4482-82B9-27319D144034}"/>
+    <pc:docChg chg="undo custSel addSld modSld sldOrd">
+      <pc:chgData name="张 智" userId="36bdf691fd3510be" providerId="LiveId" clId="{F580A333-038E-4482-82B9-27319D144034}" dt="2024-04-21T14:57:46.824" v="712" actId="20577"/>
+      <pc:docMkLst>
+        <pc:docMk/>
+      </pc:docMkLst>
+      <pc:sldChg chg="modNotesTx">
+        <pc:chgData name="张 智" userId="36bdf691fd3510be" providerId="LiveId" clId="{F580A333-038E-4482-82B9-27319D144034}" dt="2024-04-20T15:54:44.469" v="1" actId="20577"/>
+        <pc:sldMkLst>
+          <pc:docMk/>
+          <pc:sldMk cId="1077586671" sldId="256"/>
+        </pc:sldMkLst>
+      </pc:sldChg>
+      <pc:sldChg chg="modSp mod modNotesTx">
+        <pc:chgData name="张 智" userId="36bdf691fd3510be" providerId="LiveId" clId="{F580A333-038E-4482-82B9-27319D144034}" dt="2024-04-20T16:03:29.096" v="278" actId="20577"/>
+        <pc:sldMkLst>
+          <pc:docMk/>
+          <pc:sldMk cId="2638384059" sldId="257"/>
+        </pc:sldMkLst>
+        <pc:spChg chg="mod">
+          <ac:chgData name="张 智" userId="36bdf691fd3510be" providerId="LiveId" clId="{F580A333-038E-4482-82B9-27319D144034}" dt="2024-04-20T15:58:12.507" v="120" actId="20577"/>
+          <ac:spMkLst>
+            <pc:docMk/>
+            <pc:sldMk cId="2638384059" sldId="257"/>
+            <ac:spMk id="3" creationId="{DA6FDE42-6C64-4484-BC4E-72F1B6CCFA53}"/>
+          </ac:spMkLst>
+        </pc:spChg>
+      </pc:sldChg>
+      <pc:sldChg chg="modNotesTx">
+        <pc:chgData name="张 智" userId="36bdf691fd3510be" providerId="LiveId" clId="{F580A333-038E-4482-82B9-27319D144034}" dt="2024-04-20T16:09:14.294" v="409" actId="20577"/>
+        <pc:sldMkLst>
+          <pc:docMk/>
+          <pc:sldMk cId="2218595747" sldId="449"/>
+        </pc:sldMkLst>
+      </pc:sldChg>
+      <pc:sldChg chg="modNotesTx">
+        <pc:chgData name="张 智" userId="36bdf691fd3510be" providerId="LiveId" clId="{F580A333-038E-4482-82B9-27319D144034}" dt="2024-04-20T16:05:36.006" v="359" actId="20577"/>
+        <pc:sldMkLst>
+          <pc:docMk/>
+          <pc:sldMk cId="1928337419" sldId="466"/>
+        </pc:sldMkLst>
+      </pc:sldChg>
+      <pc:sldChg chg="modNotesTx">
+        <pc:chgData name="张 智" userId="36bdf691fd3510be" providerId="LiveId" clId="{F580A333-038E-4482-82B9-27319D144034}" dt="2024-04-20T16:07:04.253" v="361" actId="20577"/>
+        <pc:sldMkLst>
+          <pc:docMk/>
+          <pc:sldMk cId="3869060358" sldId="468"/>
+        </pc:sldMkLst>
+      </pc:sldChg>
+      <pc:sldChg chg="modNotesTx">
+        <pc:chgData name="张 智" userId="36bdf691fd3510be" providerId="LiveId" clId="{F580A333-038E-4482-82B9-27319D144034}" dt="2024-04-20T16:07:28.800" v="373" actId="20577"/>
+        <pc:sldMkLst>
+          <pc:docMk/>
+          <pc:sldMk cId="3927357100" sldId="469"/>
+        </pc:sldMkLst>
+      </pc:sldChg>
+      <pc:sldChg chg="modNotesTx">
+        <pc:chgData name="张 智" userId="36bdf691fd3510be" providerId="LiveId" clId="{F580A333-038E-4482-82B9-27319D144034}" dt="2024-04-20T16:10:00.178" v="410" actId="20577"/>
+        <pc:sldMkLst>
+          <pc:docMk/>
+          <pc:sldMk cId="176200234" sldId="527"/>
+        </pc:sldMkLst>
+      </pc:sldChg>
+      <pc:sldChg chg="modNotesTx">
+        <pc:chgData name="张 智" userId="36bdf691fd3510be" providerId="LiveId" clId="{F580A333-038E-4482-82B9-27319D144034}" dt="2024-04-21T09:56:36.215" v="437" actId="20577"/>
+        <pc:sldMkLst>
+          <pc:docMk/>
+          <pc:sldMk cId="334932478" sldId="540"/>
+        </pc:sldMkLst>
+      </pc:sldChg>
+      <pc:sldChg chg="ord">
+        <pc:chgData name="张 智" userId="36bdf691fd3510be" providerId="LiveId" clId="{F580A333-038E-4482-82B9-27319D144034}" dt="2024-04-21T09:57:30.539" v="439"/>
+        <pc:sldMkLst>
+          <pc:docMk/>
+          <pc:sldMk cId="3333934068" sldId="541"/>
+        </pc:sldMkLst>
+      </pc:sldChg>
+      <pc:sldChg chg="modNotesTx">
+        <pc:chgData name="张 智" userId="36bdf691fd3510be" providerId="LiveId" clId="{F580A333-038E-4482-82B9-27319D144034}" dt="2024-04-21T14:04:42.486" v="459" actId="20577"/>
+        <pc:sldMkLst>
+          <pc:docMk/>
+          <pc:sldMk cId="2714717116" sldId="548"/>
+        </pc:sldMkLst>
+      </pc:sldChg>
+      <pc:sldChg chg="modSp mod">
+        <pc:chgData name="张 智" userId="36bdf691fd3510be" providerId="LiveId" clId="{F580A333-038E-4482-82B9-27319D144034}" dt="2024-04-21T14:14:27.725" v="469" actId="20577"/>
+        <pc:sldMkLst>
+          <pc:docMk/>
+          <pc:sldMk cId="2309440319" sldId="552"/>
+        </pc:sldMkLst>
+        <pc:spChg chg="mod">
+          <ac:chgData name="张 智" userId="36bdf691fd3510be" providerId="LiveId" clId="{F580A333-038E-4482-82B9-27319D144034}" dt="2024-04-21T14:14:27.725" v="469" actId="20577"/>
+          <ac:spMkLst>
+            <pc:docMk/>
+            <pc:sldMk cId="2309440319" sldId="552"/>
+            <ac:spMk id="2" creationId="{00000000-0000-0000-0000-000000000000}"/>
+          </ac:spMkLst>
+        </pc:spChg>
+      </pc:sldChg>
+      <pc:sldChg chg="modSp mod modNotesTx">
+        <pc:chgData name="张 智" userId="36bdf691fd3510be" providerId="LiveId" clId="{F580A333-038E-4482-82B9-27319D144034}" dt="2024-04-21T10:01:20.321" v="445" actId="20577"/>
+        <pc:sldMkLst>
+          <pc:docMk/>
+          <pc:sldMk cId="2473262017" sldId="556"/>
+        </pc:sldMkLst>
+        <pc:spChg chg="mod">
+          <ac:chgData name="张 智" userId="36bdf691fd3510be" providerId="LiveId" clId="{F580A333-038E-4482-82B9-27319D144034}" dt="2024-04-21T10:01:20.321" v="445" actId="20577"/>
+          <ac:spMkLst>
+            <pc:docMk/>
+            <pc:sldMk cId="2473262017" sldId="556"/>
+            <ac:spMk id="3" creationId="{A31F018A-FD8B-4DBD-91A8-B6A88766EDA8}"/>
+          </ac:spMkLst>
+        </pc:spChg>
+      </pc:sldChg>
+      <pc:sldChg chg="modSp mod modNotesTx">
+        <pc:chgData name="张 智" userId="36bdf691fd3510be" providerId="LiveId" clId="{F580A333-038E-4482-82B9-27319D144034}" dt="2024-04-21T14:44:30.503" v="574" actId="20577"/>
+        <pc:sldMkLst>
+          <pc:docMk/>
+          <pc:sldMk cId="3093555560" sldId="561"/>
+        </pc:sldMkLst>
+        <pc:spChg chg="mod">
+          <ac:chgData name="张 智" userId="36bdf691fd3510be" providerId="LiveId" clId="{F580A333-038E-4482-82B9-27319D144034}" dt="2024-04-21T14:44:22.298" v="571" actId="20577"/>
+          <ac:spMkLst>
+            <pc:docMk/>
+            <pc:sldMk cId="3093555560" sldId="561"/>
+            <ac:spMk id="3" creationId="{4F798BBB-DCDF-406A-8C96-973EF97757D7}"/>
+          </ac:spMkLst>
+        </pc:spChg>
+      </pc:sldChg>
+      <pc:sldChg chg="modNotesTx">
+        <pc:chgData name="张 智" userId="36bdf691fd3510be" providerId="LiveId" clId="{F580A333-038E-4482-82B9-27319D144034}" dt="2024-04-21T14:57:46.824" v="712" actId="20577"/>
+        <pc:sldMkLst>
+          <pc:docMk/>
+          <pc:sldMk cId="2426947679" sldId="563"/>
+        </pc:sldMkLst>
+      </pc:sldChg>
+      <pc:sldChg chg="modNotesTx">
+        <pc:chgData name="张 智" userId="36bdf691fd3510be" providerId="LiveId" clId="{F580A333-038E-4482-82B9-27319D144034}" dt="2024-04-21T14:54:31.875" v="636" actId="20577"/>
+        <pc:sldMkLst>
+          <pc:docMk/>
+          <pc:sldMk cId="3760885931" sldId="565"/>
+        </pc:sldMkLst>
+      </pc:sldChg>
+      <pc:sldChg chg="modNotesTx">
+        <pc:chgData name="张 智" userId="36bdf691fd3510be" providerId="LiveId" clId="{F580A333-038E-4482-82B9-27319D144034}" dt="2024-04-21T14:18:58.212" v="484" actId="20577"/>
+        <pc:sldMkLst>
+          <pc:docMk/>
+          <pc:sldMk cId="3513519866" sldId="567"/>
+        </pc:sldMkLst>
+      </pc:sldChg>
+      <pc:sldChg chg="modNotesTx">
+        <pc:chgData name="张 智" userId="36bdf691fd3510be" providerId="LiveId" clId="{F580A333-038E-4482-82B9-27319D144034}" dt="2024-04-21T14:54:21.896" v="628" actId="20577"/>
+        <pc:sldMkLst>
+          <pc:docMk/>
+          <pc:sldMk cId="185619113" sldId="568"/>
+        </pc:sldMkLst>
+      </pc:sldChg>
+      <pc:sldChg chg="modSp mod modNotesTx">
+        <pc:chgData name="张 智" userId="36bdf691fd3510be" providerId="LiveId" clId="{F580A333-038E-4482-82B9-27319D144034}" dt="2024-04-21T14:56:08.751" v="703" actId="20577"/>
+        <pc:sldMkLst>
+          <pc:docMk/>
+          <pc:sldMk cId="3079898576" sldId="569"/>
+        </pc:sldMkLst>
+        <pc:spChg chg="mod">
+          <ac:chgData name="张 智" userId="36bdf691fd3510be" providerId="LiveId" clId="{F580A333-038E-4482-82B9-27319D144034}" dt="2024-04-21T14:56:08.751" v="703" actId="20577"/>
+          <ac:spMkLst>
+            <pc:docMk/>
+            <pc:sldMk cId="3079898576" sldId="569"/>
+            <ac:spMk id="11" creationId="{0423B8FA-1143-4F4C-9A29-C231E0390991}"/>
+          </ac:spMkLst>
+        </pc:spChg>
+      </pc:sldChg>
+      <pc:sldChg chg="modSp">
+        <pc:chgData name="张 智" userId="36bdf691fd3510be" providerId="LiveId" clId="{F580A333-038E-4482-82B9-27319D144034}" dt="2024-04-21T14:56:29.190" v="704" actId="20577"/>
+        <pc:sldMkLst>
+          <pc:docMk/>
+          <pc:sldMk cId="726949649" sldId="572"/>
+        </pc:sldMkLst>
+        <pc:spChg chg="mod">
+          <ac:chgData name="张 智" userId="36bdf691fd3510be" providerId="LiveId" clId="{F580A333-038E-4482-82B9-27319D144034}" dt="2024-04-21T14:56:29.190" v="704" actId="20577"/>
+          <ac:spMkLst>
+            <pc:docMk/>
+            <pc:sldMk cId="726949649" sldId="572"/>
+            <ac:spMk id="11" creationId="{0423B8FA-1143-4F4C-9A29-C231E0390991}"/>
+          </ac:spMkLst>
+        </pc:spChg>
+      </pc:sldChg>
+      <pc:sldChg chg="add modNotesTx">
+        <pc:chgData name="张 智" userId="36bdf691fd3510be" providerId="LiveId" clId="{F580A333-038E-4482-82B9-27319D144034}" dt="2024-04-21T10:01:07.620" v="444" actId="20577"/>
+        <pc:sldMkLst>
+          <pc:docMk/>
+          <pc:sldMk cId="554390789" sldId="580"/>
+        </pc:sldMkLst>
+      </pc:sldChg>
+    </pc:docChg>
+  </pc:docChgLst>
   <pc:docChgLst>
     <pc:chgData name="张 智" userId="36bdf691fd3510be" providerId="LiveId" clId="{114D072E-903C-4B9A-9D0E-2F155C32D5CE}"/>
     <pc:docChg chg="undo custSel addSld delSld modSld sldOrd">
@@ -825,7 +1023,7 @@
           <a:p>
             <a:fld id="{6D6D7260-B7E4-B548-BD1F-84ED14536037}" type="datetimeFigureOut">
               <a:rPr lang="en-AU" smtClean="0"/>
-              <a:t>24/04/2023</a:t>
+              <a:t>21/04/2024</a:t>
             </a:fld>
             <a:endParaRPr lang="en-AU"/>
           </a:p>
@@ -2918,7 +3116,7 @@
           <a:bodyPr/>
           <a:lstStyle/>
           <a:p>
-            <a:endParaRPr lang="en-AU" dirty="0"/>
+            <a:endParaRPr lang="en-US" dirty="0"/>
           </a:p>
         </p:txBody>
       </p:sp>
@@ -3116,7 +3314,7 @@
     </p:spTree>
     <p:extLst>
       <p:ext uri="{BB962C8B-B14F-4D97-AF65-F5344CB8AC3E}">
-        <p14:creationId xmlns:p14="http://schemas.microsoft.com/office/powerpoint/2010/main" val="381948176"/>
+        <p14:creationId xmlns:p14="http://schemas.microsoft.com/office/powerpoint/2010/main" val="4139446586"/>
       </p:ext>
     </p:extLst>
   </p:cSld>
@@ -3200,7 +3398,7 @@
     </p:spTree>
     <p:extLst>
       <p:ext uri="{BB962C8B-B14F-4D97-AF65-F5344CB8AC3E}">
-        <p14:creationId xmlns:p14="http://schemas.microsoft.com/office/powerpoint/2010/main" val="289348967"/>
+        <p14:creationId xmlns:p14="http://schemas.microsoft.com/office/powerpoint/2010/main" val="381948176"/>
       </p:ext>
     </p:extLst>
   </p:cSld>
@@ -3284,7 +3482,7 @@
     </p:spTree>
     <p:extLst>
       <p:ext uri="{BB962C8B-B14F-4D97-AF65-F5344CB8AC3E}">
-        <p14:creationId xmlns:p14="http://schemas.microsoft.com/office/powerpoint/2010/main" val="4039989736"/>
+        <p14:creationId xmlns:p14="http://schemas.microsoft.com/office/powerpoint/2010/main" val="289348967"/>
       </p:ext>
     </p:extLst>
   </p:cSld>
@@ -3368,7 +3566,7 @@
     </p:spTree>
     <p:extLst>
       <p:ext uri="{BB962C8B-B14F-4D97-AF65-F5344CB8AC3E}">
-        <p14:creationId xmlns:p14="http://schemas.microsoft.com/office/powerpoint/2010/main" val="2389446281"/>
+        <p14:creationId xmlns:p14="http://schemas.microsoft.com/office/powerpoint/2010/main" val="4039989736"/>
       </p:ext>
     </p:extLst>
   </p:cSld>
@@ -3452,7 +3650,7 @@
     </p:spTree>
     <p:extLst>
       <p:ext uri="{BB962C8B-B14F-4D97-AF65-F5344CB8AC3E}">
-        <p14:creationId xmlns:p14="http://schemas.microsoft.com/office/powerpoint/2010/main" val="2420052847"/>
+        <p14:creationId xmlns:p14="http://schemas.microsoft.com/office/powerpoint/2010/main" val="2389446281"/>
       </p:ext>
     </p:extLst>
   </p:cSld>
@@ -3506,24 +3704,7 @@
           <a:bodyPr/>
           <a:lstStyle/>
           <a:p>
-            <a:pPr marL="0" marR="0" lvl="0" indent="0" algn="l" defTabSz="914400" rtl="0" eaLnBrk="1" fontAlgn="auto" latinLnBrk="0" hangingPunct="1">
-              <a:lnSpc>
-                <a:spcPct val="100000"/>
-              </a:lnSpc>
-              <a:spcBef>
-                <a:spcPts val="0"/>
-              </a:spcBef>
-              <a:spcAft>
-                <a:spcPts val="0"/>
-              </a:spcAft>
-              <a:buClrTx/>
-              <a:buSzTx/>
-              <a:buFontTx/>
-              <a:buNone/>
-              <a:tabLst/>
-              <a:defRPr/>
-            </a:pPr>
-            <a:endParaRPr lang="en-US" dirty="0"/>
+            <a:endParaRPr lang="en-AU" dirty="0"/>
           </a:p>
         </p:txBody>
       </p:sp>
@@ -3553,7 +3734,7 @@
     </p:spTree>
     <p:extLst>
       <p:ext uri="{BB962C8B-B14F-4D97-AF65-F5344CB8AC3E}">
-        <p14:creationId xmlns:p14="http://schemas.microsoft.com/office/powerpoint/2010/main" val="1233312736"/>
+        <p14:creationId xmlns:p14="http://schemas.microsoft.com/office/powerpoint/2010/main" val="2420052847"/>
       </p:ext>
     </p:extLst>
   </p:cSld>
@@ -3654,7 +3835,7 @@
     </p:spTree>
     <p:extLst>
       <p:ext uri="{BB962C8B-B14F-4D97-AF65-F5344CB8AC3E}">
-        <p14:creationId xmlns:p14="http://schemas.microsoft.com/office/powerpoint/2010/main" val="3007860088"/>
+        <p14:creationId xmlns:p14="http://schemas.microsoft.com/office/powerpoint/2010/main" val="1233312736"/>
       </p:ext>
     </p:extLst>
   </p:cSld>
@@ -3755,7 +3936,7 @@
     </p:spTree>
     <p:extLst>
       <p:ext uri="{BB962C8B-B14F-4D97-AF65-F5344CB8AC3E}">
-        <p14:creationId xmlns:p14="http://schemas.microsoft.com/office/powerpoint/2010/main" val="1953976493"/>
+        <p14:creationId xmlns:p14="http://schemas.microsoft.com/office/powerpoint/2010/main" val="3007860088"/>
       </p:ext>
     </p:extLst>
   </p:cSld>
@@ -3809,7 +3990,24 @@
           <a:bodyPr/>
           <a:lstStyle/>
           <a:p>
-            <a:endParaRPr lang="en-AU" dirty="0"/>
+            <a:pPr marL="0" marR="0" lvl="0" indent="0" algn="l" defTabSz="914400" rtl="0" eaLnBrk="1" fontAlgn="auto" latinLnBrk="0" hangingPunct="1">
+              <a:lnSpc>
+                <a:spcPct val="100000"/>
+              </a:lnSpc>
+              <a:spcBef>
+                <a:spcPts val="0"/>
+              </a:spcBef>
+              <a:spcAft>
+                <a:spcPts val="0"/>
+              </a:spcAft>
+              <a:buClrTx/>
+              <a:buSzTx/>
+              <a:buFontTx/>
+              <a:buNone/>
+              <a:tabLst/>
+              <a:defRPr/>
+            </a:pPr>
+            <a:endParaRPr lang="en-US" dirty="0"/>
           </a:p>
         </p:txBody>
       </p:sp>
@@ -3820,7 +4018,7 @@
             <a:spLocks noGrp="1"/>
           </p:cNvSpPr>
           <p:nvPr>
-            <p:ph type="sldNum" sz="quarter" idx="10"/>
+            <p:ph type="sldNum" sz="quarter" idx="5"/>
           </p:nvPr>
         </p:nvSpPr>
         <p:spPr/>
@@ -3828,18 +4026,18 @@
           <a:bodyPr/>
           <a:lstStyle/>
           <a:p>
-            <a:fld id="{94C3088D-F300-4D15-B8E0-972016C40E3C}" type="slidenum">
+            <a:fld id="{DF030C05-EF6C-9847-8923-580D76870F8E}" type="slidenum">
               <a:rPr lang="en-AU" smtClean="0"/>
               <a:t>39</a:t>
             </a:fld>
-            <a:endParaRPr lang="en-AU" dirty="0"/>
+            <a:endParaRPr lang="en-AU"/>
           </a:p>
         </p:txBody>
       </p:sp>
     </p:spTree>
     <p:extLst>
       <p:ext uri="{BB962C8B-B14F-4D97-AF65-F5344CB8AC3E}">
-        <p14:creationId xmlns:p14="http://schemas.microsoft.com/office/powerpoint/2010/main" val="1909079872"/>
+        <p14:creationId xmlns:p14="http://schemas.microsoft.com/office/powerpoint/2010/main" val="1953976493"/>
       </p:ext>
     </p:extLst>
   </p:cSld>
@@ -3893,23 +4091,6 @@
           <a:bodyPr/>
           <a:lstStyle/>
           <a:p>
-            <a:pPr marL="0" marR="0" lvl="0" indent="0" algn="l" defTabSz="914400" rtl="0" eaLnBrk="1" fontAlgn="auto" latinLnBrk="0" hangingPunct="1">
-              <a:lnSpc>
-                <a:spcPct val="100000"/>
-              </a:lnSpc>
-              <a:spcBef>
-                <a:spcPts val="0"/>
-              </a:spcBef>
-              <a:spcAft>
-                <a:spcPts val="0"/>
-              </a:spcAft>
-              <a:buClrTx/>
-              <a:buSzTx/>
-              <a:buFontTx/>
-              <a:buNone/>
-              <a:tabLst/>
-              <a:defRPr/>
-            </a:pPr>
             <a:endParaRPr lang="en-AU" dirty="0"/>
           </a:p>
         </p:txBody>
@@ -3940,7 +4121,7 @@
     </p:spTree>
     <p:extLst>
       <p:ext uri="{BB962C8B-B14F-4D97-AF65-F5344CB8AC3E}">
-        <p14:creationId xmlns:p14="http://schemas.microsoft.com/office/powerpoint/2010/main" val="411336512"/>
+        <p14:creationId xmlns:p14="http://schemas.microsoft.com/office/powerpoint/2010/main" val="1909079872"/>
       </p:ext>
     </p:extLst>
   </p:cSld>
@@ -4125,7 +4306,7 @@
     </p:spTree>
     <p:extLst>
       <p:ext uri="{BB962C8B-B14F-4D97-AF65-F5344CB8AC3E}">
-        <p14:creationId xmlns:p14="http://schemas.microsoft.com/office/powerpoint/2010/main" val="1738883455"/>
+        <p14:creationId xmlns:p14="http://schemas.microsoft.com/office/powerpoint/2010/main" val="411336512"/>
       </p:ext>
     </p:extLst>
   </p:cSld>
@@ -4179,6 +4360,23 @@
           <a:bodyPr/>
           <a:lstStyle/>
           <a:p>
+            <a:pPr marL="0" marR="0" lvl="0" indent="0" algn="l" defTabSz="914400" rtl="0" eaLnBrk="1" fontAlgn="auto" latinLnBrk="0" hangingPunct="1">
+              <a:lnSpc>
+                <a:spcPct val="100000"/>
+              </a:lnSpc>
+              <a:spcBef>
+                <a:spcPts val="0"/>
+              </a:spcBef>
+              <a:spcAft>
+                <a:spcPts val="0"/>
+              </a:spcAft>
+              <a:buClrTx/>
+              <a:buSzTx/>
+              <a:buFontTx/>
+              <a:buNone/>
+              <a:tabLst/>
+              <a:defRPr/>
+            </a:pPr>
             <a:endParaRPr lang="en-AU" dirty="0"/>
           </a:p>
         </p:txBody>
@@ -4190,7 +4388,7 @@
             <a:spLocks noGrp="1"/>
           </p:cNvSpPr>
           <p:nvPr>
-            <p:ph type="sldNum" sz="quarter" idx="5"/>
+            <p:ph type="sldNum" sz="quarter" idx="10"/>
           </p:nvPr>
         </p:nvSpPr>
         <p:spPr/>
@@ -4198,18 +4396,18 @@
           <a:bodyPr/>
           <a:lstStyle/>
           <a:p>
-            <a:fld id="{DF030C05-EF6C-9847-8923-580D76870F8E}" type="slidenum">
+            <a:fld id="{94C3088D-F300-4D15-B8E0-972016C40E3C}" type="slidenum">
               <a:rPr lang="en-AU" smtClean="0"/>
               <a:t>42</a:t>
             </a:fld>
-            <a:endParaRPr lang="en-AU"/>
+            <a:endParaRPr lang="en-AU" dirty="0"/>
           </a:p>
         </p:txBody>
       </p:sp>
     </p:spTree>
     <p:extLst>
       <p:ext uri="{BB962C8B-B14F-4D97-AF65-F5344CB8AC3E}">
-        <p14:creationId xmlns:p14="http://schemas.microsoft.com/office/powerpoint/2010/main" val="402611958"/>
+        <p14:creationId xmlns:p14="http://schemas.microsoft.com/office/powerpoint/2010/main" val="1738883455"/>
       </p:ext>
     </p:extLst>
   </p:cSld>
@@ -4263,23 +4461,6 @@
           <a:bodyPr/>
           <a:lstStyle/>
           <a:p>
-            <a:pPr marL="0" marR="0" lvl="0" indent="0" algn="l" defTabSz="914400" rtl="0" eaLnBrk="1" fontAlgn="auto" latinLnBrk="0" hangingPunct="1">
-              <a:lnSpc>
-                <a:spcPct val="100000"/>
-              </a:lnSpc>
-              <a:spcBef>
-                <a:spcPts val="0"/>
-              </a:spcBef>
-              <a:spcAft>
-                <a:spcPts val="0"/>
-              </a:spcAft>
-              <a:buClrTx/>
-              <a:buSzTx/>
-              <a:buFontTx/>
-              <a:buNone/>
-              <a:tabLst/>
-              <a:defRPr/>
-            </a:pPr>
             <a:endParaRPr lang="en-AU" dirty="0"/>
           </a:p>
         </p:txBody>
@@ -4310,7 +4491,7 @@
     </p:spTree>
     <p:extLst>
       <p:ext uri="{BB962C8B-B14F-4D97-AF65-F5344CB8AC3E}">
-        <p14:creationId xmlns:p14="http://schemas.microsoft.com/office/powerpoint/2010/main" val="1212208306"/>
+        <p14:creationId xmlns:p14="http://schemas.microsoft.com/office/powerpoint/2010/main" val="402611958"/>
       </p:ext>
     </p:extLst>
   </p:cSld>
@@ -4381,7 +4562,7 @@
               <a:tabLst/>
               <a:defRPr/>
             </a:pPr>
-            <a:endParaRPr lang="en-US" dirty="0"/>
+            <a:endParaRPr lang="en-AU" dirty="0"/>
           </a:p>
         </p:txBody>
       </p:sp>
@@ -4411,7 +4592,7 @@
     </p:spTree>
     <p:extLst>
       <p:ext uri="{BB962C8B-B14F-4D97-AF65-F5344CB8AC3E}">
-        <p14:creationId xmlns:p14="http://schemas.microsoft.com/office/powerpoint/2010/main" val="1537022136"/>
+        <p14:creationId xmlns:p14="http://schemas.microsoft.com/office/powerpoint/2010/main" val="1212208306"/>
       </p:ext>
     </p:extLst>
   </p:cSld>
@@ -4512,7 +4693,7 @@
     </p:spTree>
     <p:extLst>
       <p:ext uri="{BB962C8B-B14F-4D97-AF65-F5344CB8AC3E}">
-        <p14:creationId xmlns:p14="http://schemas.microsoft.com/office/powerpoint/2010/main" val="3857806570"/>
+        <p14:creationId xmlns:p14="http://schemas.microsoft.com/office/powerpoint/2010/main" val="1537022136"/>
       </p:ext>
     </p:extLst>
   </p:cSld>
@@ -4613,7 +4794,7 @@
     </p:spTree>
     <p:extLst>
       <p:ext uri="{BB962C8B-B14F-4D97-AF65-F5344CB8AC3E}">
-        <p14:creationId xmlns:p14="http://schemas.microsoft.com/office/powerpoint/2010/main" val="795265155"/>
+        <p14:creationId xmlns:p14="http://schemas.microsoft.com/office/powerpoint/2010/main" val="3857806570"/>
       </p:ext>
     </p:extLst>
   </p:cSld>
@@ -4714,7 +4895,7 @@
     </p:spTree>
     <p:extLst>
       <p:ext uri="{BB962C8B-B14F-4D97-AF65-F5344CB8AC3E}">
-        <p14:creationId xmlns:p14="http://schemas.microsoft.com/office/powerpoint/2010/main" val="1255534796"/>
+        <p14:creationId xmlns:p14="http://schemas.microsoft.com/office/powerpoint/2010/main" val="795265155"/>
       </p:ext>
     </p:extLst>
   </p:cSld>
@@ -4815,7 +4996,7 @@
     </p:spTree>
     <p:extLst>
       <p:ext uri="{BB962C8B-B14F-4D97-AF65-F5344CB8AC3E}">
-        <p14:creationId xmlns:p14="http://schemas.microsoft.com/office/powerpoint/2010/main" val="366400381"/>
+        <p14:creationId xmlns:p14="http://schemas.microsoft.com/office/powerpoint/2010/main" val="1255534796"/>
       </p:ext>
     </p:extLst>
   </p:cSld>
@@ -4916,7 +5097,7 @@
     </p:spTree>
     <p:extLst>
       <p:ext uri="{BB962C8B-B14F-4D97-AF65-F5344CB8AC3E}">
-        <p14:creationId xmlns:p14="http://schemas.microsoft.com/office/powerpoint/2010/main" val="3507066176"/>
+        <p14:creationId xmlns:p14="http://schemas.microsoft.com/office/powerpoint/2010/main" val="366400381"/>
       </p:ext>
     </p:extLst>
   </p:cSld>
@@ -5017,7 +5198,7 @@
     </p:spTree>
     <p:extLst>
       <p:ext uri="{BB962C8B-B14F-4D97-AF65-F5344CB8AC3E}">
-        <p14:creationId xmlns:p14="http://schemas.microsoft.com/office/powerpoint/2010/main" val="417791058"/>
+        <p14:creationId xmlns:p14="http://schemas.microsoft.com/office/powerpoint/2010/main" val="3507066176"/>
       </p:ext>
     </p:extLst>
   </p:cSld>
@@ -5202,7 +5383,7 @@
     </p:spTree>
     <p:extLst>
       <p:ext uri="{BB962C8B-B14F-4D97-AF65-F5344CB8AC3E}">
-        <p14:creationId xmlns:p14="http://schemas.microsoft.com/office/powerpoint/2010/main" val="99878240"/>
+        <p14:creationId xmlns:p14="http://schemas.microsoft.com/office/powerpoint/2010/main" val="417791058"/>
       </p:ext>
     </p:extLst>
   </p:cSld>
@@ -5303,7 +5484,7 @@
     </p:spTree>
     <p:extLst>
       <p:ext uri="{BB962C8B-B14F-4D97-AF65-F5344CB8AC3E}">
-        <p14:creationId xmlns:p14="http://schemas.microsoft.com/office/powerpoint/2010/main" val="267596666"/>
+        <p14:creationId xmlns:p14="http://schemas.microsoft.com/office/powerpoint/2010/main" val="99878240"/>
       </p:ext>
     </p:extLst>
   </p:cSld>
@@ -5404,7 +5585,7 @@
     </p:spTree>
     <p:extLst>
       <p:ext uri="{BB962C8B-B14F-4D97-AF65-F5344CB8AC3E}">
-        <p14:creationId xmlns:p14="http://schemas.microsoft.com/office/powerpoint/2010/main" val="4156411750"/>
+        <p14:creationId xmlns:p14="http://schemas.microsoft.com/office/powerpoint/2010/main" val="267596666"/>
       </p:ext>
     </p:extLst>
   </p:cSld>
@@ -5505,6 +5686,107 @@
     </p:spTree>
     <p:extLst>
       <p:ext uri="{BB962C8B-B14F-4D97-AF65-F5344CB8AC3E}">
+        <p14:creationId xmlns:p14="http://schemas.microsoft.com/office/powerpoint/2010/main" val="4156411750"/>
+      </p:ext>
+    </p:extLst>
+  </p:cSld>
+  <p:clrMapOvr>
+    <a:masterClrMapping/>
+  </p:clrMapOvr>
+</p:notes>
+</file>
+
+<file path=ppt/notesSlides/notesSlide54.xml><?xml version="1.0" encoding="utf-8"?>
+<p:notes xmlns:a="http://schemas.openxmlformats.org/drawingml/2006/main" xmlns:r="http://schemas.openxmlformats.org/officeDocument/2006/relationships" xmlns:p="http://schemas.openxmlformats.org/presentationml/2006/main">
+  <p:cSld>
+    <p:spTree>
+      <p:nvGrpSpPr>
+        <p:cNvPr id="1" name=""/>
+        <p:cNvGrpSpPr/>
+        <p:nvPr/>
+      </p:nvGrpSpPr>
+      <p:grpSpPr>
+        <a:xfrm>
+          <a:off x="0" y="0"/>
+          <a:ext cx="0" cy="0"/>
+          <a:chOff x="0" y="0"/>
+          <a:chExt cx="0" cy="0"/>
+        </a:xfrm>
+      </p:grpSpPr>
+      <p:sp>
+        <p:nvSpPr>
+          <p:cNvPr id="2" name="Slide Image Placeholder 1"/>
+          <p:cNvSpPr>
+            <a:spLocks noGrp="1" noRot="1" noChangeAspect="1"/>
+          </p:cNvSpPr>
+          <p:nvPr>
+            <p:ph type="sldImg"/>
+          </p:nvPr>
+        </p:nvSpPr>
+        <p:spPr/>
+      </p:sp>
+      <p:sp>
+        <p:nvSpPr>
+          <p:cNvPr id="3" name="Notes Placeholder 2"/>
+          <p:cNvSpPr>
+            <a:spLocks noGrp="1"/>
+          </p:cNvSpPr>
+          <p:nvPr>
+            <p:ph type="body" idx="1"/>
+          </p:nvPr>
+        </p:nvSpPr>
+        <p:spPr/>
+        <p:txBody>
+          <a:bodyPr/>
+          <a:lstStyle/>
+          <a:p>
+            <a:pPr marL="0" marR="0" lvl="0" indent="0" algn="l" defTabSz="914400" rtl="0" eaLnBrk="1" fontAlgn="auto" latinLnBrk="0" hangingPunct="1">
+              <a:lnSpc>
+                <a:spcPct val="100000"/>
+              </a:lnSpc>
+              <a:spcBef>
+                <a:spcPts val="0"/>
+              </a:spcBef>
+              <a:spcAft>
+                <a:spcPts val="0"/>
+              </a:spcAft>
+              <a:buClrTx/>
+              <a:buSzTx/>
+              <a:buFontTx/>
+              <a:buNone/>
+              <a:tabLst/>
+              <a:defRPr/>
+            </a:pPr>
+            <a:endParaRPr lang="en-US" dirty="0"/>
+          </a:p>
+        </p:txBody>
+      </p:sp>
+      <p:sp>
+        <p:nvSpPr>
+          <p:cNvPr id="4" name="Slide Number Placeholder 3"/>
+          <p:cNvSpPr>
+            <a:spLocks noGrp="1"/>
+          </p:cNvSpPr>
+          <p:nvPr>
+            <p:ph type="sldNum" sz="quarter" idx="5"/>
+          </p:nvPr>
+        </p:nvSpPr>
+        <p:spPr/>
+        <p:txBody>
+          <a:bodyPr/>
+          <a:lstStyle/>
+          <a:p>
+            <a:fld id="{DF030C05-EF6C-9847-8923-580D76870F8E}" type="slidenum">
+              <a:rPr lang="en-AU" smtClean="0"/>
+              <a:t>55</a:t>
+            </a:fld>
+            <a:endParaRPr lang="en-AU"/>
+          </a:p>
+        </p:txBody>
+      </p:sp>
+    </p:spTree>
+    <p:extLst>
+      <p:ext uri="{BB962C8B-B14F-4D97-AF65-F5344CB8AC3E}">
         <p14:creationId xmlns:p14="http://schemas.microsoft.com/office/powerpoint/2010/main" val="988374583"/>
       </p:ext>
     </p:extLst>
@@ -5515,7 +5797,7 @@
 </p:notes>
 </file>
 
-<file path=ppt/notesSlides/notesSlide54.xml><?xml version="1.0" encoding="utf-8"?>
+<file path=ppt/notesSlides/notesSlide55.xml><?xml version="1.0" encoding="utf-8"?>
 <p:notes xmlns:a="http://schemas.openxmlformats.org/drawingml/2006/main" xmlns:r="http://schemas.openxmlformats.org/officeDocument/2006/relationships" xmlns:p="http://schemas.openxmlformats.org/presentationml/2006/main">
   <p:cSld>
     <p:spTree>
@@ -5847,7 +6129,7 @@
           <a:p>
             <a:fld id="{DF030C05-EF6C-9847-8923-580D76870F8E}" type="slidenum">
               <a:rPr lang="en-AU" smtClean="0"/>
-              <a:t>55</a:t>
+              <a:t>56</a:t>
             </a:fld>
             <a:endParaRPr lang="en-AU"/>
           </a:p>
@@ -5866,7 +6148,7 @@
 </p:notes>
 </file>
 
-<file path=ppt/notesSlides/notesSlide55.xml><?xml version="1.0" encoding="utf-8"?>
+<file path=ppt/notesSlides/notesSlide56.xml><?xml version="1.0" encoding="utf-8"?>
 <p:notes xmlns:a="http://schemas.openxmlformats.org/drawingml/2006/main" xmlns:r="http://schemas.openxmlformats.org/officeDocument/2006/relationships" xmlns:p="http://schemas.openxmlformats.org/presentationml/2006/main">
   <p:cSld>
     <p:spTree>
@@ -5948,7 +6230,7 @@
           <a:p>
             <a:fld id="{DF030C05-EF6C-9847-8923-580D76870F8E}" type="slidenum">
               <a:rPr lang="en-AU" smtClean="0"/>
-              <a:t>56</a:t>
+              <a:t>57</a:t>
             </a:fld>
             <a:endParaRPr lang="en-AU"/>
           </a:p>
@@ -5967,7 +6249,7 @@
 </p:notes>
 </file>
 
-<file path=ppt/notesSlides/notesSlide56.xml><?xml version="1.0" encoding="utf-8"?>
+<file path=ppt/notesSlides/notesSlide57.xml><?xml version="1.0" encoding="utf-8"?>
 <p:notes xmlns:a="http://schemas.openxmlformats.org/drawingml/2006/main" xmlns:r="http://schemas.openxmlformats.org/officeDocument/2006/relationships" xmlns:p="http://schemas.openxmlformats.org/presentationml/2006/main">
   <p:cSld>
     <p:spTree>
@@ -6332,7 +6614,7 @@
           <a:p>
             <a:fld id="{DF030C05-EF6C-9847-8923-580D76870F8E}" type="slidenum">
               <a:rPr lang="en-AU" smtClean="0"/>
-              <a:t>57</a:t>
+              <a:t>58</a:t>
             </a:fld>
             <a:endParaRPr lang="en-AU"/>
           </a:p>
@@ -6342,90 +6624,6 @@
     <p:extLst>
       <p:ext uri="{BB962C8B-B14F-4D97-AF65-F5344CB8AC3E}">
         <p14:creationId xmlns:p14="http://schemas.microsoft.com/office/powerpoint/2010/main" val="2901638640"/>
-      </p:ext>
-    </p:extLst>
-  </p:cSld>
-  <p:clrMapOvr>
-    <a:masterClrMapping/>
-  </p:clrMapOvr>
-</p:notes>
-</file>
-
-<file path=ppt/notesSlides/notesSlide57.xml><?xml version="1.0" encoding="utf-8"?>
-<p:notes xmlns:a="http://schemas.openxmlformats.org/drawingml/2006/main" xmlns:r="http://schemas.openxmlformats.org/officeDocument/2006/relationships" xmlns:p="http://schemas.openxmlformats.org/presentationml/2006/main">
-  <p:cSld>
-    <p:spTree>
-      <p:nvGrpSpPr>
-        <p:cNvPr id="1" name=""/>
-        <p:cNvGrpSpPr/>
-        <p:nvPr/>
-      </p:nvGrpSpPr>
-      <p:grpSpPr>
-        <a:xfrm>
-          <a:off x="0" y="0"/>
-          <a:ext cx="0" cy="0"/>
-          <a:chOff x="0" y="0"/>
-          <a:chExt cx="0" cy="0"/>
-        </a:xfrm>
-      </p:grpSpPr>
-      <p:sp>
-        <p:nvSpPr>
-          <p:cNvPr id="2" name="Slide Image Placeholder 1"/>
-          <p:cNvSpPr>
-            <a:spLocks noGrp="1" noRot="1" noChangeAspect="1"/>
-          </p:cNvSpPr>
-          <p:nvPr>
-            <p:ph type="sldImg"/>
-          </p:nvPr>
-        </p:nvSpPr>
-        <p:spPr/>
-      </p:sp>
-      <p:sp>
-        <p:nvSpPr>
-          <p:cNvPr id="3" name="Notes Placeholder 2"/>
-          <p:cNvSpPr>
-            <a:spLocks noGrp="1"/>
-          </p:cNvSpPr>
-          <p:nvPr>
-            <p:ph type="body" idx="1"/>
-          </p:nvPr>
-        </p:nvSpPr>
-        <p:spPr/>
-        <p:txBody>
-          <a:bodyPr/>
-          <a:lstStyle/>
-          <a:p>
-            <a:endParaRPr lang="en-AU" dirty="0"/>
-          </a:p>
-        </p:txBody>
-      </p:sp>
-      <p:sp>
-        <p:nvSpPr>
-          <p:cNvPr id="4" name="Slide Number Placeholder 3"/>
-          <p:cNvSpPr>
-            <a:spLocks noGrp="1"/>
-          </p:cNvSpPr>
-          <p:nvPr>
-            <p:ph type="sldNum" sz="quarter" idx="5"/>
-          </p:nvPr>
-        </p:nvSpPr>
-        <p:spPr/>
-        <p:txBody>
-          <a:bodyPr/>
-          <a:lstStyle/>
-          <a:p>
-            <a:fld id="{DF030C05-EF6C-9847-8923-580D76870F8E}" type="slidenum">
-              <a:rPr lang="en-AU" smtClean="0"/>
-              <a:t>58</a:t>
-            </a:fld>
-            <a:endParaRPr lang="en-AU"/>
-          </a:p>
-        </p:txBody>
-      </p:sp>
-    </p:spTree>
-    <p:extLst>
-      <p:ext uri="{BB962C8B-B14F-4D97-AF65-F5344CB8AC3E}">
-        <p14:creationId xmlns:p14="http://schemas.microsoft.com/office/powerpoint/2010/main" val="2756123898"/>
       </p:ext>
     </p:extLst>
   </p:cSld>
@@ -6509,7 +6707,7 @@
     </p:spTree>
     <p:extLst>
       <p:ext uri="{BB962C8B-B14F-4D97-AF65-F5344CB8AC3E}">
-        <p14:creationId xmlns:p14="http://schemas.microsoft.com/office/powerpoint/2010/main" val="1268104027"/>
+        <p14:creationId xmlns:p14="http://schemas.microsoft.com/office/powerpoint/2010/main" val="2756123898"/>
       </p:ext>
     </p:extLst>
   </p:cSld>
@@ -6593,7 +6791,7 @@
     </p:spTree>
     <p:extLst>
       <p:ext uri="{BB962C8B-B14F-4D97-AF65-F5344CB8AC3E}">
-        <p14:creationId xmlns:p14="http://schemas.microsoft.com/office/powerpoint/2010/main" val="3379182122"/>
+        <p14:creationId xmlns:p14="http://schemas.microsoft.com/office/powerpoint/2010/main" val="1268104027"/>
       </p:ext>
     </p:extLst>
   </p:cSld>
@@ -6731,6 +6929,90 @@
           <a:bodyPr/>
           <a:lstStyle/>
           <a:p>
+            <a:endParaRPr lang="en-AU" dirty="0"/>
+          </a:p>
+        </p:txBody>
+      </p:sp>
+      <p:sp>
+        <p:nvSpPr>
+          <p:cNvPr id="4" name="Slide Number Placeholder 3"/>
+          <p:cNvSpPr>
+            <a:spLocks noGrp="1"/>
+          </p:cNvSpPr>
+          <p:nvPr>
+            <p:ph type="sldNum" sz="quarter" idx="5"/>
+          </p:nvPr>
+        </p:nvSpPr>
+        <p:spPr/>
+        <p:txBody>
+          <a:bodyPr/>
+          <a:lstStyle/>
+          <a:p>
+            <a:fld id="{DF030C05-EF6C-9847-8923-580D76870F8E}" type="slidenum">
+              <a:rPr lang="en-AU" smtClean="0"/>
+              <a:t>61</a:t>
+            </a:fld>
+            <a:endParaRPr lang="en-AU"/>
+          </a:p>
+        </p:txBody>
+      </p:sp>
+    </p:spTree>
+    <p:extLst>
+      <p:ext uri="{BB962C8B-B14F-4D97-AF65-F5344CB8AC3E}">
+        <p14:creationId xmlns:p14="http://schemas.microsoft.com/office/powerpoint/2010/main" val="3379182122"/>
+      </p:ext>
+    </p:extLst>
+  </p:cSld>
+  <p:clrMapOvr>
+    <a:masterClrMapping/>
+  </p:clrMapOvr>
+</p:notes>
+</file>
+
+<file path=ppt/notesSlides/notesSlide61.xml><?xml version="1.0" encoding="utf-8"?>
+<p:notes xmlns:a="http://schemas.openxmlformats.org/drawingml/2006/main" xmlns:r="http://schemas.openxmlformats.org/officeDocument/2006/relationships" xmlns:p="http://schemas.openxmlformats.org/presentationml/2006/main">
+  <p:cSld>
+    <p:spTree>
+      <p:nvGrpSpPr>
+        <p:cNvPr id="1" name=""/>
+        <p:cNvGrpSpPr/>
+        <p:nvPr/>
+      </p:nvGrpSpPr>
+      <p:grpSpPr>
+        <a:xfrm>
+          <a:off x="0" y="0"/>
+          <a:ext cx="0" cy="0"/>
+          <a:chOff x="0" y="0"/>
+          <a:chExt cx="0" cy="0"/>
+        </a:xfrm>
+      </p:grpSpPr>
+      <p:sp>
+        <p:nvSpPr>
+          <p:cNvPr id="2" name="Slide Image Placeholder 1"/>
+          <p:cNvSpPr>
+            <a:spLocks noGrp="1" noRot="1" noChangeAspect="1"/>
+          </p:cNvSpPr>
+          <p:nvPr>
+            <p:ph type="sldImg"/>
+          </p:nvPr>
+        </p:nvSpPr>
+        <p:spPr/>
+      </p:sp>
+      <p:sp>
+        <p:nvSpPr>
+          <p:cNvPr id="3" name="Notes Placeholder 2"/>
+          <p:cNvSpPr>
+            <a:spLocks noGrp="1"/>
+          </p:cNvSpPr>
+          <p:nvPr>
+            <p:ph type="body" idx="1"/>
+          </p:nvPr>
+        </p:nvSpPr>
+        <p:spPr/>
+        <p:txBody>
+          <a:bodyPr/>
+          <a:lstStyle/>
+          <a:p>
             <a:pPr marL="0" marR="0" lvl="0" indent="0" algn="l" defTabSz="914400" rtl="0" eaLnBrk="1" fontAlgn="auto" latinLnBrk="0" hangingPunct="1">
               <a:lnSpc>
                 <a:spcPct val="100000"/>
@@ -6769,7 +7051,7 @@
           <a:p>
             <a:fld id="{DF030C05-EF6C-9847-8923-580D76870F8E}" type="slidenum">
               <a:rPr lang="en-AU" smtClean="0"/>
-              <a:t>61</a:t>
+              <a:t>62</a:t>
             </a:fld>
             <a:endParaRPr lang="en-AU"/>
           </a:p>
@@ -7225,7 +7507,7 @@
           <a:p>
             <a:fld id="{88D38747-4367-4BD2-8D51-C97E202738E2}" type="datetime1">
               <a:rPr lang="en-US" smtClean="0"/>
-              <a:t>4/24/2023</a:t>
+              <a:t>4/21/2024</a:t>
             </a:fld>
             <a:endParaRPr lang="en-US" dirty="0"/>
           </a:p>
@@ -7530,7 +7812,7 @@
           <a:p>
             <a:fld id="{11F1B079-7EF0-44EE-B798-BCC497C9F3B2}" type="datetime1">
               <a:rPr lang="en-US" smtClean="0"/>
-              <a:t>4/24/2023</a:t>
+              <a:t>4/21/2024</a:t>
             </a:fld>
             <a:endParaRPr lang="en-US" dirty="0"/>
           </a:p>
@@ -7724,7 +8006,7 @@
           <a:p>
             <a:fld id="{28FF70A8-1D13-4657-95F0-A9EA54967B8D}" type="datetime1">
               <a:rPr lang="en-US" smtClean="0"/>
-              <a:t>4/24/2023</a:t>
+              <a:t>4/21/2024</a:t>
             </a:fld>
             <a:endParaRPr lang="en-US" dirty="0"/>
           </a:p>
@@ -7987,7 +8269,7 @@
           <a:p>
             <a:fld id="{21EB90AC-71BD-4C7F-8ACA-7B3F18292E63}" type="datetime1">
               <a:rPr lang="en-US" smtClean="0"/>
-              <a:t>4/24/2023</a:t>
+              <a:t>4/21/2024</a:t>
             </a:fld>
             <a:endParaRPr lang="en-US" dirty="0"/>
           </a:p>
@@ -8423,7 +8705,7 @@
           <a:p>
             <a:fld id="{4E6EFC2C-8905-46F0-B443-CE905B76BA01}" type="datetime1">
               <a:rPr lang="en-US" smtClean="0"/>
-              <a:t>4/24/2023</a:t>
+              <a:t>4/21/2024</a:t>
             </a:fld>
             <a:endParaRPr lang="en-US" dirty="0"/>
           </a:p>
@@ -8960,7 +9242,7 @@
           <a:p>
             <a:fld id="{D9079DC3-C9B5-499E-9140-0DC28B7074E2}" type="datetime1">
               <a:rPr lang="en-US" smtClean="0"/>
-              <a:t>4/24/2023</a:t>
+              <a:t>4/21/2024</a:t>
             </a:fld>
             <a:endParaRPr lang="en-US" dirty="0"/>
           </a:p>
@@ -9842,7 +10124,7 @@
           <a:p>
             <a:fld id="{30BB33EA-E472-4D22-9C03-A9C14AA21CED}" type="datetime1">
               <a:rPr lang="en-US" smtClean="0"/>
-              <a:t>4/24/2023</a:t>
+              <a:t>4/21/2024</a:t>
             </a:fld>
             <a:endParaRPr lang="en-US" dirty="0"/>
           </a:p>
@@ -10012,7 +10294,7 @@
           <a:p>
             <a:fld id="{217E833E-1B6D-415F-AD29-75AE8C43BD0D}" type="datetime1">
               <a:rPr lang="en-US" smtClean="0"/>
-              <a:t>4/24/2023</a:t>
+              <a:t>4/21/2024</a:t>
             </a:fld>
             <a:endParaRPr lang="en-US" dirty="0"/>
           </a:p>
@@ -10196,7 +10478,7 @@
           <a:p>
             <a:fld id="{8452596F-08A7-4B70-989A-F2B1CF31E66B}" type="datetime1">
               <a:rPr lang="en-US" smtClean="0"/>
-              <a:t>4/24/2023</a:t>
+              <a:t>4/21/2024</a:t>
             </a:fld>
             <a:endParaRPr lang="en-US" dirty="0"/>
           </a:p>
@@ -10366,7 +10648,7 @@
           <a:p>
             <a:fld id="{73C55A3C-5767-4844-A0A3-83778C2E5409}" type="datetime1">
               <a:rPr lang="en-US" smtClean="0"/>
-              <a:t>4/24/2023</a:t>
+              <a:t>4/21/2024</a:t>
             </a:fld>
             <a:endParaRPr lang="en-US" dirty="0"/>
           </a:p>
@@ -10610,7 +10892,7 @@
           <a:p>
             <a:fld id="{CAE507A8-A5CF-4D38-AB86-7EDDA87A85D4}" type="datetime1">
               <a:rPr lang="en-US" smtClean="0"/>
-              <a:t>4/24/2023</a:t>
+              <a:t>4/21/2024</a:t>
             </a:fld>
             <a:endParaRPr lang="en-US" dirty="0"/>
           </a:p>
@@ -10852,7 +11134,7 @@
           <a:p>
             <a:fld id="{BDFCD27C-8599-43EF-BA1D-14DDC1946E06}" type="datetime1">
               <a:rPr lang="en-US" smtClean="0"/>
-              <a:t>4/24/2023</a:t>
+              <a:t>4/21/2024</a:t>
             </a:fld>
             <a:endParaRPr lang="en-US" dirty="0"/>
           </a:p>
@@ -11333,7 +11615,7 @@
           <a:p>
             <a:fld id="{49343D99-809A-49C0-96E5-4250D0B498EE}" type="datetime1">
               <a:rPr lang="en-US" smtClean="0"/>
-              <a:t>4/24/2023</a:t>
+              <a:t>4/21/2024</a:t>
             </a:fld>
             <a:endParaRPr lang="en-US" dirty="0"/>
           </a:p>
@@ -11451,7 +11733,7 @@
           <a:p>
             <a:fld id="{A143DE9B-B678-4EFB-BB7D-A4370204A0B0}" type="datetime1">
               <a:rPr lang="en-US" smtClean="0"/>
-              <a:t>4/24/2023</a:t>
+              <a:t>4/21/2024</a:t>
             </a:fld>
             <a:endParaRPr lang="en-US" dirty="0"/>
           </a:p>
@@ -11546,7 +11828,7 @@
           <a:p>
             <a:fld id="{E68812DA-F765-4142-A6A3-A8ED7235E082}" type="datetime1">
               <a:rPr lang="en-US" smtClean="0"/>
-              <a:t>4/24/2023</a:t>
+              <a:t>4/21/2024</a:t>
             </a:fld>
             <a:endParaRPr lang="en-US" dirty="0"/>
           </a:p>
@@ -11801,7 +12083,7 @@
           <a:p>
             <a:fld id="{3E0277FD-7DE6-41D4-930D-AC99F5AFE54E}" type="datetime1">
               <a:rPr lang="en-US" smtClean="0"/>
-              <a:t>4/24/2023</a:t>
+              <a:t>4/21/2024</a:t>
             </a:fld>
             <a:endParaRPr lang="en-US" dirty="0"/>
           </a:p>
@@ -12108,7 +12390,7 @@
           <a:p>
             <a:fld id="{9EA15526-7079-4B7B-987C-1B5FAE11A0FF}" type="datetime1">
               <a:rPr lang="en-US" smtClean="0"/>
-              <a:t>4/24/2023</a:t>
+              <a:t>4/21/2024</a:t>
             </a:fld>
             <a:endParaRPr lang="en-US" dirty="0"/>
           </a:p>
@@ -12343,7 +12625,7 @@
           <a:p>
             <a:fld id="{073ED0CC-082F-4160-86E5-0D6041F12778}" type="datetime1">
               <a:rPr lang="en-US" smtClean="0"/>
-              <a:t>4/24/2023</a:t>
+              <a:t>4/21/2024</a:t>
             </a:fld>
             <a:endParaRPr lang="en-US" dirty="0"/>
           </a:p>
@@ -13254,7 +13536,7 @@
           </a:effectLst>
           <a:extLst>
             <a:ext uri="{91240B29-F687-4f45-9708-019B960494DF}">
-              <a14:hiddenLine xmlns="" xmlns:a14="http://schemas.microsoft.com/office/drawing/2010/main" xmlns:p14="http://schemas.microsoft.com/office/powerpoint/2010/main" xmlns:a16="http://schemas.microsoft.com/office/drawing/2014/main" w="9525">
+              <a14:hiddenLine xmlns:a16="http://schemas.microsoft.com/office/drawing/2014/main" xmlns:p14="http://schemas.microsoft.com/office/powerpoint/2010/main" xmlns:a14="http://schemas.microsoft.com/office/drawing/2010/main" xmlns="" w="9525">
                 <a:solidFill>
                   <a:srgbClr val="000000"/>
                 </a:solidFill>
@@ -19824,13 +20106,6 @@
             </a:r>
           </a:p>
           <a:p>
-            <a:pPr lvl="1"/>
-            <a:r>
-              <a:rPr lang="en-AU" sz="2800" dirty="0"/>
-              <a:t>If it is difficult, we can assume it is hard to know the techniques in practice.</a:t>
-            </a:r>
-          </a:p>
-          <a:p>
             <a:endParaRPr lang="en-AU" dirty="0"/>
           </a:p>
         </p:txBody>
@@ -19916,14 +20191,12 @@
         </p:nvSpPr>
         <p:spPr>
           <a:xfrm>
-            <a:off x="689205" y="1279358"/>
-            <a:ext cx="11064180" cy="4809208"/>
+            <a:off x="689204" y="1571625"/>
+            <a:ext cx="10885761" cy="3714749"/>
           </a:xfrm>
         </p:spPr>
         <p:txBody>
-          <a:bodyPr>
-            <a:normAutofit/>
-          </a:bodyPr>
+          <a:bodyPr/>
           <a:lstStyle/>
           <a:p>
             <a:r>
@@ -19944,22 +20217,6 @@
               <a:rPr lang="en-AU" sz="2800" dirty="0"/>
               <a:t>If it is difficult, we can assume it is hard to know the techniques in practice.</a:t>
             </a:r>
-          </a:p>
-          <a:p>
-            <a:pPr marL="36900" indent="0">
-              <a:buNone/>
-            </a:pPr>
-            <a:endParaRPr lang="en-AU" sz="2800" dirty="0"/>
-          </a:p>
-          <a:p>
-            <a:r>
-              <a:rPr lang="en-AU" sz="2800" dirty="0"/>
-              <a:t>Compare position with key against white space?</a:t>
-            </a:r>
-          </a:p>
-          <a:p>
-            <a:pPr lvl="2"/>
-            <a:endParaRPr lang="en-AU" sz="2600" dirty="0"/>
           </a:p>
           <a:p>
             <a:endParaRPr lang="en-AU" dirty="0"/>
@@ -19969,7 +20226,7 @@
     </p:spTree>
     <p:extLst>
       <p:ext uri="{BB962C8B-B14F-4D97-AF65-F5344CB8AC3E}">
-        <p14:creationId xmlns:p14="http://schemas.microsoft.com/office/powerpoint/2010/main" val="1030321779"/>
+        <p14:creationId xmlns:p14="http://schemas.microsoft.com/office/powerpoint/2010/main" val="554390789"/>
       </p:ext>
     </p:extLst>
   </p:cSld>
@@ -20090,6 +20347,137 @@
           </a:p>
           <a:p>
             <a:pPr lvl="2"/>
+            <a:endParaRPr lang="en-AU" sz="2600" dirty="0"/>
+          </a:p>
+          <a:p>
+            <a:endParaRPr lang="en-AU" dirty="0"/>
+          </a:p>
+        </p:txBody>
+      </p:sp>
+    </p:spTree>
+    <p:extLst>
+      <p:ext uri="{BB962C8B-B14F-4D97-AF65-F5344CB8AC3E}">
+        <p14:creationId xmlns:p14="http://schemas.microsoft.com/office/powerpoint/2010/main" val="1030321779"/>
+      </p:ext>
+    </p:extLst>
+  </p:cSld>
+  <p:clrMapOvr>
+    <a:masterClrMapping/>
+  </p:clrMapOvr>
+</p:sld>
+</file>
+
+<file path=ppt/slides/slide33.xml><?xml version="1.0" encoding="utf-8"?>
+<p:sld xmlns:a="http://schemas.openxmlformats.org/drawingml/2006/main" xmlns:r="http://schemas.openxmlformats.org/officeDocument/2006/relationships" xmlns:p="http://schemas.openxmlformats.org/presentationml/2006/main">
+  <p:cSld>
+    <p:spTree>
+      <p:nvGrpSpPr>
+        <p:cNvPr id="1" name=""/>
+        <p:cNvGrpSpPr/>
+        <p:nvPr/>
+      </p:nvGrpSpPr>
+      <p:grpSpPr>
+        <a:xfrm>
+          <a:off x="0" y="0"/>
+          <a:ext cx="0" cy="0"/>
+          <a:chOff x="0" y="0"/>
+          <a:chExt cx="0" cy="0"/>
+        </a:xfrm>
+      </p:grpSpPr>
+      <p:sp>
+        <p:nvSpPr>
+          <p:cNvPr id="2" name="Title 1">
+            <a:extLst>
+              <a:ext uri="{FF2B5EF4-FFF2-40B4-BE49-F238E27FC236}">
+                <a16:creationId xmlns:a16="http://schemas.microsoft.com/office/drawing/2014/main" id="{5B374C25-2D5A-48BC-9315-DB95C4804247}"/>
+              </a:ext>
+            </a:extLst>
+          </p:cNvPr>
+          <p:cNvSpPr>
+            <a:spLocks noGrp="1"/>
+          </p:cNvSpPr>
+          <p:nvPr>
+            <p:ph type="title"/>
+          </p:nvPr>
+        </p:nvSpPr>
+        <p:spPr>
+          <a:xfrm>
+            <a:off x="1058174" y="22058"/>
+            <a:ext cx="10353762" cy="972553"/>
+          </a:xfrm>
+        </p:spPr>
+        <p:txBody>
+          <a:bodyPr/>
+          <a:lstStyle/>
+          <a:p>
+            <a:r>
+              <a:rPr lang="en-AU" dirty="0"/>
+              <a:t>Text Steganography</a:t>
+            </a:r>
+          </a:p>
+        </p:txBody>
+      </p:sp>
+      <p:sp>
+        <p:nvSpPr>
+          <p:cNvPr id="3" name="Content Placeholder 2">
+            <a:extLst>
+              <a:ext uri="{FF2B5EF4-FFF2-40B4-BE49-F238E27FC236}">
+                <a16:creationId xmlns:a16="http://schemas.microsoft.com/office/drawing/2014/main" id="{A31F018A-FD8B-4DBD-91A8-B6A88766EDA8}"/>
+              </a:ext>
+            </a:extLst>
+          </p:cNvPr>
+          <p:cNvSpPr>
+            <a:spLocks noGrp="1"/>
+          </p:cNvSpPr>
+          <p:nvPr>
+            <p:ph idx="1"/>
+          </p:nvPr>
+        </p:nvSpPr>
+        <p:spPr>
+          <a:xfrm>
+            <a:off x="689205" y="1279358"/>
+            <a:ext cx="11064180" cy="4809208"/>
+          </a:xfrm>
+        </p:spPr>
+        <p:txBody>
+          <a:bodyPr>
+            <a:normAutofit/>
+          </a:bodyPr>
+          <a:lstStyle/>
+          <a:p>
+            <a:r>
+              <a:rPr lang="en-AU" sz="2800" dirty="0"/>
+              <a:t>How difficult/easy is it to detect text steganography?</a:t>
+            </a:r>
+          </a:p>
+          <a:p>
+            <a:pPr lvl="1"/>
+            <a:r>
+              <a:rPr lang="en-AU" sz="2800" dirty="0"/>
+              <a:t>If it is easy, we assume the text steganography techniques are already known to us. </a:t>
+            </a:r>
+          </a:p>
+          <a:p>
+            <a:pPr lvl="1"/>
+            <a:r>
+              <a:rPr lang="en-AU" sz="2800" dirty="0"/>
+              <a:t>If it is difficult, we can assume it is hard to know the techniques in practice.</a:t>
+            </a:r>
+          </a:p>
+          <a:p>
+            <a:pPr marL="36900" indent="0">
+              <a:buNone/>
+            </a:pPr>
+            <a:endParaRPr lang="en-AU" sz="2800" dirty="0"/>
+          </a:p>
+          <a:p>
+            <a:r>
+              <a:rPr lang="en-AU" sz="2800" dirty="0"/>
+              <a:t>Compare position with key against white space?</a:t>
+            </a:r>
+          </a:p>
+          <a:p>
+            <a:pPr lvl="2"/>
             <a:r>
               <a:rPr lang="en-AU" sz="2800" dirty="0"/>
               <a:t>e.g., whether adding data into the text is needed.</a:t>
@@ -20117,7 +20505,7 @@
 </p:sld>
 </file>
 
-<file path=ppt/slides/slide33.xml><?xml version="1.0" encoding="utf-8"?>
+<file path=ppt/slides/slide34.xml><?xml version="1.0" encoding="utf-8"?>
 <p:sld xmlns:a="http://schemas.openxmlformats.org/drawingml/2006/main" xmlns:r="http://schemas.openxmlformats.org/officeDocument/2006/relationships" xmlns:p="http://schemas.openxmlformats.org/presentationml/2006/main">
   <p:cSld>
     <p:spTree>
@@ -20187,7 +20575,7 @@
                 </a:solidFill>
               </a:rPr>
               <a:pPr/>
-              <a:t>33</a:t>
+              <a:t>34</a:t>
             </a:fld>
             <a:endParaRPr lang="en-AU" dirty="0">
               <a:solidFill>
@@ -20269,162 +20657,6 @@
 </p:sld>
 </file>
 
-<file path=ppt/slides/slide34.xml><?xml version="1.0" encoding="utf-8"?>
-<p:sld xmlns:a="http://schemas.openxmlformats.org/drawingml/2006/main" xmlns:r="http://schemas.openxmlformats.org/officeDocument/2006/relationships" xmlns:p="http://schemas.openxmlformats.org/presentationml/2006/main">
-  <p:cSld>
-    <p:spTree>
-      <p:nvGrpSpPr>
-        <p:cNvPr id="1" name=""/>
-        <p:cNvGrpSpPr/>
-        <p:nvPr/>
-      </p:nvGrpSpPr>
-      <p:grpSpPr>
-        <a:xfrm>
-          <a:off x="0" y="0"/>
-          <a:ext cx="0" cy="0"/>
-          <a:chOff x="0" y="0"/>
-          <a:chExt cx="0" cy="0"/>
-        </a:xfrm>
-      </p:grpSpPr>
-      <p:sp>
-        <p:nvSpPr>
-          <p:cNvPr id="2" name="Content Placeholder 1"/>
-          <p:cNvSpPr>
-            <a:spLocks noGrp="1"/>
-          </p:cNvSpPr>
-          <p:nvPr>
-            <p:ph idx="1"/>
-          </p:nvPr>
-        </p:nvSpPr>
-        <p:spPr>
-          <a:xfrm>
-            <a:off x="386256" y="1390650"/>
-            <a:ext cx="10353762" cy="3714749"/>
-          </a:xfrm>
-        </p:spPr>
-        <p:txBody>
-          <a:bodyPr>
-            <a:normAutofit/>
-          </a:bodyPr>
-          <a:lstStyle/>
-          <a:p>
-            <a:pPr lvl="1"/>
-            <a:r>
-              <a:rPr lang="en-AU" sz="2800" dirty="0"/>
-              <a:t>Image Steganography</a:t>
-            </a:r>
-          </a:p>
-          <a:p>
-            <a:pPr lvl="2"/>
-            <a:r>
-              <a:rPr lang="en-AU" sz="2800" dirty="0"/>
-              <a:t>e.g., LSB (Least Significant Bit), PVD (Pixel-Value Differencing)</a:t>
-            </a:r>
-          </a:p>
-          <a:p>
-            <a:pPr marL="810000" lvl="2" indent="0">
-              <a:buNone/>
-            </a:pPr>
-            <a:endParaRPr lang="en-AU" sz="2800" dirty="0"/>
-          </a:p>
-          <a:p>
-            <a:pPr lvl="1"/>
-            <a:r>
-              <a:rPr lang="en-AU" sz="2800" dirty="0"/>
-              <a:t>Demo</a:t>
-            </a:r>
-          </a:p>
-          <a:p>
-            <a:pPr lvl="2"/>
-            <a:r>
-              <a:rPr lang="en-AU" sz="2800" dirty="0"/>
-              <a:t>LSB</a:t>
-            </a:r>
-          </a:p>
-          <a:p>
-            <a:pPr marL="810000" lvl="2" indent="0">
-              <a:buNone/>
-            </a:pPr>
-            <a:endParaRPr lang="en-AU" sz="2800" dirty="0"/>
-          </a:p>
-        </p:txBody>
-      </p:sp>
-      <p:sp>
-        <p:nvSpPr>
-          <p:cNvPr id="3" name="Slide Number Placeholder 2"/>
-          <p:cNvSpPr>
-            <a:spLocks noGrp="1"/>
-          </p:cNvSpPr>
-          <p:nvPr>
-            <p:ph type="sldNum" sz="quarter" idx="12"/>
-          </p:nvPr>
-        </p:nvSpPr>
-        <p:spPr/>
-        <p:txBody>
-          <a:bodyPr/>
-          <a:lstStyle/>
-          <a:p>
-            <a:fld id="{55670E94-029C-4BA8-8D44-FBB339E4924F}" type="slidenum">
-              <a:rPr lang="en-AU" smtClean="0">
-                <a:solidFill>
-                  <a:prstClr val="black">
-                    <a:tint val="75000"/>
-                  </a:prstClr>
-                </a:solidFill>
-              </a:rPr>
-              <a:pPr/>
-              <a:t>34</a:t>
-            </a:fld>
-            <a:endParaRPr lang="en-AU" dirty="0">
-              <a:solidFill>
-                <a:prstClr val="black">
-                  <a:tint val="75000"/>
-                </a:prstClr>
-              </a:solidFill>
-            </a:endParaRPr>
-          </a:p>
-        </p:txBody>
-      </p:sp>
-      <p:sp>
-        <p:nvSpPr>
-          <p:cNvPr id="4" name="Title 3"/>
-          <p:cNvSpPr>
-            <a:spLocks noGrp="1"/>
-          </p:cNvSpPr>
-          <p:nvPr>
-            <p:ph type="title"/>
-          </p:nvPr>
-        </p:nvSpPr>
-        <p:spPr>
-          <a:xfrm>
-            <a:off x="919119" y="205154"/>
-            <a:ext cx="10353762" cy="1060938"/>
-          </a:xfrm>
-        </p:spPr>
-        <p:txBody>
-          <a:bodyPr/>
-          <a:lstStyle/>
-          <a:p>
-            <a:r>
-              <a:rPr lang="en-AU" dirty="0"/>
-              <a:t>Steganography</a:t>
-            </a:r>
-          </a:p>
-        </p:txBody>
-      </p:sp>
-    </p:spTree>
-    <p:extLst>
-      <p:ext uri="{BB962C8B-B14F-4D97-AF65-F5344CB8AC3E}">
-        <p14:creationId xmlns:p14="http://schemas.microsoft.com/office/powerpoint/2010/main" val="4128095559"/>
-      </p:ext>
-    </p:extLst>
-  </p:cSld>
-  <p:clrMapOvr>
-    <a:masterClrMapping/>
-  </p:clrMapOvr>
-</p:sld>
-</file>
-
 <file path=ppt/slides/slide35.xml><?xml version="1.0" encoding="utf-8"?>
 <p:sld xmlns:a="http://schemas.openxmlformats.org/drawingml/2006/main" xmlns:r="http://schemas.openxmlformats.org/officeDocument/2006/relationships" xmlns:p="http://schemas.openxmlformats.org/presentationml/2006/main">
   <p:cSld>
@@ -20455,7 +20687,7 @@
         <p:spPr>
           <a:xfrm>
             <a:off x="386256" y="1390650"/>
-            <a:ext cx="10353762" cy="2170697"/>
+            <a:ext cx="10353762" cy="3714749"/>
           </a:xfrm>
         </p:spPr>
         <p:txBody>
@@ -20464,14 +20696,44 @@
           </a:bodyPr>
           <a:lstStyle/>
           <a:p>
-            <a:r>
-              <a:rPr lang="en-US" sz="2800" dirty="0"/>
-              <a:t>LSB: LSB of each pixel is replaced with a bit of the secret message to be hidden. </a:t>
-            </a:r>
+            <a:pPr lvl="1"/>
+            <a:r>
+              <a:rPr lang="en-AU" sz="2800" dirty="0"/>
+              <a:t>Image Steganography</a:t>
+            </a:r>
+          </a:p>
+          <a:p>
+            <a:pPr lvl="2"/>
+            <a:r>
+              <a:rPr lang="en-AU" sz="2800" dirty="0"/>
+              <a:t>e.g., LSB (Least Significant Bit), PVD (Pixel-Value Differencing)</a:t>
+            </a:r>
+          </a:p>
+          <a:p>
+            <a:pPr marL="810000" lvl="2" indent="0">
+              <a:buNone/>
+            </a:pPr>
             <a:endParaRPr lang="en-AU" sz="2800" dirty="0"/>
           </a:p>
           <a:p>
-            <a:endParaRPr lang="en-AU" sz="1600" dirty="0"/>
+            <a:pPr lvl="1"/>
+            <a:r>
+              <a:rPr lang="en-AU" sz="2800" dirty="0"/>
+              <a:t>Demo</a:t>
+            </a:r>
+          </a:p>
+          <a:p>
+            <a:pPr lvl="2"/>
+            <a:r>
+              <a:rPr lang="en-AU" sz="2800" dirty="0"/>
+              <a:t>LSB</a:t>
+            </a:r>
+          </a:p>
+          <a:p>
+            <a:pPr marL="810000" lvl="2" indent="0">
+              <a:buNone/>
+            </a:pPr>
+            <a:endParaRPr lang="en-AU" sz="2800" dirty="0"/>
           </a:p>
         </p:txBody>
       </p:sp>
@@ -20541,7 +20803,7 @@
     </p:spTree>
     <p:extLst>
       <p:ext uri="{BB962C8B-B14F-4D97-AF65-F5344CB8AC3E}">
-        <p14:creationId xmlns:p14="http://schemas.microsoft.com/office/powerpoint/2010/main" val="1843014536"/>
+        <p14:creationId xmlns:p14="http://schemas.microsoft.com/office/powerpoint/2010/main" val="4128095559"/>
       </p:ext>
     </p:extLst>
   </p:cSld>
@@ -20580,8 +20842,8 @@
         </p:nvSpPr>
         <p:spPr>
           <a:xfrm>
-            <a:off x="386256" y="1219200"/>
-            <a:ext cx="11159340" cy="3577389"/>
+            <a:off x="386256" y="1390650"/>
+            <a:ext cx="10353762" cy="2170697"/>
           </a:xfrm>
         </p:spPr>
         <p:txBody>
@@ -20591,19 +20853,10 @@
           <a:lstStyle/>
           <a:p>
             <a:r>
-              <a:rPr lang="en-US" sz="2800" dirty="0">
-                <a:effectLst/>
-              </a:rPr>
-              <a:t>RGB: stands for Red, Green, and Blue. It is a color model to represent colors in digital images and on computer screens. In this model, each color is represented by 8 bits (0-255). </a:t>
-            </a:r>
-          </a:p>
-          <a:p>
-            <a:r>
-              <a:rPr lang="en-US" sz="2800" dirty="0">
-                <a:effectLst/>
-              </a:rPr>
-              <a:t>Pixel: is the smallest unit of an RGB image. It has a specific RGB (three colors) in an image. Its colors are determined by its RGB value. </a:t>
-            </a:r>
+              <a:rPr lang="en-US" sz="2800" dirty="0"/>
+              <a:t>LSB: LSB of each pixel is replaced with a bit of the secret message to be hidden. </a:t>
+            </a:r>
+            <a:endParaRPr lang="en-AU" sz="2800" dirty="0"/>
           </a:p>
           <a:p>
             <a:endParaRPr lang="en-AU" sz="1600" dirty="0"/>
@@ -20658,7 +20911,7 @@
         </p:nvSpPr>
         <p:spPr>
           <a:xfrm>
-            <a:off x="774739" y="-38343"/>
+            <a:off x="919119" y="205154"/>
             <a:ext cx="10353762" cy="1060938"/>
           </a:xfrm>
         </p:spPr>
@@ -20667,10 +20920,8 @@
           <a:lstStyle/>
           <a:p>
             <a:r>
-              <a:rPr lang="en-AU" dirty="0">
-                <a:effectLst/>
-              </a:rPr>
-              <a:t>LSB</a:t>
+              <a:rPr lang="en-AU" dirty="0"/>
+              <a:t>Steganography</a:t>
             </a:r>
           </a:p>
         </p:txBody>
@@ -20678,7 +20929,7 @@
     </p:spTree>
     <p:extLst>
       <p:ext uri="{BB962C8B-B14F-4D97-AF65-F5344CB8AC3E}">
-        <p14:creationId xmlns:p14="http://schemas.microsoft.com/office/powerpoint/2010/main" val="2714717116"/>
+        <p14:creationId xmlns:p14="http://schemas.microsoft.com/office/powerpoint/2010/main" val="1843014536"/>
       </p:ext>
     </p:extLst>
   </p:cSld>
@@ -20718,7 +20969,7 @@
         <p:spPr>
           <a:xfrm>
             <a:off x="386256" y="1219200"/>
-            <a:ext cx="11159340" cy="4555958"/>
+            <a:ext cx="11159340" cy="3577389"/>
           </a:xfrm>
         </p:spPr>
         <p:txBody>
@@ -20731,7 +20982,7 @@
               <a:rPr lang="en-US" sz="2800" dirty="0">
                 <a:effectLst/>
               </a:rPr>
-              <a:t>RGB: stands for Red, Green, and Blue. It is a color model to represent colors in digital images and on computer screens. In this model, each color is represented by 8 bits. </a:t>
+              <a:t>RGB: stands for Red, Green, and Blue. It is a color model to represent colors in digital images and on computer screens. In this model, each color is represented by 8 bits (0-255). </a:t>
             </a:r>
           </a:p>
           <a:p>
@@ -20739,37 +20990,8 @@
               <a:rPr lang="en-US" sz="2800" dirty="0">
                 <a:effectLst/>
               </a:rPr>
-              <a:t>Pixel: is the smallest unit of an image. It has a specific color in an image. Its color is determined by its RGB values. </a:t>
-            </a:r>
-          </a:p>
-          <a:p>
-            <a:r>
-              <a:rPr lang="en-US" sz="2800" dirty="0"/>
-              <a:t>LSB: embeds 3 secret bits per pixel in an RGB image. </a:t>
-            </a:r>
-            <a:r>
-              <a:rPr lang="en-US" sz="2800" dirty="0">
-                <a:solidFill>
-                  <a:srgbClr val="FF0000"/>
-                </a:solidFill>
-              </a:rPr>
-              <a:t>Why 3 bits?</a:t>
-            </a:r>
-          </a:p>
-          <a:p>
-            <a:pPr marL="450000" lvl="1" indent="0">
-              <a:buNone/>
-            </a:pPr>
-            <a:r>
-              <a:rPr lang="en-US" sz="2600" dirty="0"/>
-              <a:t>  </a:t>
-            </a:r>
-            <a:endParaRPr lang="en-AU" sz="2600" dirty="0"/>
-          </a:p>
-          <a:p>
-            <a:endParaRPr lang="en-US" sz="2800" dirty="0">
-              <a:effectLst/>
-            </a:endParaRPr>
+              <a:t>Pixel: is the smallest unit of an RGB image. It has a specific RGB (three colors) in an image. Its colors are determined by its RGB value. </a:t>
+            </a:r>
           </a:p>
           <a:p>
             <a:endParaRPr lang="en-AU" sz="1600" dirty="0"/>
@@ -20844,7 +21066,7 @@
     </p:spTree>
     <p:extLst>
       <p:ext uri="{BB962C8B-B14F-4D97-AF65-F5344CB8AC3E}">
-        <p14:creationId xmlns:p14="http://schemas.microsoft.com/office/powerpoint/2010/main" val="2094672538"/>
+        <p14:creationId xmlns:p14="http://schemas.microsoft.com/office/powerpoint/2010/main" val="2714717116"/>
       </p:ext>
     </p:extLst>
   </p:cSld>
@@ -20883,8 +21105,8 @@
         </p:nvSpPr>
         <p:spPr>
           <a:xfrm>
-            <a:off x="353237" y="1151021"/>
-            <a:ext cx="11485526" cy="4555958"/>
+            <a:off x="386256" y="1219200"/>
+            <a:ext cx="11159340" cy="4555958"/>
           </a:xfrm>
         </p:spPr>
         <p:txBody>
@@ -20911,7 +21133,7 @@
           <a:p>
             <a:r>
               <a:rPr lang="en-US" sz="2800" dirty="0"/>
-              <a:t>LSB: embeds three secret bits per pixel in an RGB image. </a:t>
+              <a:t>LSB: embeds 3 secret bits per pixel in an RGB image. </a:t>
             </a:r>
             <a:r>
               <a:rPr lang="en-US" sz="2800" dirty="0">
@@ -20923,16 +21145,13 @@
             </a:r>
           </a:p>
           <a:p>
-            <a:pPr lvl="1"/>
-            <a:r>
-              <a:rPr lang="en-US" sz="2800" dirty="0">
-                <a:effectLst/>
-              </a:rPr>
-              <a:t>A pixel has an RGB value of (X, Y, Z). X, Y, and Z are respectively represented by 8 bits and LSB of each 8 bits can be modified. </a:t>
-            </a:r>
-          </a:p>
-          <a:p>
-            <a:pPr lvl="1"/>
+            <a:pPr marL="450000" lvl="1" indent="0">
+              <a:buNone/>
+            </a:pPr>
+            <a:r>
+              <a:rPr lang="en-US" sz="2600" dirty="0"/>
+              <a:t>  </a:t>
+            </a:r>
             <a:endParaRPr lang="en-AU" sz="2600" dirty="0"/>
           </a:p>
           <a:p>
@@ -21013,7 +21232,7 @@
     </p:spTree>
     <p:extLst>
       <p:ext uri="{BB962C8B-B14F-4D97-AF65-F5344CB8AC3E}">
-        <p14:creationId xmlns:p14="http://schemas.microsoft.com/office/powerpoint/2010/main" val="2496945193"/>
+        <p14:creationId xmlns:p14="http://schemas.microsoft.com/office/powerpoint/2010/main" val="2094672538"/>
       </p:ext>
     </p:extLst>
   </p:cSld>
@@ -21052,8 +21271,8 @@
         </p:nvSpPr>
         <p:spPr>
           <a:xfrm>
-            <a:off x="913794" y="1268877"/>
-            <a:ext cx="10353762" cy="3714749"/>
+            <a:off x="353237" y="1151021"/>
+            <a:ext cx="11485526" cy="4555958"/>
           </a:xfrm>
         </p:spPr>
         <p:txBody>
@@ -21063,30 +21282,54 @@
           <a:lstStyle/>
           <a:p>
             <a:r>
-              <a:rPr lang="en-AU" sz="2667" dirty="0"/>
-              <a:t>Given the following 3 RGB values</a:t>
-            </a:r>
-          </a:p>
-          <a:p>
-            <a:endParaRPr lang="en-AU" sz="2667" dirty="0"/>
-          </a:p>
-          <a:p>
-            <a:endParaRPr lang="en-AU" sz="2667" dirty="0"/>
-          </a:p>
-          <a:p>
-            <a:endParaRPr lang="en-AU" sz="2667" dirty="0"/>
-          </a:p>
-          <a:p>
-            <a:r>
-              <a:rPr lang="en-AU" sz="2667" dirty="0"/>
-              <a:t>A secret bit stream of 101 101 101 needs to be hidden. How many LSBs will be changed at least? </a:t>
-            </a:r>
-          </a:p>
-          <a:p>
-            <a:endParaRPr lang="en-AU" sz="2667" dirty="0"/>
-          </a:p>
-          <a:p>
-            <a:endParaRPr lang="en-AU" sz="2667" dirty="0"/>
+              <a:rPr lang="en-US" sz="2800" dirty="0">
+                <a:effectLst/>
+              </a:rPr>
+              <a:t>RGB: stands for Red, Green, and Blue. It is a color model to represent colors in digital images and on computer screens. In this model, each color is represented by 8 bits. </a:t>
+            </a:r>
+          </a:p>
+          <a:p>
+            <a:r>
+              <a:rPr lang="en-US" sz="2800" dirty="0">
+                <a:effectLst/>
+              </a:rPr>
+              <a:t>Pixel: is the smallest unit of an image. It has a specific color in an image. Its color is determined by its RGB values. </a:t>
+            </a:r>
+          </a:p>
+          <a:p>
+            <a:r>
+              <a:rPr lang="en-US" sz="2800" dirty="0"/>
+              <a:t>LSB: embeds three secret bits per pixel in an RGB image. </a:t>
+            </a:r>
+            <a:r>
+              <a:rPr lang="en-US" sz="2800" dirty="0">
+                <a:solidFill>
+                  <a:srgbClr val="FF0000"/>
+                </a:solidFill>
+              </a:rPr>
+              <a:t>Why 3 bits?</a:t>
+            </a:r>
+          </a:p>
+          <a:p>
+            <a:pPr lvl="1"/>
+            <a:r>
+              <a:rPr lang="en-US" sz="2800" dirty="0">
+                <a:effectLst/>
+              </a:rPr>
+              <a:t>A pixel has an RGB value of (X, Y, Z). X, Y, and Z are respectively represented by 8 bits and LSB of each 8 bits can be modified. </a:t>
+            </a:r>
+          </a:p>
+          <a:p>
+            <a:pPr lvl="1"/>
+            <a:endParaRPr lang="en-AU" sz="2600" dirty="0"/>
+          </a:p>
+          <a:p>
+            <a:endParaRPr lang="en-US" sz="2800" dirty="0">
+              <a:effectLst/>
+            </a:endParaRPr>
+          </a:p>
+          <a:p>
+            <a:endParaRPr lang="en-AU" sz="1600" dirty="0"/>
           </a:p>
         </p:txBody>
       </p:sp>
@@ -21138,8 +21381,8 @@
         </p:nvSpPr>
         <p:spPr>
           <a:xfrm>
-            <a:off x="1025461" y="154777"/>
-            <a:ext cx="10353762" cy="936051"/>
+            <a:off x="774739" y="-38343"/>
+            <a:ext cx="10353762" cy="1060938"/>
           </a:xfrm>
         </p:spPr>
         <p:txBody>
@@ -21147,47 +21390,18 @@
           <a:lstStyle/>
           <a:p>
             <a:r>
-              <a:rPr lang="en-AU" dirty="0"/>
+              <a:rPr lang="en-AU" dirty="0">
+                <a:effectLst/>
+              </a:rPr>
               <a:t>LSB</a:t>
             </a:r>
-          </a:p>
-        </p:txBody>
-      </p:sp>
-      <p:sp>
-        <p:nvSpPr>
-          <p:cNvPr id="5" name="Rectangle 4"/>
-          <p:cNvSpPr/>
-          <p:nvPr/>
-        </p:nvSpPr>
-        <p:spPr>
-          <a:xfrm>
-            <a:off x="3058649" y="2060598"/>
-            <a:ext cx="6096000" cy="1200329"/>
-          </a:xfrm>
-          <a:prstGeom prst="rect">
-            <a:avLst/>
-          </a:prstGeom>
-        </p:spPr>
-        <p:txBody>
-          <a:bodyPr wrap="square">
-            <a:spAutoFit/>
-          </a:bodyPr>
-          <a:lstStyle/>
-          <a:p>
-            <a:r>
-              <a:rPr lang="en-AU" sz="2400" dirty="0">
-                <a:latin typeface="Courier New" panose="02070309020205020404" pitchFamily="49" charset="0"/>
-              </a:rPr>
-              <a:t>10010101 00001101 11001001 10010110 00001111 11001010 10011111 00010000 11001011 </a:t>
-            </a:r>
-            <a:endParaRPr lang="en-AU" sz="2400" dirty="0"/>
           </a:p>
         </p:txBody>
       </p:sp>
     </p:spTree>
     <p:extLst>
       <p:ext uri="{BB962C8B-B14F-4D97-AF65-F5344CB8AC3E}">
-        <p14:creationId xmlns:p14="http://schemas.microsoft.com/office/powerpoint/2010/main" val="535635021"/>
+        <p14:creationId xmlns:p14="http://schemas.microsoft.com/office/powerpoint/2010/main" val="2496945193"/>
       </p:ext>
     </p:extLst>
   </p:cSld>
@@ -21251,7 +21465,7 @@
             <a:pPr lvl="1"/>
             <a:r>
               <a:rPr lang="en-AU" sz="2800" dirty="0"/>
-              <a:t>various medium</a:t>
+              <a:t>various mediums</a:t>
             </a:r>
           </a:p>
           <a:p>
@@ -21260,12 +21474,7 @@
               <a:rPr lang="en-AU" sz="2600" dirty="0"/>
               <a:t>e.g., text, image, video, audio, network</a:t>
             </a:r>
-          </a:p>
-          <a:p>
-            <a:r>
-              <a:rPr lang="en-AU" sz="2800" dirty="0"/>
-              <a:t>Demo</a:t>
-            </a:r>
+            <a:endParaRPr lang="en-AU" sz="2800" dirty="0"/>
           </a:p>
           <a:p>
             <a:pPr lvl="1"/>
@@ -21325,13 +21534,13 @@
         </p:nvSpPr>
         <p:spPr>
           <a:xfrm>
-            <a:off x="913794" y="828481"/>
-            <a:ext cx="10353762" cy="5172268"/>
+            <a:off x="913794" y="1268877"/>
+            <a:ext cx="10353762" cy="3714749"/>
           </a:xfrm>
         </p:spPr>
         <p:txBody>
           <a:bodyPr>
-            <a:normAutofit lnSpcReduction="10000"/>
+            <a:normAutofit/>
           </a:bodyPr>
           <a:lstStyle/>
           <a:p>
@@ -21344,9 +21553,9 @@
             <a:endParaRPr lang="en-AU" sz="2667" dirty="0"/>
           </a:p>
           <a:p>
-            <a:pPr marL="36900" indent="0">
-              <a:buNone/>
-            </a:pPr>
+            <a:endParaRPr lang="en-AU" sz="2667" dirty="0"/>
+          </a:p>
+          <a:p>
             <a:endParaRPr lang="en-AU" sz="2667" dirty="0"/>
           </a:p>
           <a:p>
@@ -21354,28 +21563,6 @@
               <a:rPr lang="en-AU" sz="2667" dirty="0"/>
               <a:t>A secret bit stream of 101 101 101 needs to be hidden. How many LSBs will be changed at least? </a:t>
             </a:r>
-          </a:p>
-          <a:p>
-            <a:endParaRPr lang="en-AU" sz="2667" dirty="0"/>
-          </a:p>
-          <a:p>
-            <a:endParaRPr lang="en-AU" sz="2667" dirty="0"/>
-          </a:p>
-          <a:p>
-            <a:endParaRPr lang="en-AU" sz="2667" dirty="0"/>
-          </a:p>
-          <a:p>
-            <a:r>
-              <a:rPr lang="en-AU" sz="2800" dirty="0"/>
-              <a:t>Can we use MSB for image steganography</a:t>
-            </a:r>
-            <a:r>
-              <a:rPr lang="en-AU" sz="2667" dirty="0"/>
-              <a:t>? Why or Why not?</a:t>
-            </a:r>
-          </a:p>
-          <a:p>
-            <a:endParaRPr lang="en-AU" sz="2667" dirty="0"/>
           </a:p>
           <a:p>
             <a:endParaRPr lang="en-AU" sz="2667" dirty="0"/>
@@ -21433,7 +21620,7 @@
         </p:nvSpPr>
         <p:spPr>
           <a:xfrm>
-            <a:off x="1025461" y="0"/>
+            <a:off x="1025461" y="154777"/>
             <a:ext cx="10353762" cy="936051"/>
           </a:xfrm>
         </p:spPr>
@@ -21456,7 +21643,7 @@
         </p:nvSpPr>
         <p:spPr>
           <a:xfrm>
-            <a:off x="3330805" y="1314722"/>
+            <a:off x="3058649" y="2060598"/>
             <a:ext cx="6096000" cy="1200329"/>
           </a:xfrm>
           <a:prstGeom prst="rect">
@@ -21464,7 +21651,7 @@
           </a:prstGeom>
         </p:spPr>
         <p:txBody>
-          <a:bodyPr>
+          <a:bodyPr wrap="square">
             <a:spAutoFit/>
           </a:bodyPr>
           <a:lstStyle/>
@@ -21479,107 +21666,10 @@
           </a:p>
         </p:txBody>
       </p:sp>
-      <p:sp>
-        <p:nvSpPr>
-          <p:cNvPr id="7" name="Rectangle 6">
-            <a:extLst>
-              <a:ext uri="{FF2B5EF4-FFF2-40B4-BE49-F238E27FC236}">
-                <a16:creationId xmlns:a16="http://schemas.microsoft.com/office/drawing/2014/main" id="{ED269045-1A53-476E-99CA-F48C838AD451}"/>
-              </a:ext>
-            </a:extLst>
-          </p:cNvPr>
-          <p:cNvSpPr/>
-          <p:nvPr/>
-        </p:nvSpPr>
-        <p:spPr>
-          <a:xfrm>
-            <a:off x="3330805" y="3438579"/>
-            <a:ext cx="6096000" cy="1200329"/>
-          </a:xfrm>
-          <a:prstGeom prst="rect">
-            <a:avLst/>
-          </a:prstGeom>
-        </p:spPr>
-        <p:txBody>
-          <a:bodyPr>
-            <a:spAutoFit/>
-          </a:bodyPr>
-          <a:lstStyle/>
-          <a:p>
-            <a:r>
-              <a:rPr lang="en-AU" sz="2400" dirty="0">
-                <a:latin typeface="Courier New" panose="02070309020205020404" pitchFamily="49" charset="0"/>
-              </a:rPr>
-              <a:t>10010101 0000110</a:t>
-            </a:r>
-            <a:r>
-              <a:rPr lang="en-AU" sz="2400" dirty="0">
-                <a:solidFill>
-                  <a:srgbClr val="FF0000"/>
-                </a:solidFill>
-                <a:latin typeface="Courier New" panose="02070309020205020404" pitchFamily="49" charset="0"/>
-              </a:rPr>
-              <a:t>0</a:t>
-            </a:r>
-            <a:r>
-              <a:rPr lang="en-AU" sz="2400" dirty="0">
-                <a:latin typeface="Courier New" panose="02070309020205020404" pitchFamily="49" charset="0"/>
-              </a:rPr>
-              <a:t> 11001001 1001011</a:t>
-            </a:r>
-            <a:r>
-              <a:rPr lang="en-AU" sz="2400" dirty="0">
-                <a:solidFill>
-                  <a:srgbClr val="FF0000"/>
-                </a:solidFill>
-                <a:latin typeface="Courier New" panose="02070309020205020404" pitchFamily="49" charset="0"/>
-              </a:rPr>
-              <a:t>1</a:t>
-            </a:r>
-            <a:r>
-              <a:rPr lang="en-AU" sz="2400" dirty="0">
-                <a:latin typeface="Courier New" panose="02070309020205020404" pitchFamily="49" charset="0"/>
-              </a:rPr>
-              <a:t> 0000111</a:t>
-            </a:r>
-            <a:r>
-              <a:rPr lang="en-AU" sz="2400" dirty="0">
-                <a:solidFill>
-                  <a:srgbClr val="FF0000"/>
-                </a:solidFill>
-                <a:latin typeface="Courier New" panose="02070309020205020404" pitchFamily="49" charset="0"/>
-              </a:rPr>
-              <a:t>0</a:t>
-            </a:r>
-            <a:r>
-              <a:rPr lang="en-AU" sz="2400" dirty="0">
-                <a:latin typeface="Courier New" panose="02070309020205020404" pitchFamily="49" charset="0"/>
-              </a:rPr>
-              <a:t> 1100101</a:t>
-            </a:r>
-            <a:r>
-              <a:rPr lang="en-AU" sz="2400" dirty="0">
-                <a:solidFill>
-                  <a:srgbClr val="FF0000"/>
-                </a:solidFill>
-                <a:latin typeface="Courier New" panose="02070309020205020404" pitchFamily="49" charset="0"/>
-              </a:rPr>
-              <a:t>1</a:t>
-            </a:r>
-            <a:r>
-              <a:rPr lang="en-AU" sz="2400" dirty="0">
-                <a:latin typeface="Courier New" panose="02070309020205020404" pitchFamily="49" charset="0"/>
-              </a:rPr>
-              <a:t> 10011111 00010000 11001011 </a:t>
-            </a:r>
-            <a:endParaRPr lang="en-AU" sz="2400" dirty="0"/>
-          </a:p>
-        </p:txBody>
-      </p:sp>
     </p:spTree>
     <p:extLst>
       <p:ext uri="{BB962C8B-B14F-4D97-AF65-F5344CB8AC3E}">
-        <p14:creationId xmlns:p14="http://schemas.microsoft.com/office/powerpoint/2010/main" val="2577393791"/>
+        <p14:creationId xmlns:p14="http://schemas.microsoft.com/office/powerpoint/2010/main" val="535635021"/>
       </p:ext>
     </p:extLst>
   </p:cSld>
@@ -21618,26 +21708,54 @@
         </p:nvSpPr>
         <p:spPr>
           <a:xfrm>
-            <a:off x="1282717" y="894472"/>
-            <a:ext cx="3364751" cy="719853"/>
+            <a:off x="913794" y="828481"/>
+            <a:ext cx="10353762" cy="5172268"/>
           </a:xfrm>
         </p:spPr>
         <p:txBody>
           <a:bodyPr>
-            <a:normAutofit/>
+            <a:normAutofit lnSpcReduction="10000"/>
           </a:bodyPr>
           <a:lstStyle/>
+          <a:p>
+            <a:r>
+              <a:rPr lang="en-AU" sz="2667" dirty="0"/>
+              <a:t>Given the following 3 RGB values</a:t>
+            </a:r>
+          </a:p>
+          <a:p>
+            <a:endParaRPr lang="en-AU" sz="2667" dirty="0"/>
+          </a:p>
           <a:p>
             <a:pPr marL="36900" indent="0">
               <a:buNone/>
             </a:pPr>
-            <a:endParaRPr lang="en-AU" sz="2400" dirty="0"/>
-          </a:p>
-          <a:p>
             <a:endParaRPr lang="en-AU" sz="2667" dirty="0"/>
           </a:p>
           <a:p>
+            <a:r>
+              <a:rPr lang="en-AU" sz="2667" dirty="0"/>
+              <a:t>A secret bit stream of 101 101 101 needs to be hidden. How many LSBs will be changed at least? </a:t>
+            </a:r>
+          </a:p>
+          <a:p>
             <a:endParaRPr lang="en-AU" sz="2667" dirty="0"/>
+          </a:p>
+          <a:p>
+            <a:endParaRPr lang="en-AU" sz="2667" dirty="0"/>
+          </a:p>
+          <a:p>
+            <a:endParaRPr lang="en-AU" sz="2667" dirty="0"/>
+          </a:p>
+          <a:p>
+            <a:r>
+              <a:rPr lang="en-AU" sz="2800" dirty="0"/>
+              <a:t>Can we use MSB for image steganography</a:t>
+            </a:r>
+            <a:r>
+              <a:rPr lang="en-AU" sz="2667" dirty="0"/>
+              <a:t>? Why or Why not?</a:t>
+            </a:r>
           </a:p>
           <a:p>
             <a:endParaRPr lang="en-AU" sz="2667" dirty="0"/>
@@ -21675,6 +21793,271 @@
               </a:rPr>
               <a:pPr/>
               <a:t>41</a:t>
+            </a:fld>
+            <a:endParaRPr lang="en-AU" dirty="0">
+              <a:solidFill>
+                <a:prstClr val="black">
+                  <a:tint val="75000"/>
+                </a:prstClr>
+              </a:solidFill>
+            </a:endParaRPr>
+          </a:p>
+        </p:txBody>
+      </p:sp>
+      <p:sp>
+        <p:nvSpPr>
+          <p:cNvPr id="4" name="Title 3"/>
+          <p:cNvSpPr>
+            <a:spLocks noGrp="1"/>
+          </p:cNvSpPr>
+          <p:nvPr>
+            <p:ph type="title"/>
+          </p:nvPr>
+        </p:nvSpPr>
+        <p:spPr>
+          <a:xfrm>
+            <a:off x="1025461" y="0"/>
+            <a:ext cx="10353762" cy="936051"/>
+          </a:xfrm>
+        </p:spPr>
+        <p:txBody>
+          <a:bodyPr/>
+          <a:lstStyle/>
+          <a:p>
+            <a:r>
+              <a:rPr lang="en-AU" dirty="0"/>
+              <a:t>LSB</a:t>
+            </a:r>
+          </a:p>
+        </p:txBody>
+      </p:sp>
+      <p:sp>
+        <p:nvSpPr>
+          <p:cNvPr id="5" name="Rectangle 4"/>
+          <p:cNvSpPr/>
+          <p:nvPr/>
+        </p:nvSpPr>
+        <p:spPr>
+          <a:xfrm>
+            <a:off x="3330805" y="1314722"/>
+            <a:ext cx="6096000" cy="1200329"/>
+          </a:xfrm>
+          <a:prstGeom prst="rect">
+            <a:avLst/>
+          </a:prstGeom>
+        </p:spPr>
+        <p:txBody>
+          <a:bodyPr>
+            <a:spAutoFit/>
+          </a:bodyPr>
+          <a:lstStyle/>
+          <a:p>
+            <a:r>
+              <a:rPr lang="en-AU" sz="2400" dirty="0">
+                <a:latin typeface="Courier New" panose="02070309020205020404" pitchFamily="49" charset="0"/>
+              </a:rPr>
+              <a:t>10010101 00001101 11001001 10010110 00001111 11001010 10011111 00010000 11001011 </a:t>
+            </a:r>
+            <a:endParaRPr lang="en-AU" sz="2400" dirty="0"/>
+          </a:p>
+        </p:txBody>
+      </p:sp>
+      <p:sp>
+        <p:nvSpPr>
+          <p:cNvPr id="7" name="Rectangle 6">
+            <a:extLst>
+              <a:ext uri="{FF2B5EF4-FFF2-40B4-BE49-F238E27FC236}">
+                <a16:creationId xmlns:a16="http://schemas.microsoft.com/office/drawing/2014/main" id="{ED269045-1A53-476E-99CA-F48C838AD451}"/>
+              </a:ext>
+            </a:extLst>
+          </p:cNvPr>
+          <p:cNvSpPr/>
+          <p:nvPr/>
+        </p:nvSpPr>
+        <p:spPr>
+          <a:xfrm>
+            <a:off x="3330805" y="3438579"/>
+            <a:ext cx="6096000" cy="1200329"/>
+          </a:xfrm>
+          <a:prstGeom prst="rect">
+            <a:avLst/>
+          </a:prstGeom>
+        </p:spPr>
+        <p:txBody>
+          <a:bodyPr>
+            <a:spAutoFit/>
+          </a:bodyPr>
+          <a:lstStyle/>
+          <a:p>
+            <a:r>
+              <a:rPr lang="en-AU" sz="2400" dirty="0">
+                <a:latin typeface="Courier New" panose="02070309020205020404" pitchFamily="49" charset="0"/>
+              </a:rPr>
+              <a:t>10010101 0000110</a:t>
+            </a:r>
+            <a:r>
+              <a:rPr lang="en-AU" sz="2400" dirty="0">
+                <a:solidFill>
+                  <a:srgbClr val="FF0000"/>
+                </a:solidFill>
+                <a:latin typeface="Courier New" panose="02070309020205020404" pitchFamily="49" charset="0"/>
+              </a:rPr>
+              <a:t>0</a:t>
+            </a:r>
+            <a:r>
+              <a:rPr lang="en-AU" sz="2400" dirty="0">
+                <a:latin typeface="Courier New" panose="02070309020205020404" pitchFamily="49" charset="0"/>
+              </a:rPr>
+              <a:t> 11001001 1001011</a:t>
+            </a:r>
+            <a:r>
+              <a:rPr lang="en-AU" sz="2400" dirty="0">
+                <a:solidFill>
+                  <a:srgbClr val="FF0000"/>
+                </a:solidFill>
+                <a:latin typeface="Courier New" panose="02070309020205020404" pitchFamily="49" charset="0"/>
+              </a:rPr>
+              <a:t>1</a:t>
+            </a:r>
+            <a:r>
+              <a:rPr lang="en-AU" sz="2400" dirty="0">
+                <a:latin typeface="Courier New" panose="02070309020205020404" pitchFamily="49" charset="0"/>
+              </a:rPr>
+              <a:t> 0000111</a:t>
+            </a:r>
+            <a:r>
+              <a:rPr lang="en-AU" sz="2400" dirty="0">
+                <a:solidFill>
+                  <a:srgbClr val="FF0000"/>
+                </a:solidFill>
+                <a:latin typeface="Courier New" panose="02070309020205020404" pitchFamily="49" charset="0"/>
+              </a:rPr>
+              <a:t>0</a:t>
+            </a:r>
+            <a:r>
+              <a:rPr lang="en-AU" sz="2400" dirty="0">
+                <a:latin typeface="Courier New" panose="02070309020205020404" pitchFamily="49" charset="0"/>
+              </a:rPr>
+              <a:t> 1100101</a:t>
+            </a:r>
+            <a:r>
+              <a:rPr lang="en-AU" sz="2400" dirty="0">
+                <a:solidFill>
+                  <a:srgbClr val="FF0000"/>
+                </a:solidFill>
+                <a:latin typeface="Courier New" panose="02070309020205020404" pitchFamily="49" charset="0"/>
+              </a:rPr>
+              <a:t>1</a:t>
+            </a:r>
+            <a:r>
+              <a:rPr lang="en-AU" sz="2400" dirty="0">
+                <a:latin typeface="Courier New" panose="02070309020205020404" pitchFamily="49" charset="0"/>
+              </a:rPr>
+              <a:t> 10011111 00010000 11001011 </a:t>
+            </a:r>
+            <a:endParaRPr lang="en-AU" sz="2400" dirty="0"/>
+          </a:p>
+        </p:txBody>
+      </p:sp>
+    </p:spTree>
+    <p:extLst>
+      <p:ext uri="{BB962C8B-B14F-4D97-AF65-F5344CB8AC3E}">
+        <p14:creationId xmlns:p14="http://schemas.microsoft.com/office/powerpoint/2010/main" val="2577393791"/>
+      </p:ext>
+    </p:extLst>
+  </p:cSld>
+  <p:clrMapOvr>
+    <a:masterClrMapping/>
+  </p:clrMapOvr>
+</p:sld>
+</file>
+
+<file path=ppt/slides/slide42.xml><?xml version="1.0" encoding="utf-8"?>
+<p:sld xmlns:a="http://schemas.openxmlformats.org/drawingml/2006/main" xmlns:r="http://schemas.openxmlformats.org/officeDocument/2006/relationships" xmlns:p="http://schemas.openxmlformats.org/presentationml/2006/main">
+  <p:cSld>
+    <p:spTree>
+      <p:nvGrpSpPr>
+        <p:cNvPr id="1" name=""/>
+        <p:cNvGrpSpPr/>
+        <p:nvPr/>
+      </p:nvGrpSpPr>
+      <p:grpSpPr>
+        <a:xfrm>
+          <a:off x="0" y="0"/>
+          <a:ext cx="0" cy="0"/>
+          <a:chOff x="0" y="0"/>
+          <a:chExt cx="0" cy="0"/>
+        </a:xfrm>
+      </p:grpSpPr>
+      <p:sp>
+        <p:nvSpPr>
+          <p:cNvPr id="2" name="Content Placeholder 1"/>
+          <p:cNvSpPr>
+            <a:spLocks noGrp="1"/>
+          </p:cNvSpPr>
+          <p:nvPr>
+            <p:ph idx="1"/>
+          </p:nvPr>
+        </p:nvSpPr>
+        <p:spPr>
+          <a:xfrm>
+            <a:off x="1282717" y="894472"/>
+            <a:ext cx="3364751" cy="719853"/>
+          </a:xfrm>
+        </p:spPr>
+        <p:txBody>
+          <a:bodyPr>
+            <a:normAutofit/>
+          </a:bodyPr>
+          <a:lstStyle/>
+          <a:p>
+            <a:pPr marL="36900" indent="0">
+              <a:buNone/>
+            </a:pPr>
+            <a:endParaRPr lang="en-AU" sz="2400" dirty="0"/>
+          </a:p>
+          <a:p>
+            <a:endParaRPr lang="en-AU" sz="2667" dirty="0"/>
+          </a:p>
+          <a:p>
+            <a:endParaRPr lang="en-AU" sz="2667" dirty="0"/>
+          </a:p>
+          <a:p>
+            <a:endParaRPr lang="en-AU" sz="2667" dirty="0"/>
+          </a:p>
+          <a:p>
+            <a:endParaRPr lang="en-AU" sz="2667" dirty="0"/>
+          </a:p>
+          <a:p>
+            <a:endParaRPr lang="en-AU" sz="2667" dirty="0"/>
+          </a:p>
+        </p:txBody>
+      </p:sp>
+      <p:sp>
+        <p:nvSpPr>
+          <p:cNvPr id="3" name="Slide Number Placeholder 2"/>
+          <p:cNvSpPr>
+            <a:spLocks noGrp="1"/>
+          </p:cNvSpPr>
+          <p:nvPr>
+            <p:ph type="sldNum" sz="quarter" idx="12"/>
+          </p:nvPr>
+        </p:nvSpPr>
+        <p:spPr/>
+        <p:txBody>
+          <a:bodyPr/>
+          <a:lstStyle/>
+          <a:p>
+            <a:fld id="{55670E94-029C-4BA8-8D44-FBB339E4924F}" type="slidenum">
+              <a:rPr lang="en-AU" smtClean="0">
+                <a:solidFill>
+                  <a:prstClr val="black">
+                    <a:tint val="75000"/>
+                  </a:prstClr>
+                </a:solidFill>
+              </a:rPr>
+              <a:pPr/>
+              <a:t>42</a:t>
             </a:fld>
             <a:endParaRPr lang="en-AU" dirty="0">
               <a:solidFill>
@@ -24387,157 +24770,7 @@
     </p:spTree>
     <p:extLst>
       <p:ext uri="{BB962C8B-B14F-4D97-AF65-F5344CB8AC3E}">
-        <p14:creationId xmlns:p14="http://schemas.microsoft.com/office/powerpoint/2010/main" val="2614180833"/>
-      </p:ext>
-    </p:extLst>
-  </p:cSld>
-  <p:clrMapOvr>
-    <a:masterClrMapping/>
-  </p:clrMapOvr>
-</p:sld>
-</file>
-
-<file path=ppt/slides/slide42.xml><?xml version="1.0" encoding="utf-8"?>
-<p:sld xmlns:a="http://schemas.openxmlformats.org/drawingml/2006/main" xmlns:r="http://schemas.openxmlformats.org/officeDocument/2006/relationships" xmlns:p="http://schemas.openxmlformats.org/presentationml/2006/main">
-  <p:cSld>
-    <p:spTree>
-      <p:nvGrpSpPr>
-        <p:cNvPr id="1" name=""/>
-        <p:cNvGrpSpPr/>
-        <p:nvPr/>
-      </p:nvGrpSpPr>
-      <p:grpSpPr>
-        <a:xfrm>
-          <a:off x="0" y="0"/>
-          <a:ext cx="0" cy="0"/>
-          <a:chOff x="0" y="0"/>
-          <a:chExt cx="0" cy="0"/>
-        </a:xfrm>
-      </p:grpSpPr>
-      <p:sp>
-        <p:nvSpPr>
-          <p:cNvPr id="2" name="Content Placeholder 1"/>
-          <p:cNvSpPr>
-            <a:spLocks noGrp="1"/>
-          </p:cNvSpPr>
-          <p:nvPr>
-            <p:ph idx="1"/>
-          </p:nvPr>
-        </p:nvSpPr>
-        <p:spPr>
-          <a:xfrm>
-            <a:off x="609600" y="1544104"/>
-            <a:ext cx="10972800" cy="3769792"/>
-          </a:xfrm>
-        </p:spPr>
-        <p:txBody>
-          <a:bodyPr>
-            <a:normAutofit/>
-          </a:bodyPr>
-          <a:lstStyle/>
-          <a:p>
-            <a:r>
-              <a:rPr lang="en-AU" sz="2800" dirty="0"/>
-              <a:t>Demo</a:t>
-            </a:r>
-          </a:p>
-          <a:p>
-            <a:pPr lvl="1"/>
-            <a:r>
-              <a:rPr lang="en-AU" sz="2600" dirty="0"/>
-              <a:t>Either host OS or VM is fine</a:t>
-            </a:r>
-          </a:p>
-          <a:p>
-            <a:pPr lvl="1"/>
-            <a:r>
-              <a:rPr lang="en-AU" sz="2600" dirty="0"/>
-              <a:t>Python 3 and </a:t>
-            </a:r>
-            <a:r>
-              <a:rPr lang="en-US" sz="2600" dirty="0"/>
-              <a:t>Python Pillow library </a:t>
-            </a:r>
-            <a:r>
-              <a:rPr lang="en-AU" sz="2600" dirty="0"/>
-              <a:t>installed</a:t>
-            </a:r>
-          </a:p>
-        </p:txBody>
-      </p:sp>
-      <p:sp>
-        <p:nvSpPr>
-          <p:cNvPr id="3" name="Slide Number Placeholder 2"/>
-          <p:cNvSpPr>
-            <a:spLocks noGrp="1"/>
-          </p:cNvSpPr>
-          <p:nvPr>
-            <p:ph type="sldNum" sz="quarter" idx="12"/>
-          </p:nvPr>
-        </p:nvSpPr>
-        <p:spPr/>
-        <p:txBody>
-          <a:bodyPr/>
-          <a:lstStyle/>
-          <a:p>
-            <a:fld id="{55670E94-029C-4BA8-8D44-FBB339E4924F}" type="slidenum">
-              <a:rPr lang="en-AU" smtClean="0">
-                <a:solidFill>
-                  <a:prstClr val="black">
-                    <a:tint val="75000"/>
-                  </a:prstClr>
-                </a:solidFill>
-              </a:rPr>
-              <a:pPr/>
-              <a:t>42</a:t>
-            </a:fld>
-            <a:endParaRPr lang="en-AU" dirty="0">
-              <a:solidFill>
-                <a:prstClr val="black">
-                  <a:tint val="75000"/>
-                </a:prstClr>
-              </a:solidFill>
-            </a:endParaRPr>
-          </a:p>
-        </p:txBody>
-      </p:sp>
-      <p:sp>
-        <p:nvSpPr>
-          <p:cNvPr id="7" name="Title 3">
-            <a:extLst>
-              <a:ext uri="{FF2B5EF4-FFF2-40B4-BE49-F238E27FC236}">
-                <a16:creationId xmlns:a16="http://schemas.microsoft.com/office/drawing/2014/main" id="{F8FB6D77-CE21-429D-831F-34E2F98C5A24}"/>
-              </a:ext>
-            </a:extLst>
-          </p:cNvPr>
-          <p:cNvSpPr>
-            <a:spLocks noGrp="1"/>
-          </p:cNvSpPr>
-          <p:nvPr>
-            <p:ph type="title"/>
-          </p:nvPr>
-        </p:nvSpPr>
-        <p:spPr>
-          <a:xfrm>
-            <a:off x="919119" y="244936"/>
-            <a:ext cx="10353762" cy="955742"/>
-          </a:xfrm>
-        </p:spPr>
-        <p:txBody>
-          <a:bodyPr/>
-          <a:lstStyle/>
-          <a:p>
-            <a:r>
-              <a:rPr lang="en-AU" dirty="0"/>
-              <a:t>LSB</a:t>
-            </a:r>
-          </a:p>
-        </p:txBody>
-      </p:sp>
-    </p:spTree>
-    <p:extLst>
-      <p:ext uri="{BB962C8B-B14F-4D97-AF65-F5344CB8AC3E}">
-        <p14:creationId xmlns:p14="http://schemas.microsoft.com/office/powerpoint/2010/main" val="2426947679"/>
+        <p14:creationId xmlns:p14="http://schemas.microsoft.com/office/powerpoint/2010/main" val="1187028463"/>
       </p:ext>
     </p:extLst>
   </p:cSld>
@@ -24576,53 +24809,42 @@
         </p:nvSpPr>
         <p:spPr>
           <a:xfrm>
-            <a:off x="386255" y="1390650"/>
-            <a:ext cx="8975459" cy="2724150"/>
+            <a:off x="609600" y="1544104"/>
+            <a:ext cx="10972800" cy="3769792"/>
           </a:xfrm>
         </p:spPr>
         <p:txBody>
           <a:bodyPr>
-            <a:normAutofit lnSpcReduction="10000"/>
+            <a:normAutofit/>
           </a:bodyPr>
           <a:lstStyle/>
           <a:p>
             <a:r>
-              <a:rPr lang="en-US" sz="2800" dirty="0"/>
-              <a:t>LSB: LSB of each pixel is replaced with a bit of the secret message to be hidden. </a:t>
-            </a:r>
-          </a:p>
-          <a:p>
-            <a:endParaRPr lang="en-US" sz="2800" dirty="0"/>
-          </a:p>
-          <a:p>
-            <a:r>
-              <a:rPr lang="en-US" sz="2800" dirty="0"/>
-              <a:t>PVD</a:t>
-            </a:r>
-            <a:r>
               <a:rPr lang="en-AU" sz="2800" dirty="0"/>
-              <a:t>:</a:t>
-            </a:r>
-            <a:r>
-              <a:rPr lang="zh-CN" altLang="en-US" sz="2800" dirty="0"/>
-              <a:t> </a:t>
-            </a:r>
-            <a:r>
-              <a:rPr lang="en-AU" altLang="zh-CN" sz="2800" dirty="0"/>
-              <a:t>modify </a:t>
-            </a:r>
-            <a:r>
-              <a:rPr lang="en-US" altLang="zh-CN" sz="2800" dirty="0"/>
-              <a:t>a pair</a:t>
-            </a:r>
-            <a:r>
-              <a:rPr lang="en-US" sz="2800" dirty="0"/>
-              <a:t> of two adjacent pixels' values at one time to hide secret message.</a:t>
-            </a:r>
-            <a:endParaRPr lang="en-AU" sz="2800" dirty="0"/>
-          </a:p>
-          <a:p>
-            <a:endParaRPr lang="en-AU" sz="1600" dirty="0"/>
+              <a:t>Demo</a:t>
+            </a:r>
+          </a:p>
+          <a:p>
+            <a:pPr lvl="1"/>
+            <a:r>
+              <a:rPr lang="en-AU" sz="2600" dirty="0"/>
+              <a:t>Either host OS or VM is fine</a:t>
+            </a:r>
+          </a:p>
+          <a:p>
+            <a:pPr lvl="1"/>
+            <a:r>
+              <a:rPr lang="en-AU" sz="2600" dirty="0"/>
+              <a:t>Python 3 and </a:t>
+            </a:r>
+            <a:r>
+              <a:rPr lang="en-US" sz="2600" dirty="0"/>
+              <a:t>Python Pillow library </a:t>
+            </a:r>
+            <a:r>
+              <a:rPr lang="en-AU" sz="2600" dirty="0"/>
+              <a:t>installed</a:t>
+            </a:r>
           </a:p>
         </p:txBody>
       </p:sp>
@@ -24664,7 +24886,13 @@
       </p:sp>
       <p:sp>
         <p:nvSpPr>
-          <p:cNvPr id="4" name="Title 3"/>
+          <p:cNvPr id="7" name="Title 3">
+            <a:extLst>
+              <a:ext uri="{FF2B5EF4-FFF2-40B4-BE49-F238E27FC236}">
+                <a16:creationId xmlns:a16="http://schemas.microsoft.com/office/drawing/2014/main" id="{F8FB6D77-CE21-429D-831F-34E2F98C5A24}"/>
+              </a:ext>
+            </a:extLst>
+          </p:cNvPr>
           <p:cNvSpPr>
             <a:spLocks noGrp="1"/>
           </p:cNvSpPr>
@@ -24674,8 +24902,8 @@
         </p:nvSpPr>
         <p:spPr>
           <a:xfrm>
-            <a:off x="919119" y="205154"/>
-            <a:ext cx="10353762" cy="1060938"/>
+            <a:off x="919119" y="244936"/>
+            <a:ext cx="10353762" cy="955742"/>
           </a:xfrm>
         </p:spPr>
         <p:txBody>
@@ -24684,7 +24912,7 @@
           <a:p>
             <a:r>
               <a:rPr lang="en-AU" dirty="0"/>
-              <a:t>Steganography</a:t>
+              <a:t>LSB</a:t>
             </a:r>
           </a:p>
         </p:txBody>
@@ -24692,7 +24920,7 @@
     </p:spTree>
     <p:extLst>
       <p:ext uri="{BB962C8B-B14F-4D97-AF65-F5344CB8AC3E}">
-        <p14:creationId xmlns:p14="http://schemas.microsoft.com/office/powerpoint/2010/main" val="2309440319"/>
+        <p14:creationId xmlns:p14="http://schemas.microsoft.com/office/powerpoint/2010/main" val="2426947679"/>
       </p:ext>
     </p:extLst>
   </p:cSld>
@@ -24731,36 +24959,50 @@
         </p:nvSpPr>
         <p:spPr>
           <a:xfrm>
-            <a:off x="353237" y="830179"/>
-            <a:ext cx="11485526" cy="3324726"/>
+            <a:off x="386255" y="1390650"/>
+            <a:ext cx="8975459" cy="2724150"/>
           </a:xfrm>
         </p:spPr>
         <p:txBody>
           <a:bodyPr>
-            <a:normAutofit/>
+            <a:normAutofit lnSpcReduction="10000"/>
           </a:bodyPr>
           <a:lstStyle/>
           <a:p>
             <a:r>
-              <a:rPr lang="en-US" sz="2800" dirty="0">
-                <a:effectLst/>
-              </a:rPr>
-              <a:t>Greyscale Image: consists of shades of gray, varying from black to white, with different shades of gray in between. A shade of gray is represented by 8 bits or 16 bits. </a:t>
-            </a:r>
-          </a:p>
-          <a:p>
-            <a:r>
-              <a:rPr lang="en-US" sz="2800" dirty="0">
-                <a:effectLst/>
-              </a:rPr>
-              <a:t>Pixel: is the smallest unit of an image. It has a single value (0 to 255 for 8-bit images) or (0 to 65,535 for 16-bit images). </a:t>
-            </a:r>
-            <a:endParaRPr lang="en-AU" sz="2600" dirty="0"/>
-          </a:p>
-          <a:p>
-            <a:endParaRPr lang="en-US" sz="2800" dirty="0">
-              <a:effectLst/>
-            </a:endParaRPr>
+              <a:rPr lang="en-US" sz="2800" dirty="0"/>
+              <a:t>LSB: LSB of each pixel is replaced with a bit of the secret message to be hidden. </a:t>
+            </a:r>
+          </a:p>
+          <a:p>
+            <a:endParaRPr lang="en-US" sz="2800" dirty="0"/>
+          </a:p>
+          <a:p>
+            <a:r>
+              <a:rPr lang="en-US" sz="2800" dirty="0"/>
+              <a:t>PVD</a:t>
+            </a:r>
+            <a:r>
+              <a:rPr lang="en-AU" sz="2800" dirty="0"/>
+              <a:t>:</a:t>
+            </a:r>
+            <a:r>
+              <a:rPr lang="zh-CN" altLang="en-US" sz="2800" dirty="0"/>
+              <a:t> </a:t>
+            </a:r>
+            <a:r>
+              <a:rPr lang="en-AU" altLang="zh-CN" sz="2800" dirty="0"/>
+              <a:t>modifies </a:t>
+            </a:r>
+            <a:r>
+              <a:rPr lang="en-US" altLang="zh-CN" sz="2800" dirty="0"/>
+              <a:t>a pair</a:t>
+            </a:r>
+            <a:r>
+              <a:rPr lang="en-US" sz="2800" dirty="0"/>
+              <a:t> of two adjacent pixels' values at one time to hide secret message.</a:t>
+            </a:r>
+            <a:endParaRPr lang="en-AU" sz="2800" dirty="0"/>
           </a:p>
           <a:p>
             <a:endParaRPr lang="en-AU" sz="1600" dirty="0"/>
@@ -24815,8 +25057,8 @@
         </p:nvSpPr>
         <p:spPr>
           <a:xfrm>
-            <a:off x="774739" y="-38343"/>
-            <a:ext cx="10353762" cy="868522"/>
+            <a:off x="919119" y="205154"/>
+            <a:ext cx="10353762" cy="1060938"/>
           </a:xfrm>
         </p:spPr>
         <p:txBody>
@@ -24824,10 +25066,8 @@
           <a:lstStyle/>
           <a:p>
             <a:r>
-              <a:rPr lang="en-AU" dirty="0">
-                <a:effectLst/>
-              </a:rPr>
-              <a:t>PVD</a:t>
+              <a:rPr lang="en-AU" dirty="0"/>
+              <a:t>Steganography</a:t>
             </a:r>
           </a:p>
         </p:txBody>
@@ -24835,7 +25075,7 @@
     </p:spTree>
     <p:extLst>
       <p:ext uri="{BB962C8B-B14F-4D97-AF65-F5344CB8AC3E}">
-        <p14:creationId xmlns:p14="http://schemas.microsoft.com/office/powerpoint/2010/main" val="2832715137"/>
+        <p14:creationId xmlns:p14="http://schemas.microsoft.com/office/powerpoint/2010/main" val="2309440319"/>
       </p:ext>
     </p:extLst>
   </p:cSld>
@@ -24864,6 +25104,54 @@
       </p:grpSpPr>
       <p:sp>
         <p:nvSpPr>
+          <p:cNvPr id="2" name="Content Placeholder 1"/>
+          <p:cNvSpPr>
+            <a:spLocks noGrp="1"/>
+          </p:cNvSpPr>
+          <p:nvPr>
+            <p:ph idx="1"/>
+          </p:nvPr>
+        </p:nvSpPr>
+        <p:spPr>
+          <a:xfrm>
+            <a:off x="353237" y="830179"/>
+            <a:ext cx="11485526" cy="3324726"/>
+          </a:xfrm>
+        </p:spPr>
+        <p:txBody>
+          <a:bodyPr>
+            <a:normAutofit/>
+          </a:bodyPr>
+          <a:lstStyle/>
+          <a:p>
+            <a:r>
+              <a:rPr lang="en-US" sz="2800" dirty="0">
+                <a:effectLst/>
+              </a:rPr>
+              <a:t>Greyscale Image: consists of shades of gray, varying from black to white, with different shades of gray in between. A shade of gray is represented by 8 bits or 16 bits. </a:t>
+            </a:r>
+          </a:p>
+          <a:p>
+            <a:r>
+              <a:rPr lang="en-US" sz="2800" dirty="0">
+                <a:effectLst/>
+              </a:rPr>
+              <a:t>Pixel: is the smallest unit of an image. It has a single value (0 to 255 for 8-bit images) or (0 to 65,535 for 16-bit images). </a:t>
+            </a:r>
+            <a:endParaRPr lang="en-AU" sz="2600" dirty="0"/>
+          </a:p>
+          <a:p>
+            <a:endParaRPr lang="en-US" sz="2800" dirty="0">
+              <a:effectLst/>
+            </a:endParaRPr>
+          </a:p>
+          <a:p>
+            <a:endParaRPr lang="en-AU" sz="1600" dirty="0"/>
+          </a:p>
+        </p:txBody>
+      </p:sp>
+      <p:sp>
+        <p:nvSpPr>
           <p:cNvPr id="3" name="Slide Number Placeholder 2"/>
           <p:cNvSpPr>
             <a:spLocks noGrp="1"/>
@@ -24887,6 +25175,101 @@
               </a:rPr>
               <a:pPr/>
               <a:t>45</a:t>
+            </a:fld>
+            <a:endParaRPr lang="en-AU" dirty="0">
+              <a:solidFill>
+                <a:prstClr val="black">
+                  <a:tint val="75000"/>
+                </a:prstClr>
+              </a:solidFill>
+            </a:endParaRPr>
+          </a:p>
+        </p:txBody>
+      </p:sp>
+      <p:sp>
+        <p:nvSpPr>
+          <p:cNvPr id="4" name="Title 3"/>
+          <p:cNvSpPr>
+            <a:spLocks noGrp="1"/>
+          </p:cNvSpPr>
+          <p:nvPr>
+            <p:ph type="title"/>
+          </p:nvPr>
+        </p:nvSpPr>
+        <p:spPr>
+          <a:xfrm>
+            <a:off x="774739" y="-38343"/>
+            <a:ext cx="10353762" cy="868522"/>
+          </a:xfrm>
+        </p:spPr>
+        <p:txBody>
+          <a:bodyPr/>
+          <a:lstStyle/>
+          <a:p>
+            <a:r>
+              <a:rPr lang="en-AU" dirty="0">
+                <a:effectLst/>
+              </a:rPr>
+              <a:t>PVD</a:t>
+            </a:r>
+          </a:p>
+        </p:txBody>
+      </p:sp>
+    </p:spTree>
+    <p:extLst>
+      <p:ext uri="{BB962C8B-B14F-4D97-AF65-F5344CB8AC3E}">
+        <p14:creationId xmlns:p14="http://schemas.microsoft.com/office/powerpoint/2010/main" val="2832715137"/>
+      </p:ext>
+    </p:extLst>
+  </p:cSld>
+  <p:clrMapOvr>
+    <a:masterClrMapping/>
+  </p:clrMapOvr>
+</p:sld>
+</file>
+
+<file path=ppt/slides/slide46.xml><?xml version="1.0" encoding="utf-8"?>
+<p:sld xmlns:a="http://schemas.openxmlformats.org/drawingml/2006/main" xmlns:r="http://schemas.openxmlformats.org/officeDocument/2006/relationships" xmlns:p="http://schemas.openxmlformats.org/presentationml/2006/main">
+  <p:cSld>
+    <p:spTree>
+      <p:nvGrpSpPr>
+        <p:cNvPr id="1" name=""/>
+        <p:cNvGrpSpPr/>
+        <p:nvPr/>
+      </p:nvGrpSpPr>
+      <p:grpSpPr>
+        <a:xfrm>
+          <a:off x="0" y="0"/>
+          <a:ext cx="0" cy="0"/>
+          <a:chOff x="0" y="0"/>
+          <a:chExt cx="0" cy="0"/>
+        </a:xfrm>
+      </p:grpSpPr>
+      <p:sp>
+        <p:nvSpPr>
+          <p:cNvPr id="3" name="Slide Number Placeholder 2"/>
+          <p:cNvSpPr>
+            <a:spLocks noGrp="1"/>
+          </p:cNvSpPr>
+          <p:nvPr>
+            <p:ph type="sldNum" sz="quarter" idx="12"/>
+          </p:nvPr>
+        </p:nvSpPr>
+        <p:spPr/>
+        <p:txBody>
+          <a:bodyPr/>
+          <a:lstStyle/>
+          <a:p>
+            <a:fld id="{55670E94-029C-4BA8-8D44-FBB339E4924F}" type="slidenum">
+              <a:rPr lang="en-AU" smtClean="0">
+                <a:solidFill>
+                  <a:prstClr val="black">
+                    <a:tint val="75000"/>
+                  </a:prstClr>
+                </a:solidFill>
+              </a:rPr>
+              <a:pPr/>
+              <a:t>46</a:t>
             </a:fld>
             <a:endParaRPr lang="en-AU" dirty="0">
               <a:solidFill>
@@ -25660,7 +26043,7 @@
 </p:sld>
 </file>
 
-<file path=ppt/slides/slide46.xml><?xml version="1.0" encoding="utf-8"?>
+<file path=ppt/slides/slide47.xml><?xml version="1.0" encoding="utf-8"?>
 <p:sld xmlns:a="http://schemas.openxmlformats.org/drawingml/2006/main" xmlns:r="http://schemas.openxmlformats.org/officeDocument/2006/relationships" xmlns:p="http://schemas.openxmlformats.org/presentationml/2006/main">
   <p:cSld>
     <p:spTree>
@@ -25701,7 +26084,7 @@
                 </a:solidFill>
               </a:rPr>
               <a:pPr/>
-              <a:t>46</a:t>
+              <a:t>47</a:t>
             </a:fld>
             <a:endParaRPr lang="en-AU" dirty="0">
               <a:solidFill>
@@ -26745,7 +27128,7 @@
 </p:sld>
 </file>
 
-<file path=ppt/slides/slide47.xml><?xml version="1.0" encoding="utf-8"?>
+<file path=ppt/slides/slide48.xml><?xml version="1.0" encoding="utf-8"?>
 <p:sld xmlns:a="http://schemas.openxmlformats.org/drawingml/2006/main" xmlns:r="http://schemas.openxmlformats.org/officeDocument/2006/relationships" xmlns:p="http://schemas.openxmlformats.org/presentationml/2006/main">
   <p:cSld>
     <p:spTree>
@@ -26786,7 +27169,7 @@
                 </a:solidFill>
               </a:rPr>
               <a:pPr/>
-              <a:t>47</a:t>
+              <a:t>48</a:t>
             </a:fld>
             <a:endParaRPr lang="en-AU" dirty="0">
               <a:solidFill>
@@ -28263,7 +28646,7 @@
 </p:sld>
 </file>
 
-<file path=ppt/slides/slide48.xml><?xml version="1.0" encoding="utf-8"?>
+<file path=ppt/slides/slide49.xml><?xml version="1.0" encoding="utf-8"?>
 <p:sld xmlns:a="http://schemas.openxmlformats.org/drawingml/2006/main" xmlns:r="http://schemas.openxmlformats.org/officeDocument/2006/relationships" xmlns:p="http://schemas.openxmlformats.org/presentationml/2006/main">
   <p:cSld>
     <p:spTree>
@@ -28304,7 +28687,7 @@
                 </a:solidFill>
               </a:rPr>
               <a:pPr/>
-              <a:t>48</a:t>
+              <a:t>49</a:t>
             </a:fld>
             <a:endParaRPr lang="en-AU" dirty="0">
               <a:solidFill>
@@ -29232,7 +29615,7 @@
 </p:sld>
 </file>
 
-<file path=ppt/slides/slide49.xml><?xml version="1.0" encoding="utf-8"?>
+<file path=ppt/slides/slide5.xml><?xml version="1.0" encoding="utf-8"?>
 <p:sld xmlns:a="http://schemas.openxmlformats.org/drawingml/2006/main" xmlns:r="http://schemas.openxmlformats.org/officeDocument/2006/relationships" xmlns:p="http://schemas.openxmlformats.org/presentationml/2006/main">
   <p:cSld>
     <p:spTree>
@@ -29251,6 +29634,847 @@
       </p:grpSpPr>
       <p:sp>
         <p:nvSpPr>
+          <p:cNvPr id="2" name="Title 1">
+            <a:extLst>
+              <a:ext uri="{FF2B5EF4-FFF2-40B4-BE49-F238E27FC236}">
+                <a16:creationId xmlns:a16="http://schemas.microsoft.com/office/drawing/2014/main" id="{5B374C25-2D5A-48BC-9315-DB95C4804247}"/>
+              </a:ext>
+            </a:extLst>
+          </p:cNvPr>
+          <p:cNvSpPr>
+            <a:spLocks noGrp="1"/>
+          </p:cNvSpPr>
+          <p:nvPr>
+            <p:ph type="title"/>
+          </p:nvPr>
+        </p:nvSpPr>
+        <p:spPr>
+          <a:xfrm>
+            <a:off x="913795" y="-39756"/>
+            <a:ext cx="10353762" cy="1015448"/>
+          </a:xfrm>
+        </p:spPr>
+        <p:txBody>
+          <a:bodyPr/>
+          <a:lstStyle/>
+          <a:p>
+            <a:r>
+              <a:rPr lang="en-AU" sz="4000" dirty="0" err="1"/>
+              <a:t>Stegosystem</a:t>
+            </a:r>
+            <a:endParaRPr lang="en-AU" dirty="0"/>
+          </a:p>
+        </p:txBody>
+      </p:sp>
+      <p:sp>
+        <p:nvSpPr>
+          <p:cNvPr id="4" name="Rounded Rectangle 4">
+            <a:extLst>
+              <a:ext uri="{FF2B5EF4-FFF2-40B4-BE49-F238E27FC236}">
+                <a16:creationId xmlns:a16="http://schemas.microsoft.com/office/drawing/2014/main" id="{CF7AEFFD-A6C2-4CDD-88A3-CD092B09E23C}"/>
+              </a:ext>
+            </a:extLst>
+          </p:cNvPr>
+          <p:cNvSpPr/>
+          <p:nvPr/>
+        </p:nvSpPr>
+        <p:spPr>
+          <a:xfrm>
+            <a:off x="1780969" y="1532643"/>
+            <a:ext cx="2400267" cy="690067"/>
+          </a:xfrm>
+          <a:prstGeom prst="roundRect">
+            <a:avLst/>
+          </a:prstGeom>
+          <a:noFill/>
+          <a:ln>
+            <a:solidFill>
+              <a:srgbClr val="0070C0"/>
+            </a:solidFill>
+          </a:ln>
+          <a:effectLst/>
+        </p:spPr>
+        <p:style>
+          <a:lnRef idx="2">
+            <a:schemeClr val="accent1">
+              <a:shade val="50000"/>
+            </a:schemeClr>
+          </a:lnRef>
+          <a:fillRef idx="1">
+            <a:schemeClr val="accent1"/>
+          </a:fillRef>
+          <a:effectRef idx="0">
+            <a:schemeClr val="accent1"/>
+          </a:effectRef>
+          <a:fontRef idx="minor">
+            <a:schemeClr val="lt1"/>
+          </a:fontRef>
+        </p:style>
+        <p:txBody>
+          <a:bodyPr rtlCol="0" anchor="ctr"/>
+          <a:lstStyle/>
+          <a:p>
+            <a:pPr algn="ctr"/>
+            <a:r>
+              <a:rPr lang="en-AU" sz="2400" dirty="0">
+                <a:solidFill>
+                  <a:srgbClr val="FF0000"/>
+                </a:solidFill>
+              </a:rPr>
+              <a:t>Secret Message</a:t>
+            </a:r>
+          </a:p>
+        </p:txBody>
+      </p:sp>
+      <p:sp>
+        <p:nvSpPr>
+          <p:cNvPr id="5" name="Rounded Rectangle 7">
+            <a:extLst>
+              <a:ext uri="{FF2B5EF4-FFF2-40B4-BE49-F238E27FC236}">
+                <a16:creationId xmlns:a16="http://schemas.microsoft.com/office/drawing/2014/main" id="{549DE84A-7FE6-4555-A3F1-0571A3A18D13}"/>
+              </a:ext>
+            </a:extLst>
+          </p:cNvPr>
+          <p:cNvSpPr/>
+          <p:nvPr/>
+        </p:nvSpPr>
+        <p:spPr>
+          <a:xfrm>
+            <a:off x="1780969" y="2388636"/>
+            <a:ext cx="2400267" cy="690067"/>
+          </a:xfrm>
+          <a:prstGeom prst="roundRect">
+            <a:avLst/>
+          </a:prstGeom>
+          <a:noFill/>
+          <a:ln>
+            <a:solidFill>
+              <a:srgbClr val="0070C0"/>
+            </a:solidFill>
+          </a:ln>
+          <a:effectLst/>
+        </p:spPr>
+        <p:style>
+          <a:lnRef idx="2">
+            <a:schemeClr val="accent1">
+              <a:shade val="50000"/>
+            </a:schemeClr>
+          </a:lnRef>
+          <a:fillRef idx="1">
+            <a:schemeClr val="accent1"/>
+          </a:fillRef>
+          <a:effectRef idx="0">
+            <a:schemeClr val="accent1"/>
+          </a:effectRef>
+          <a:fontRef idx="minor">
+            <a:schemeClr val="lt1"/>
+          </a:fontRef>
+        </p:style>
+        <p:txBody>
+          <a:bodyPr rtlCol="0" anchor="ctr"/>
+          <a:lstStyle/>
+          <a:p>
+            <a:pPr algn="ctr"/>
+            <a:r>
+              <a:rPr lang="en-AU" sz="2400" dirty="0"/>
+              <a:t>Cover Medium</a:t>
+            </a:r>
+          </a:p>
+        </p:txBody>
+      </p:sp>
+      <p:sp>
+        <p:nvSpPr>
+          <p:cNvPr id="6" name="Rounded Rectangle 8">
+            <a:extLst>
+              <a:ext uri="{FF2B5EF4-FFF2-40B4-BE49-F238E27FC236}">
+                <a16:creationId xmlns:a16="http://schemas.microsoft.com/office/drawing/2014/main" id="{BC8C7906-4266-47E9-8B47-54F923F4BDB6}"/>
+              </a:ext>
+            </a:extLst>
+          </p:cNvPr>
+          <p:cNvSpPr/>
+          <p:nvPr/>
+        </p:nvSpPr>
+        <p:spPr>
+          <a:xfrm>
+            <a:off x="5152634" y="1849092"/>
+            <a:ext cx="2656105" cy="964399"/>
+          </a:xfrm>
+          <a:prstGeom prst="roundRect">
+            <a:avLst/>
+          </a:prstGeom>
+          <a:noFill/>
+          <a:ln>
+            <a:solidFill>
+              <a:srgbClr val="0070C0"/>
+            </a:solidFill>
+          </a:ln>
+          <a:effectLst/>
+        </p:spPr>
+        <p:style>
+          <a:lnRef idx="2">
+            <a:schemeClr val="accent1">
+              <a:shade val="50000"/>
+            </a:schemeClr>
+          </a:lnRef>
+          <a:fillRef idx="1">
+            <a:schemeClr val="accent1"/>
+          </a:fillRef>
+          <a:effectRef idx="0">
+            <a:schemeClr val="accent1"/>
+          </a:effectRef>
+          <a:fontRef idx="minor">
+            <a:schemeClr val="lt1"/>
+          </a:fontRef>
+        </p:style>
+        <p:txBody>
+          <a:bodyPr rtlCol="0" anchor="ctr"/>
+          <a:lstStyle/>
+          <a:p>
+            <a:pPr algn="ctr"/>
+            <a:r>
+              <a:rPr lang="en-AU" sz="2400" dirty="0" err="1"/>
+              <a:t>Stego</a:t>
+            </a:r>
+            <a:r>
+              <a:rPr lang="en-AU" sz="2400" dirty="0"/>
+              <a:t> Encoder</a:t>
+            </a:r>
+          </a:p>
+        </p:txBody>
+      </p:sp>
+      <p:cxnSp>
+        <p:nvCxnSpPr>
+          <p:cNvPr id="7" name="Straight Arrow Connector 6">
+            <a:extLst>
+              <a:ext uri="{FF2B5EF4-FFF2-40B4-BE49-F238E27FC236}">
+                <a16:creationId xmlns:a16="http://schemas.microsoft.com/office/drawing/2014/main" id="{E8079BFB-A387-4AC8-B724-0FAAA49723F7}"/>
+              </a:ext>
+            </a:extLst>
+          </p:cNvPr>
+          <p:cNvCxnSpPr>
+            <a:cxnSpLocks/>
+            <a:stCxn id="6" idx="1"/>
+            <a:endCxn id="4" idx="3"/>
+          </p:cNvCxnSpPr>
+          <p:nvPr/>
+        </p:nvCxnSpPr>
+        <p:spPr>
+          <a:xfrm flipH="1" flipV="1">
+            <a:off x="4181236" y="1877677"/>
+            <a:ext cx="971398" cy="453615"/>
+          </a:xfrm>
+          <a:prstGeom prst="straightConnector1">
+            <a:avLst/>
+          </a:prstGeom>
+          <a:ln>
+            <a:headEnd type="arrow"/>
+          </a:ln>
+        </p:spPr>
+        <p:style>
+          <a:lnRef idx="1">
+            <a:schemeClr val="accent1"/>
+          </a:lnRef>
+          <a:fillRef idx="0">
+            <a:schemeClr val="accent1"/>
+          </a:fillRef>
+          <a:effectRef idx="0">
+            <a:schemeClr val="accent1"/>
+          </a:effectRef>
+          <a:fontRef idx="minor">
+            <a:schemeClr val="tx1"/>
+          </a:fontRef>
+        </p:style>
+      </p:cxnSp>
+      <p:cxnSp>
+        <p:nvCxnSpPr>
+          <p:cNvPr id="10" name="Straight Arrow Connector 9">
+            <a:extLst>
+              <a:ext uri="{FF2B5EF4-FFF2-40B4-BE49-F238E27FC236}">
+                <a16:creationId xmlns:a16="http://schemas.microsoft.com/office/drawing/2014/main" id="{3FBF023C-E45C-48BC-AE1B-23B5FE743DA0}"/>
+              </a:ext>
+            </a:extLst>
+          </p:cNvPr>
+          <p:cNvCxnSpPr>
+            <a:cxnSpLocks/>
+            <a:stCxn id="6" idx="1"/>
+            <a:endCxn id="5" idx="3"/>
+          </p:cNvCxnSpPr>
+          <p:nvPr/>
+        </p:nvCxnSpPr>
+        <p:spPr>
+          <a:xfrm flipH="1">
+            <a:off x="4181236" y="2331292"/>
+            <a:ext cx="971398" cy="402378"/>
+          </a:xfrm>
+          <a:prstGeom prst="straightConnector1">
+            <a:avLst/>
+          </a:prstGeom>
+          <a:ln>
+            <a:headEnd type="arrow"/>
+          </a:ln>
+        </p:spPr>
+        <p:style>
+          <a:lnRef idx="1">
+            <a:schemeClr val="accent1"/>
+          </a:lnRef>
+          <a:fillRef idx="0">
+            <a:schemeClr val="accent1"/>
+          </a:fillRef>
+          <a:effectRef idx="0">
+            <a:schemeClr val="accent1"/>
+          </a:effectRef>
+          <a:fontRef idx="minor">
+            <a:schemeClr val="tx1"/>
+          </a:fontRef>
+        </p:style>
+      </p:cxnSp>
+      <p:cxnSp>
+        <p:nvCxnSpPr>
+          <p:cNvPr id="15" name="Straight Arrow Connector 14">
+            <a:extLst>
+              <a:ext uri="{FF2B5EF4-FFF2-40B4-BE49-F238E27FC236}">
+                <a16:creationId xmlns:a16="http://schemas.microsoft.com/office/drawing/2014/main" id="{B1CE3ED1-0602-4DDA-A88B-43533F4C75A1}"/>
+              </a:ext>
+            </a:extLst>
+          </p:cNvPr>
+          <p:cNvCxnSpPr>
+            <a:cxnSpLocks/>
+            <a:endCxn id="6" idx="3"/>
+          </p:cNvCxnSpPr>
+          <p:nvPr/>
+        </p:nvCxnSpPr>
+        <p:spPr>
+          <a:xfrm flipH="1">
+            <a:off x="7808739" y="2331292"/>
+            <a:ext cx="802714" cy="0"/>
+          </a:xfrm>
+          <a:prstGeom prst="straightConnector1">
+            <a:avLst/>
+          </a:prstGeom>
+          <a:ln>
+            <a:headEnd type="arrow"/>
+          </a:ln>
+        </p:spPr>
+        <p:style>
+          <a:lnRef idx="1">
+            <a:schemeClr val="accent1"/>
+          </a:lnRef>
+          <a:fillRef idx="0">
+            <a:schemeClr val="accent1"/>
+          </a:fillRef>
+          <a:effectRef idx="0">
+            <a:schemeClr val="accent1"/>
+          </a:effectRef>
+          <a:fontRef idx="minor">
+            <a:schemeClr val="tx1"/>
+          </a:fontRef>
+        </p:style>
+      </p:cxnSp>
+      <p:sp>
+        <p:nvSpPr>
+          <p:cNvPr id="18" name="Rounded Rectangle 8">
+            <a:extLst>
+              <a:ext uri="{FF2B5EF4-FFF2-40B4-BE49-F238E27FC236}">
+                <a16:creationId xmlns:a16="http://schemas.microsoft.com/office/drawing/2014/main" id="{F4350407-8837-4843-A1C6-27B8FBFDAF2A}"/>
+              </a:ext>
+            </a:extLst>
+          </p:cNvPr>
+          <p:cNvSpPr/>
+          <p:nvPr/>
+        </p:nvSpPr>
+        <p:spPr>
+          <a:xfrm>
+            <a:off x="8611452" y="1831293"/>
+            <a:ext cx="2656105" cy="964399"/>
+          </a:xfrm>
+          <a:prstGeom prst="roundRect">
+            <a:avLst/>
+          </a:prstGeom>
+          <a:noFill/>
+          <a:ln>
+            <a:solidFill>
+              <a:srgbClr val="0070C0"/>
+            </a:solidFill>
+          </a:ln>
+          <a:effectLst/>
+        </p:spPr>
+        <p:style>
+          <a:lnRef idx="2">
+            <a:schemeClr val="accent1">
+              <a:shade val="50000"/>
+            </a:schemeClr>
+          </a:lnRef>
+          <a:fillRef idx="1">
+            <a:schemeClr val="accent1"/>
+          </a:fillRef>
+          <a:effectRef idx="0">
+            <a:schemeClr val="accent1"/>
+          </a:effectRef>
+          <a:fontRef idx="minor">
+            <a:schemeClr val="lt1"/>
+          </a:fontRef>
+        </p:style>
+        <p:txBody>
+          <a:bodyPr rtlCol="0" anchor="ctr"/>
+          <a:lstStyle/>
+          <a:p>
+            <a:pPr algn="ctr"/>
+            <a:r>
+              <a:rPr lang="en-AU" sz="2400" dirty="0" err="1"/>
+              <a:t>Stego</a:t>
+            </a:r>
+            <a:r>
+              <a:rPr lang="en-AU" sz="2400" dirty="0"/>
+              <a:t> Medium</a:t>
+            </a:r>
+          </a:p>
+        </p:txBody>
+      </p:sp>
+      <p:sp>
+        <p:nvSpPr>
+          <p:cNvPr id="35" name="Rounded Rectangle 8">
+            <a:extLst>
+              <a:ext uri="{FF2B5EF4-FFF2-40B4-BE49-F238E27FC236}">
+                <a16:creationId xmlns:a16="http://schemas.microsoft.com/office/drawing/2014/main" id="{882DB82E-79CB-40F9-9B8D-3AF542BF4DD5}"/>
+              </a:ext>
+            </a:extLst>
+          </p:cNvPr>
+          <p:cNvSpPr/>
+          <p:nvPr/>
+        </p:nvSpPr>
+        <p:spPr>
+          <a:xfrm>
+            <a:off x="5152634" y="4905700"/>
+            <a:ext cx="2656103" cy="964399"/>
+          </a:xfrm>
+          <a:prstGeom prst="roundRect">
+            <a:avLst/>
+          </a:prstGeom>
+          <a:noFill/>
+          <a:ln>
+            <a:solidFill>
+              <a:srgbClr val="0070C0"/>
+            </a:solidFill>
+          </a:ln>
+          <a:effectLst/>
+        </p:spPr>
+        <p:style>
+          <a:lnRef idx="2">
+            <a:schemeClr val="accent1">
+              <a:shade val="50000"/>
+            </a:schemeClr>
+          </a:lnRef>
+          <a:fillRef idx="1">
+            <a:schemeClr val="accent1"/>
+          </a:fillRef>
+          <a:effectRef idx="0">
+            <a:schemeClr val="accent1"/>
+          </a:effectRef>
+          <a:fontRef idx="minor">
+            <a:schemeClr val="lt1"/>
+          </a:fontRef>
+        </p:style>
+        <p:txBody>
+          <a:bodyPr rtlCol="0" anchor="ctr"/>
+          <a:lstStyle/>
+          <a:p>
+            <a:pPr algn="ctr"/>
+            <a:r>
+              <a:rPr lang="en-AU" sz="2400" dirty="0" err="1"/>
+              <a:t>Stego</a:t>
+            </a:r>
+            <a:r>
+              <a:rPr lang="en-AU" sz="2400" dirty="0"/>
+              <a:t> Decoder</a:t>
+            </a:r>
+          </a:p>
+        </p:txBody>
+      </p:sp>
+      <p:cxnSp>
+        <p:nvCxnSpPr>
+          <p:cNvPr id="40" name="Connector: Elbow 39">
+            <a:extLst>
+              <a:ext uri="{FF2B5EF4-FFF2-40B4-BE49-F238E27FC236}">
+                <a16:creationId xmlns:a16="http://schemas.microsoft.com/office/drawing/2014/main" id="{C3E3EE10-FA53-4ADA-8BBA-771A16CF70D2}"/>
+              </a:ext>
+            </a:extLst>
+          </p:cNvPr>
+          <p:cNvCxnSpPr>
+            <a:cxnSpLocks/>
+            <a:stCxn id="18" idx="2"/>
+            <a:endCxn id="35" idx="3"/>
+          </p:cNvCxnSpPr>
+          <p:nvPr/>
+        </p:nvCxnSpPr>
+        <p:spPr>
+          <a:xfrm rot="5400000">
+            <a:off x="7578017" y="3026412"/>
+            <a:ext cx="2592208" cy="2130768"/>
+          </a:xfrm>
+          <a:prstGeom prst="bentConnector2">
+            <a:avLst/>
+          </a:prstGeom>
+          <a:ln>
+            <a:tailEnd type="triangle"/>
+          </a:ln>
+        </p:spPr>
+        <p:style>
+          <a:lnRef idx="1">
+            <a:schemeClr val="accent1"/>
+          </a:lnRef>
+          <a:fillRef idx="0">
+            <a:schemeClr val="accent1"/>
+          </a:fillRef>
+          <a:effectRef idx="0">
+            <a:schemeClr val="accent1"/>
+          </a:effectRef>
+          <a:fontRef idx="minor">
+            <a:schemeClr val="tx1"/>
+          </a:fontRef>
+        </p:style>
+      </p:cxnSp>
+      <p:sp>
+        <p:nvSpPr>
+          <p:cNvPr id="44" name="Rounded Rectangle 4">
+            <a:extLst>
+              <a:ext uri="{FF2B5EF4-FFF2-40B4-BE49-F238E27FC236}">
+                <a16:creationId xmlns:a16="http://schemas.microsoft.com/office/drawing/2014/main" id="{833D6E82-1F6D-4851-AF4D-628B08019CDF}"/>
+              </a:ext>
+            </a:extLst>
+          </p:cNvPr>
+          <p:cNvSpPr/>
+          <p:nvPr/>
+        </p:nvSpPr>
+        <p:spPr>
+          <a:xfrm>
+            <a:off x="1780969" y="4454972"/>
+            <a:ext cx="2400267" cy="690067"/>
+          </a:xfrm>
+          <a:prstGeom prst="roundRect">
+            <a:avLst/>
+          </a:prstGeom>
+          <a:noFill/>
+          <a:ln>
+            <a:solidFill>
+              <a:srgbClr val="0070C0"/>
+            </a:solidFill>
+          </a:ln>
+          <a:effectLst/>
+        </p:spPr>
+        <p:style>
+          <a:lnRef idx="2">
+            <a:schemeClr val="accent1">
+              <a:shade val="50000"/>
+            </a:schemeClr>
+          </a:lnRef>
+          <a:fillRef idx="1">
+            <a:schemeClr val="accent1"/>
+          </a:fillRef>
+          <a:effectRef idx="0">
+            <a:schemeClr val="accent1"/>
+          </a:effectRef>
+          <a:fontRef idx="minor">
+            <a:schemeClr val="lt1"/>
+          </a:fontRef>
+        </p:style>
+        <p:txBody>
+          <a:bodyPr rtlCol="0" anchor="ctr"/>
+          <a:lstStyle/>
+          <a:p>
+            <a:pPr algn="ctr"/>
+            <a:r>
+              <a:rPr lang="en-AU" sz="2400" dirty="0">
+                <a:solidFill>
+                  <a:srgbClr val="FF0000"/>
+                </a:solidFill>
+              </a:rPr>
+              <a:t>Secret Message</a:t>
+            </a:r>
+          </a:p>
+        </p:txBody>
+      </p:sp>
+      <p:sp>
+        <p:nvSpPr>
+          <p:cNvPr id="45" name="Rounded Rectangle 7">
+            <a:extLst>
+              <a:ext uri="{FF2B5EF4-FFF2-40B4-BE49-F238E27FC236}">
+                <a16:creationId xmlns:a16="http://schemas.microsoft.com/office/drawing/2014/main" id="{A2F7DD92-BF14-4630-A591-771FF2936424}"/>
+              </a:ext>
+            </a:extLst>
+          </p:cNvPr>
+          <p:cNvSpPr/>
+          <p:nvPr/>
+        </p:nvSpPr>
+        <p:spPr>
+          <a:xfrm>
+            <a:off x="1780969" y="5310965"/>
+            <a:ext cx="2400267" cy="690067"/>
+          </a:xfrm>
+          <a:prstGeom prst="roundRect">
+            <a:avLst/>
+          </a:prstGeom>
+          <a:noFill/>
+          <a:ln>
+            <a:solidFill>
+              <a:srgbClr val="0070C0"/>
+            </a:solidFill>
+          </a:ln>
+          <a:effectLst/>
+        </p:spPr>
+        <p:style>
+          <a:lnRef idx="2">
+            <a:schemeClr val="accent1">
+              <a:shade val="50000"/>
+            </a:schemeClr>
+          </a:lnRef>
+          <a:fillRef idx="1">
+            <a:schemeClr val="accent1"/>
+          </a:fillRef>
+          <a:effectRef idx="0">
+            <a:schemeClr val="accent1"/>
+          </a:effectRef>
+          <a:fontRef idx="minor">
+            <a:schemeClr val="lt1"/>
+          </a:fontRef>
+        </p:style>
+        <p:txBody>
+          <a:bodyPr rtlCol="0" anchor="ctr"/>
+          <a:lstStyle/>
+          <a:p>
+            <a:pPr algn="ctr"/>
+            <a:r>
+              <a:rPr lang="en-AU" sz="2400" dirty="0"/>
+              <a:t>Cover Medium</a:t>
+            </a:r>
+          </a:p>
+        </p:txBody>
+      </p:sp>
+      <p:cxnSp>
+        <p:nvCxnSpPr>
+          <p:cNvPr id="46" name="Straight Arrow Connector 45">
+            <a:extLst>
+              <a:ext uri="{FF2B5EF4-FFF2-40B4-BE49-F238E27FC236}">
+                <a16:creationId xmlns:a16="http://schemas.microsoft.com/office/drawing/2014/main" id="{BFF53155-16A4-4E4E-B047-47BF7A6269D5}"/>
+              </a:ext>
+            </a:extLst>
+          </p:cNvPr>
+          <p:cNvCxnSpPr>
+            <a:cxnSpLocks/>
+            <a:stCxn id="44" idx="3"/>
+            <a:endCxn id="35" idx="1"/>
+          </p:cNvCxnSpPr>
+          <p:nvPr/>
+        </p:nvCxnSpPr>
+        <p:spPr>
+          <a:xfrm>
+            <a:off x="4181236" y="4800006"/>
+            <a:ext cx="971398" cy="587894"/>
+          </a:xfrm>
+          <a:prstGeom prst="straightConnector1">
+            <a:avLst/>
+          </a:prstGeom>
+          <a:ln>
+            <a:headEnd type="arrow"/>
+          </a:ln>
+        </p:spPr>
+        <p:style>
+          <a:lnRef idx="1">
+            <a:schemeClr val="accent1"/>
+          </a:lnRef>
+          <a:fillRef idx="0">
+            <a:schemeClr val="accent1"/>
+          </a:fillRef>
+          <a:effectRef idx="0">
+            <a:schemeClr val="accent1"/>
+          </a:effectRef>
+          <a:fontRef idx="minor">
+            <a:schemeClr val="tx1"/>
+          </a:fontRef>
+        </p:style>
+      </p:cxnSp>
+      <p:cxnSp>
+        <p:nvCxnSpPr>
+          <p:cNvPr id="49" name="Straight Arrow Connector 48">
+            <a:extLst>
+              <a:ext uri="{FF2B5EF4-FFF2-40B4-BE49-F238E27FC236}">
+                <a16:creationId xmlns:a16="http://schemas.microsoft.com/office/drawing/2014/main" id="{B1F6F9FD-B0D0-4990-B433-B1F472311182}"/>
+              </a:ext>
+            </a:extLst>
+          </p:cNvPr>
+          <p:cNvCxnSpPr>
+            <a:cxnSpLocks/>
+            <a:stCxn id="45" idx="3"/>
+            <a:endCxn id="35" idx="1"/>
+          </p:cNvCxnSpPr>
+          <p:nvPr/>
+        </p:nvCxnSpPr>
+        <p:spPr>
+          <a:xfrm flipV="1">
+            <a:off x="4181236" y="5387900"/>
+            <a:ext cx="971398" cy="268099"/>
+          </a:xfrm>
+          <a:prstGeom prst="straightConnector1">
+            <a:avLst/>
+          </a:prstGeom>
+          <a:ln>
+            <a:headEnd type="arrow"/>
+          </a:ln>
+        </p:spPr>
+        <p:style>
+          <a:lnRef idx="1">
+            <a:schemeClr val="accent1"/>
+          </a:lnRef>
+          <a:fillRef idx="0">
+            <a:schemeClr val="accent1"/>
+          </a:fillRef>
+          <a:effectRef idx="0">
+            <a:schemeClr val="accent1"/>
+          </a:effectRef>
+          <a:fontRef idx="minor">
+            <a:schemeClr val="tx1"/>
+          </a:fontRef>
+        </p:style>
+      </p:cxnSp>
+      <p:sp>
+        <p:nvSpPr>
+          <p:cNvPr id="37" name="Rounded Rectangle 8">
+            <a:extLst>
+              <a:ext uri="{FF2B5EF4-FFF2-40B4-BE49-F238E27FC236}">
+                <a16:creationId xmlns:a16="http://schemas.microsoft.com/office/drawing/2014/main" id="{CE3C4974-756D-4521-AB3C-CA59048B05D5}"/>
+              </a:ext>
+            </a:extLst>
+          </p:cNvPr>
+          <p:cNvSpPr/>
+          <p:nvPr/>
+        </p:nvSpPr>
+        <p:spPr>
+          <a:xfrm>
+            <a:off x="209910" y="1848089"/>
+            <a:ext cx="1429066" cy="727764"/>
+          </a:xfrm>
+          <a:prstGeom prst="roundRect">
+            <a:avLst/>
+          </a:prstGeom>
+          <a:noFill/>
+          <a:ln>
+            <a:noFill/>
+          </a:ln>
+          <a:effectLst/>
+        </p:spPr>
+        <p:style>
+          <a:lnRef idx="2">
+            <a:schemeClr val="accent1">
+              <a:shade val="50000"/>
+            </a:schemeClr>
+          </a:lnRef>
+          <a:fillRef idx="1">
+            <a:schemeClr val="accent1"/>
+          </a:fillRef>
+          <a:effectRef idx="0">
+            <a:schemeClr val="accent1"/>
+          </a:effectRef>
+          <a:fontRef idx="minor">
+            <a:schemeClr val="lt1"/>
+          </a:fontRef>
+        </p:style>
+        <p:txBody>
+          <a:bodyPr rtlCol="0" anchor="ctr"/>
+          <a:lstStyle/>
+          <a:p>
+            <a:pPr algn="ctr"/>
+            <a:r>
+              <a:rPr lang="en-AU" sz="2400" dirty="0"/>
+              <a:t>Sender</a:t>
+            </a:r>
+          </a:p>
+        </p:txBody>
+      </p:sp>
+      <p:sp>
+        <p:nvSpPr>
+          <p:cNvPr id="38" name="Rounded Rectangle 8">
+            <a:extLst>
+              <a:ext uri="{FF2B5EF4-FFF2-40B4-BE49-F238E27FC236}">
+                <a16:creationId xmlns:a16="http://schemas.microsoft.com/office/drawing/2014/main" id="{CF10E06A-CBA9-4378-8DF7-DAE1B3690CE9}"/>
+              </a:ext>
+            </a:extLst>
+          </p:cNvPr>
+          <p:cNvSpPr/>
+          <p:nvPr/>
+        </p:nvSpPr>
+        <p:spPr>
+          <a:xfrm>
+            <a:off x="240658" y="4781157"/>
+            <a:ext cx="1429066" cy="727764"/>
+          </a:xfrm>
+          <a:prstGeom prst="roundRect">
+            <a:avLst/>
+          </a:prstGeom>
+          <a:noFill/>
+          <a:ln>
+            <a:noFill/>
+          </a:ln>
+          <a:effectLst/>
+        </p:spPr>
+        <p:style>
+          <a:lnRef idx="2">
+            <a:schemeClr val="accent1">
+              <a:shade val="50000"/>
+            </a:schemeClr>
+          </a:lnRef>
+          <a:fillRef idx="1">
+            <a:schemeClr val="accent1"/>
+          </a:fillRef>
+          <a:effectRef idx="0">
+            <a:schemeClr val="accent1"/>
+          </a:effectRef>
+          <a:fontRef idx="minor">
+            <a:schemeClr val="lt1"/>
+          </a:fontRef>
+        </p:style>
+        <p:txBody>
+          <a:bodyPr rtlCol="0" anchor="ctr"/>
+          <a:lstStyle/>
+          <a:p>
+            <a:pPr algn="ctr"/>
+            <a:r>
+              <a:rPr lang="en-AU" sz="2400" dirty="0"/>
+              <a:t>Receiver</a:t>
+            </a:r>
+          </a:p>
+        </p:txBody>
+      </p:sp>
+    </p:spTree>
+    <p:extLst>
+      <p:ext uri="{BB962C8B-B14F-4D97-AF65-F5344CB8AC3E}">
+        <p14:creationId xmlns:p14="http://schemas.microsoft.com/office/powerpoint/2010/main" val="1928337419"/>
+      </p:ext>
+    </p:extLst>
+  </p:cSld>
+  <p:clrMapOvr>
+    <a:masterClrMapping/>
+  </p:clrMapOvr>
+</p:sld>
+</file>
+
+<file path=ppt/slides/slide50.xml><?xml version="1.0" encoding="utf-8"?>
+<p:sld xmlns:a="http://schemas.openxmlformats.org/drawingml/2006/main" xmlns:r="http://schemas.openxmlformats.org/officeDocument/2006/relationships" xmlns:p="http://schemas.openxmlformats.org/presentationml/2006/main">
+  <p:cSld>
+    <p:spTree>
+      <p:nvGrpSpPr>
+        <p:cNvPr id="1" name=""/>
+        <p:cNvGrpSpPr/>
+        <p:nvPr/>
+      </p:nvGrpSpPr>
+      <p:grpSpPr>
+        <a:xfrm>
+          <a:off x="0" y="0"/>
+          <a:ext cx="0" cy="0"/>
+          <a:chOff x="0" y="0"/>
+          <a:chExt cx="0" cy="0"/>
+        </a:xfrm>
+      </p:grpSpPr>
+      <p:sp>
+        <p:nvSpPr>
           <p:cNvPr id="3" name="Slide Number Placeholder 2"/>
           <p:cNvSpPr>
             <a:spLocks noGrp="1"/>
@@ -29273,7 +30497,7 @@
                 </a:solidFill>
               </a:rPr>
               <a:pPr/>
-              <a:t>49</a:t>
+              <a:t>50</a:t>
             </a:fld>
             <a:endParaRPr lang="en-AU" dirty="0">
               <a:solidFill>
@@ -31226,7 +32450,7 @@
 </p:sld>
 </file>
 
-<file path=ppt/slides/slide5.xml><?xml version="1.0" encoding="utf-8"?>
+<file path=ppt/slides/slide51.xml><?xml version="1.0" encoding="utf-8"?>
 <p:sld xmlns:a="http://schemas.openxmlformats.org/drawingml/2006/main" xmlns:r="http://schemas.openxmlformats.org/officeDocument/2006/relationships" xmlns:p="http://schemas.openxmlformats.org/presentationml/2006/main">
   <p:cSld>
     <p:spTree>
@@ -31245,847 +32469,6 @@
       </p:grpSpPr>
       <p:sp>
         <p:nvSpPr>
-          <p:cNvPr id="2" name="Title 1">
-            <a:extLst>
-              <a:ext uri="{FF2B5EF4-FFF2-40B4-BE49-F238E27FC236}">
-                <a16:creationId xmlns:a16="http://schemas.microsoft.com/office/drawing/2014/main" id="{5B374C25-2D5A-48BC-9315-DB95C4804247}"/>
-              </a:ext>
-            </a:extLst>
-          </p:cNvPr>
-          <p:cNvSpPr>
-            <a:spLocks noGrp="1"/>
-          </p:cNvSpPr>
-          <p:nvPr>
-            <p:ph type="title"/>
-          </p:nvPr>
-        </p:nvSpPr>
-        <p:spPr>
-          <a:xfrm>
-            <a:off x="913795" y="-39756"/>
-            <a:ext cx="10353762" cy="1015448"/>
-          </a:xfrm>
-        </p:spPr>
-        <p:txBody>
-          <a:bodyPr/>
-          <a:lstStyle/>
-          <a:p>
-            <a:r>
-              <a:rPr lang="en-AU" sz="4000" dirty="0" err="1"/>
-              <a:t>Stegosystem</a:t>
-            </a:r>
-            <a:endParaRPr lang="en-AU" dirty="0"/>
-          </a:p>
-        </p:txBody>
-      </p:sp>
-      <p:sp>
-        <p:nvSpPr>
-          <p:cNvPr id="4" name="Rounded Rectangle 4">
-            <a:extLst>
-              <a:ext uri="{FF2B5EF4-FFF2-40B4-BE49-F238E27FC236}">
-                <a16:creationId xmlns:a16="http://schemas.microsoft.com/office/drawing/2014/main" id="{CF7AEFFD-A6C2-4CDD-88A3-CD092B09E23C}"/>
-              </a:ext>
-            </a:extLst>
-          </p:cNvPr>
-          <p:cNvSpPr/>
-          <p:nvPr/>
-        </p:nvSpPr>
-        <p:spPr>
-          <a:xfrm>
-            <a:off x="1780969" y="1532643"/>
-            <a:ext cx="2400267" cy="690067"/>
-          </a:xfrm>
-          <a:prstGeom prst="roundRect">
-            <a:avLst/>
-          </a:prstGeom>
-          <a:noFill/>
-          <a:ln>
-            <a:solidFill>
-              <a:srgbClr val="0070C0"/>
-            </a:solidFill>
-          </a:ln>
-          <a:effectLst/>
-        </p:spPr>
-        <p:style>
-          <a:lnRef idx="2">
-            <a:schemeClr val="accent1">
-              <a:shade val="50000"/>
-            </a:schemeClr>
-          </a:lnRef>
-          <a:fillRef idx="1">
-            <a:schemeClr val="accent1"/>
-          </a:fillRef>
-          <a:effectRef idx="0">
-            <a:schemeClr val="accent1"/>
-          </a:effectRef>
-          <a:fontRef idx="minor">
-            <a:schemeClr val="lt1"/>
-          </a:fontRef>
-        </p:style>
-        <p:txBody>
-          <a:bodyPr rtlCol="0" anchor="ctr"/>
-          <a:lstStyle/>
-          <a:p>
-            <a:pPr algn="ctr"/>
-            <a:r>
-              <a:rPr lang="en-AU" sz="2400" dirty="0">
-                <a:solidFill>
-                  <a:srgbClr val="FF0000"/>
-                </a:solidFill>
-              </a:rPr>
-              <a:t>Secret Message</a:t>
-            </a:r>
-          </a:p>
-        </p:txBody>
-      </p:sp>
-      <p:sp>
-        <p:nvSpPr>
-          <p:cNvPr id="5" name="Rounded Rectangle 7">
-            <a:extLst>
-              <a:ext uri="{FF2B5EF4-FFF2-40B4-BE49-F238E27FC236}">
-                <a16:creationId xmlns:a16="http://schemas.microsoft.com/office/drawing/2014/main" id="{549DE84A-7FE6-4555-A3F1-0571A3A18D13}"/>
-              </a:ext>
-            </a:extLst>
-          </p:cNvPr>
-          <p:cNvSpPr/>
-          <p:nvPr/>
-        </p:nvSpPr>
-        <p:spPr>
-          <a:xfrm>
-            <a:off x="1780969" y="2388636"/>
-            <a:ext cx="2400267" cy="690067"/>
-          </a:xfrm>
-          <a:prstGeom prst="roundRect">
-            <a:avLst/>
-          </a:prstGeom>
-          <a:noFill/>
-          <a:ln>
-            <a:solidFill>
-              <a:srgbClr val="0070C0"/>
-            </a:solidFill>
-          </a:ln>
-          <a:effectLst/>
-        </p:spPr>
-        <p:style>
-          <a:lnRef idx="2">
-            <a:schemeClr val="accent1">
-              <a:shade val="50000"/>
-            </a:schemeClr>
-          </a:lnRef>
-          <a:fillRef idx="1">
-            <a:schemeClr val="accent1"/>
-          </a:fillRef>
-          <a:effectRef idx="0">
-            <a:schemeClr val="accent1"/>
-          </a:effectRef>
-          <a:fontRef idx="minor">
-            <a:schemeClr val="lt1"/>
-          </a:fontRef>
-        </p:style>
-        <p:txBody>
-          <a:bodyPr rtlCol="0" anchor="ctr"/>
-          <a:lstStyle/>
-          <a:p>
-            <a:pPr algn="ctr"/>
-            <a:r>
-              <a:rPr lang="en-AU" sz="2400" dirty="0"/>
-              <a:t>Cover Medium</a:t>
-            </a:r>
-          </a:p>
-        </p:txBody>
-      </p:sp>
-      <p:sp>
-        <p:nvSpPr>
-          <p:cNvPr id="6" name="Rounded Rectangle 8">
-            <a:extLst>
-              <a:ext uri="{FF2B5EF4-FFF2-40B4-BE49-F238E27FC236}">
-                <a16:creationId xmlns:a16="http://schemas.microsoft.com/office/drawing/2014/main" id="{BC8C7906-4266-47E9-8B47-54F923F4BDB6}"/>
-              </a:ext>
-            </a:extLst>
-          </p:cNvPr>
-          <p:cNvSpPr/>
-          <p:nvPr/>
-        </p:nvSpPr>
-        <p:spPr>
-          <a:xfrm>
-            <a:off x="5152634" y="1849092"/>
-            <a:ext cx="2656105" cy="964399"/>
-          </a:xfrm>
-          <a:prstGeom prst="roundRect">
-            <a:avLst/>
-          </a:prstGeom>
-          <a:noFill/>
-          <a:ln>
-            <a:solidFill>
-              <a:srgbClr val="0070C0"/>
-            </a:solidFill>
-          </a:ln>
-          <a:effectLst/>
-        </p:spPr>
-        <p:style>
-          <a:lnRef idx="2">
-            <a:schemeClr val="accent1">
-              <a:shade val="50000"/>
-            </a:schemeClr>
-          </a:lnRef>
-          <a:fillRef idx="1">
-            <a:schemeClr val="accent1"/>
-          </a:fillRef>
-          <a:effectRef idx="0">
-            <a:schemeClr val="accent1"/>
-          </a:effectRef>
-          <a:fontRef idx="minor">
-            <a:schemeClr val="lt1"/>
-          </a:fontRef>
-        </p:style>
-        <p:txBody>
-          <a:bodyPr rtlCol="0" anchor="ctr"/>
-          <a:lstStyle/>
-          <a:p>
-            <a:pPr algn="ctr"/>
-            <a:r>
-              <a:rPr lang="en-AU" sz="2400" dirty="0" err="1"/>
-              <a:t>Stego</a:t>
-            </a:r>
-            <a:r>
-              <a:rPr lang="en-AU" sz="2400" dirty="0"/>
-              <a:t> Encoder</a:t>
-            </a:r>
-          </a:p>
-        </p:txBody>
-      </p:sp>
-      <p:cxnSp>
-        <p:nvCxnSpPr>
-          <p:cNvPr id="7" name="Straight Arrow Connector 6">
-            <a:extLst>
-              <a:ext uri="{FF2B5EF4-FFF2-40B4-BE49-F238E27FC236}">
-                <a16:creationId xmlns:a16="http://schemas.microsoft.com/office/drawing/2014/main" id="{E8079BFB-A387-4AC8-B724-0FAAA49723F7}"/>
-              </a:ext>
-            </a:extLst>
-          </p:cNvPr>
-          <p:cNvCxnSpPr>
-            <a:cxnSpLocks/>
-            <a:stCxn id="6" idx="1"/>
-            <a:endCxn id="4" idx="3"/>
-          </p:cNvCxnSpPr>
-          <p:nvPr/>
-        </p:nvCxnSpPr>
-        <p:spPr>
-          <a:xfrm flipH="1" flipV="1">
-            <a:off x="4181236" y="1877677"/>
-            <a:ext cx="971398" cy="453615"/>
-          </a:xfrm>
-          <a:prstGeom prst="straightConnector1">
-            <a:avLst/>
-          </a:prstGeom>
-          <a:ln>
-            <a:headEnd type="arrow"/>
-          </a:ln>
-        </p:spPr>
-        <p:style>
-          <a:lnRef idx="1">
-            <a:schemeClr val="accent1"/>
-          </a:lnRef>
-          <a:fillRef idx="0">
-            <a:schemeClr val="accent1"/>
-          </a:fillRef>
-          <a:effectRef idx="0">
-            <a:schemeClr val="accent1"/>
-          </a:effectRef>
-          <a:fontRef idx="minor">
-            <a:schemeClr val="tx1"/>
-          </a:fontRef>
-        </p:style>
-      </p:cxnSp>
-      <p:cxnSp>
-        <p:nvCxnSpPr>
-          <p:cNvPr id="10" name="Straight Arrow Connector 9">
-            <a:extLst>
-              <a:ext uri="{FF2B5EF4-FFF2-40B4-BE49-F238E27FC236}">
-                <a16:creationId xmlns:a16="http://schemas.microsoft.com/office/drawing/2014/main" id="{3FBF023C-E45C-48BC-AE1B-23B5FE743DA0}"/>
-              </a:ext>
-            </a:extLst>
-          </p:cNvPr>
-          <p:cNvCxnSpPr>
-            <a:cxnSpLocks/>
-            <a:stCxn id="6" idx="1"/>
-            <a:endCxn id="5" idx="3"/>
-          </p:cNvCxnSpPr>
-          <p:nvPr/>
-        </p:nvCxnSpPr>
-        <p:spPr>
-          <a:xfrm flipH="1">
-            <a:off x="4181236" y="2331292"/>
-            <a:ext cx="971398" cy="402378"/>
-          </a:xfrm>
-          <a:prstGeom prst="straightConnector1">
-            <a:avLst/>
-          </a:prstGeom>
-          <a:ln>
-            <a:headEnd type="arrow"/>
-          </a:ln>
-        </p:spPr>
-        <p:style>
-          <a:lnRef idx="1">
-            <a:schemeClr val="accent1"/>
-          </a:lnRef>
-          <a:fillRef idx="0">
-            <a:schemeClr val="accent1"/>
-          </a:fillRef>
-          <a:effectRef idx="0">
-            <a:schemeClr val="accent1"/>
-          </a:effectRef>
-          <a:fontRef idx="minor">
-            <a:schemeClr val="tx1"/>
-          </a:fontRef>
-        </p:style>
-      </p:cxnSp>
-      <p:cxnSp>
-        <p:nvCxnSpPr>
-          <p:cNvPr id="15" name="Straight Arrow Connector 14">
-            <a:extLst>
-              <a:ext uri="{FF2B5EF4-FFF2-40B4-BE49-F238E27FC236}">
-                <a16:creationId xmlns:a16="http://schemas.microsoft.com/office/drawing/2014/main" id="{B1CE3ED1-0602-4DDA-A88B-43533F4C75A1}"/>
-              </a:ext>
-            </a:extLst>
-          </p:cNvPr>
-          <p:cNvCxnSpPr>
-            <a:cxnSpLocks/>
-            <a:endCxn id="6" idx="3"/>
-          </p:cNvCxnSpPr>
-          <p:nvPr/>
-        </p:nvCxnSpPr>
-        <p:spPr>
-          <a:xfrm flipH="1">
-            <a:off x="7808739" y="2331292"/>
-            <a:ext cx="802714" cy="0"/>
-          </a:xfrm>
-          <a:prstGeom prst="straightConnector1">
-            <a:avLst/>
-          </a:prstGeom>
-          <a:ln>
-            <a:headEnd type="arrow"/>
-          </a:ln>
-        </p:spPr>
-        <p:style>
-          <a:lnRef idx="1">
-            <a:schemeClr val="accent1"/>
-          </a:lnRef>
-          <a:fillRef idx="0">
-            <a:schemeClr val="accent1"/>
-          </a:fillRef>
-          <a:effectRef idx="0">
-            <a:schemeClr val="accent1"/>
-          </a:effectRef>
-          <a:fontRef idx="minor">
-            <a:schemeClr val="tx1"/>
-          </a:fontRef>
-        </p:style>
-      </p:cxnSp>
-      <p:sp>
-        <p:nvSpPr>
-          <p:cNvPr id="18" name="Rounded Rectangle 8">
-            <a:extLst>
-              <a:ext uri="{FF2B5EF4-FFF2-40B4-BE49-F238E27FC236}">
-                <a16:creationId xmlns:a16="http://schemas.microsoft.com/office/drawing/2014/main" id="{F4350407-8837-4843-A1C6-27B8FBFDAF2A}"/>
-              </a:ext>
-            </a:extLst>
-          </p:cNvPr>
-          <p:cNvSpPr/>
-          <p:nvPr/>
-        </p:nvSpPr>
-        <p:spPr>
-          <a:xfrm>
-            <a:off x="8611452" y="1831293"/>
-            <a:ext cx="2656105" cy="964399"/>
-          </a:xfrm>
-          <a:prstGeom prst="roundRect">
-            <a:avLst/>
-          </a:prstGeom>
-          <a:noFill/>
-          <a:ln>
-            <a:solidFill>
-              <a:srgbClr val="0070C0"/>
-            </a:solidFill>
-          </a:ln>
-          <a:effectLst/>
-        </p:spPr>
-        <p:style>
-          <a:lnRef idx="2">
-            <a:schemeClr val="accent1">
-              <a:shade val="50000"/>
-            </a:schemeClr>
-          </a:lnRef>
-          <a:fillRef idx="1">
-            <a:schemeClr val="accent1"/>
-          </a:fillRef>
-          <a:effectRef idx="0">
-            <a:schemeClr val="accent1"/>
-          </a:effectRef>
-          <a:fontRef idx="minor">
-            <a:schemeClr val="lt1"/>
-          </a:fontRef>
-        </p:style>
-        <p:txBody>
-          <a:bodyPr rtlCol="0" anchor="ctr"/>
-          <a:lstStyle/>
-          <a:p>
-            <a:pPr algn="ctr"/>
-            <a:r>
-              <a:rPr lang="en-AU" sz="2400" dirty="0" err="1"/>
-              <a:t>Stego</a:t>
-            </a:r>
-            <a:r>
-              <a:rPr lang="en-AU" sz="2400" dirty="0"/>
-              <a:t> Medium</a:t>
-            </a:r>
-          </a:p>
-        </p:txBody>
-      </p:sp>
-      <p:sp>
-        <p:nvSpPr>
-          <p:cNvPr id="35" name="Rounded Rectangle 8">
-            <a:extLst>
-              <a:ext uri="{FF2B5EF4-FFF2-40B4-BE49-F238E27FC236}">
-                <a16:creationId xmlns:a16="http://schemas.microsoft.com/office/drawing/2014/main" id="{882DB82E-79CB-40F9-9B8D-3AF542BF4DD5}"/>
-              </a:ext>
-            </a:extLst>
-          </p:cNvPr>
-          <p:cNvSpPr/>
-          <p:nvPr/>
-        </p:nvSpPr>
-        <p:spPr>
-          <a:xfrm>
-            <a:off x="5152634" y="4905700"/>
-            <a:ext cx="2656103" cy="964399"/>
-          </a:xfrm>
-          <a:prstGeom prst="roundRect">
-            <a:avLst/>
-          </a:prstGeom>
-          <a:noFill/>
-          <a:ln>
-            <a:solidFill>
-              <a:srgbClr val="0070C0"/>
-            </a:solidFill>
-          </a:ln>
-          <a:effectLst/>
-        </p:spPr>
-        <p:style>
-          <a:lnRef idx="2">
-            <a:schemeClr val="accent1">
-              <a:shade val="50000"/>
-            </a:schemeClr>
-          </a:lnRef>
-          <a:fillRef idx="1">
-            <a:schemeClr val="accent1"/>
-          </a:fillRef>
-          <a:effectRef idx="0">
-            <a:schemeClr val="accent1"/>
-          </a:effectRef>
-          <a:fontRef idx="minor">
-            <a:schemeClr val="lt1"/>
-          </a:fontRef>
-        </p:style>
-        <p:txBody>
-          <a:bodyPr rtlCol="0" anchor="ctr"/>
-          <a:lstStyle/>
-          <a:p>
-            <a:pPr algn="ctr"/>
-            <a:r>
-              <a:rPr lang="en-AU" sz="2400" dirty="0" err="1"/>
-              <a:t>Stego</a:t>
-            </a:r>
-            <a:r>
-              <a:rPr lang="en-AU" sz="2400" dirty="0"/>
-              <a:t> Decoder</a:t>
-            </a:r>
-          </a:p>
-        </p:txBody>
-      </p:sp>
-      <p:cxnSp>
-        <p:nvCxnSpPr>
-          <p:cNvPr id="40" name="Connector: Elbow 39">
-            <a:extLst>
-              <a:ext uri="{FF2B5EF4-FFF2-40B4-BE49-F238E27FC236}">
-                <a16:creationId xmlns:a16="http://schemas.microsoft.com/office/drawing/2014/main" id="{C3E3EE10-FA53-4ADA-8BBA-771A16CF70D2}"/>
-              </a:ext>
-            </a:extLst>
-          </p:cNvPr>
-          <p:cNvCxnSpPr>
-            <a:cxnSpLocks/>
-            <a:stCxn id="18" idx="2"/>
-            <a:endCxn id="35" idx="3"/>
-          </p:cNvCxnSpPr>
-          <p:nvPr/>
-        </p:nvCxnSpPr>
-        <p:spPr>
-          <a:xfrm rot="5400000">
-            <a:off x="7578017" y="3026412"/>
-            <a:ext cx="2592208" cy="2130768"/>
-          </a:xfrm>
-          <a:prstGeom prst="bentConnector2">
-            <a:avLst/>
-          </a:prstGeom>
-          <a:ln>
-            <a:tailEnd type="triangle"/>
-          </a:ln>
-        </p:spPr>
-        <p:style>
-          <a:lnRef idx="1">
-            <a:schemeClr val="accent1"/>
-          </a:lnRef>
-          <a:fillRef idx="0">
-            <a:schemeClr val="accent1"/>
-          </a:fillRef>
-          <a:effectRef idx="0">
-            <a:schemeClr val="accent1"/>
-          </a:effectRef>
-          <a:fontRef idx="minor">
-            <a:schemeClr val="tx1"/>
-          </a:fontRef>
-        </p:style>
-      </p:cxnSp>
-      <p:sp>
-        <p:nvSpPr>
-          <p:cNvPr id="44" name="Rounded Rectangle 4">
-            <a:extLst>
-              <a:ext uri="{FF2B5EF4-FFF2-40B4-BE49-F238E27FC236}">
-                <a16:creationId xmlns:a16="http://schemas.microsoft.com/office/drawing/2014/main" id="{833D6E82-1F6D-4851-AF4D-628B08019CDF}"/>
-              </a:ext>
-            </a:extLst>
-          </p:cNvPr>
-          <p:cNvSpPr/>
-          <p:nvPr/>
-        </p:nvSpPr>
-        <p:spPr>
-          <a:xfrm>
-            <a:off x="1780969" y="4454972"/>
-            <a:ext cx="2400267" cy="690067"/>
-          </a:xfrm>
-          <a:prstGeom prst="roundRect">
-            <a:avLst/>
-          </a:prstGeom>
-          <a:noFill/>
-          <a:ln>
-            <a:solidFill>
-              <a:srgbClr val="0070C0"/>
-            </a:solidFill>
-          </a:ln>
-          <a:effectLst/>
-        </p:spPr>
-        <p:style>
-          <a:lnRef idx="2">
-            <a:schemeClr val="accent1">
-              <a:shade val="50000"/>
-            </a:schemeClr>
-          </a:lnRef>
-          <a:fillRef idx="1">
-            <a:schemeClr val="accent1"/>
-          </a:fillRef>
-          <a:effectRef idx="0">
-            <a:schemeClr val="accent1"/>
-          </a:effectRef>
-          <a:fontRef idx="minor">
-            <a:schemeClr val="lt1"/>
-          </a:fontRef>
-        </p:style>
-        <p:txBody>
-          <a:bodyPr rtlCol="0" anchor="ctr"/>
-          <a:lstStyle/>
-          <a:p>
-            <a:pPr algn="ctr"/>
-            <a:r>
-              <a:rPr lang="en-AU" sz="2400" dirty="0">
-                <a:solidFill>
-                  <a:srgbClr val="FF0000"/>
-                </a:solidFill>
-              </a:rPr>
-              <a:t>Secret Message</a:t>
-            </a:r>
-          </a:p>
-        </p:txBody>
-      </p:sp>
-      <p:sp>
-        <p:nvSpPr>
-          <p:cNvPr id="45" name="Rounded Rectangle 7">
-            <a:extLst>
-              <a:ext uri="{FF2B5EF4-FFF2-40B4-BE49-F238E27FC236}">
-                <a16:creationId xmlns:a16="http://schemas.microsoft.com/office/drawing/2014/main" id="{A2F7DD92-BF14-4630-A591-771FF2936424}"/>
-              </a:ext>
-            </a:extLst>
-          </p:cNvPr>
-          <p:cNvSpPr/>
-          <p:nvPr/>
-        </p:nvSpPr>
-        <p:spPr>
-          <a:xfrm>
-            <a:off x="1780969" y="5310965"/>
-            <a:ext cx="2400267" cy="690067"/>
-          </a:xfrm>
-          <a:prstGeom prst="roundRect">
-            <a:avLst/>
-          </a:prstGeom>
-          <a:noFill/>
-          <a:ln>
-            <a:solidFill>
-              <a:srgbClr val="0070C0"/>
-            </a:solidFill>
-          </a:ln>
-          <a:effectLst/>
-        </p:spPr>
-        <p:style>
-          <a:lnRef idx="2">
-            <a:schemeClr val="accent1">
-              <a:shade val="50000"/>
-            </a:schemeClr>
-          </a:lnRef>
-          <a:fillRef idx="1">
-            <a:schemeClr val="accent1"/>
-          </a:fillRef>
-          <a:effectRef idx="0">
-            <a:schemeClr val="accent1"/>
-          </a:effectRef>
-          <a:fontRef idx="minor">
-            <a:schemeClr val="lt1"/>
-          </a:fontRef>
-        </p:style>
-        <p:txBody>
-          <a:bodyPr rtlCol="0" anchor="ctr"/>
-          <a:lstStyle/>
-          <a:p>
-            <a:pPr algn="ctr"/>
-            <a:r>
-              <a:rPr lang="en-AU" sz="2400" dirty="0"/>
-              <a:t>Cover Medium</a:t>
-            </a:r>
-          </a:p>
-        </p:txBody>
-      </p:sp>
-      <p:cxnSp>
-        <p:nvCxnSpPr>
-          <p:cNvPr id="46" name="Straight Arrow Connector 45">
-            <a:extLst>
-              <a:ext uri="{FF2B5EF4-FFF2-40B4-BE49-F238E27FC236}">
-                <a16:creationId xmlns:a16="http://schemas.microsoft.com/office/drawing/2014/main" id="{BFF53155-16A4-4E4E-B047-47BF7A6269D5}"/>
-              </a:ext>
-            </a:extLst>
-          </p:cNvPr>
-          <p:cNvCxnSpPr>
-            <a:cxnSpLocks/>
-            <a:stCxn id="44" idx="3"/>
-            <a:endCxn id="35" idx="1"/>
-          </p:cNvCxnSpPr>
-          <p:nvPr/>
-        </p:nvCxnSpPr>
-        <p:spPr>
-          <a:xfrm>
-            <a:off x="4181236" y="4800006"/>
-            <a:ext cx="971398" cy="587894"/>
-          </a:xfrm>
-          <a:prstGeom prst="straightConnector1">
-            <a:avLst/>
-          </a:prstGeom>
-          <a:ln>
-            <a:headEnd type="arrow"/>
-          </a:ln>
-        </p:spPr>
-        <p:style>
-          <a:lnRef idx="1">
-            <a:schemeClr val="accent1"/>
-          </a:lnRef>
-          <a:fillRef idx="0">
-            <a:schemeClr val="accent1"/>
-          </a:fillRef>
-          <a:effectRef idx="0">
-            <a:schemeClr val="accent1"/>
-          </a:effectRef>
-          <a:fontRef idx="minor">
-            <a:schemeClr val="tx1"/>
-          </a:fontRef>
-        </p:style>
-      </p:cxnSp>
-      <p:cxnSp>
-        <p:nvCxnSpPr>
-          <p:cNvPr id="49" name="Straight Arrow Connector 48">
-            <a:extLst>
-              <a:ext uri="{FF2B5EF4-FFF2-40B4-BE49-F238E27FC236}">
-                <a16:creationId xmlns:a16="http://schemas.microsoft.com/office/drawing/2014/main" id="{B1F6F9FD-B0D0-4990-B433-B1F472311182}"/>
-              </a:ext>
-            </a:extLst>
-          </p:cNvPr>
-          <p:cNvCxnSpPr>
-            <a:cxnSpLocks/>
-            <a:stCxn id="45" idx="3"/>
-            <a:endCxn id="35" idx="1"/>
-          </p:cNvCxnSpPr>
-          <p:nvPr/>
-        </p:nvCxnSpPr>
-        <p:spPr>
-          <a:xfrm flipV="1">
-            <a:off x="4181236" y="5387900"/>
-            <a:ext cx="971398" cy="268099"/>
-          </a:xfrm>
-          <a:prstGeom prst="straightConnector1">
-            <a:avLst/>
-          </a:prstGeom>
-          <a:ln>
-            <a:headEnd type="arrow"/>
-          </a:ln>
-        </p:spPr>
-        <p:style>
-          <a:lnRef idx="1">
-            <a:schemeClr val="accent1"/>
-          </a:lnRef>
-          <a:fillRef idx="0">
-            <a:schemeClr val="accent1"/>
-          </a:fillRef>
-          <a:effectRef idx="0">
-            <a:schemeClr val="accent1"/>
-          </a:effectRef>
-          <a:fontRef idx="minor">
-            <a:schemeClr val="tx1"/>
-          </a:fontRef>
-        </p:style>
-      </p:cxnSp>
-      <p:sp>
-        <p:nvSpPr>
-          <p:cNvPr id="37" name="Rounded Rectangle 8">
-            <a:extLst>
-              <a:ext uri="{FF2B5EF4-FFF2-40B4-BE49-F238E27FC236}">
-                <a16:creationId xmlns:a16="http://schemas.microsoft.com/office/drawing/2014/main" id="{CE3C4974-756D-4521-AB3C-CA59048B05D5}"/>
-              </a:ext>
-            </a:extLst>
-          </p:cNvPr>
-          <p:cNvSpPr/>
-          <p:nvPr/>
-        </p:nvSpPr>
-        <p:spPr>
-          <a:xfrm>
-            <a:off x="209910" y="1848089"/>
-            <a:ext cx="1429066" cy="727764"/>
-          </a:xfrm>
-          <a:prstGeom prst="roundRect">
-            <a:avLst/>
-          </a:prstGeom>
-          <a:noFill/>
-          <a:ln>
-            <a:noFill/>
-          </a:ln>
-          <a:effectLst/>
-        </p:spPr>
-        <p:style>
-          <a:lnRef idx="2">
-            <a:schemeClr val="accent1">
-              <a:shade val="50000"/>
-            </a:schemeClr>
-          </a:lnRef>
-          <a:fillRef idx="1">
-            <a:schemeClr val="accent1"/>
-          </a:fillRef>
-          <a:effectRef idx="0">
-            <a:schemeClr val="accent1"/>
-          </a:effectRef>
-          <a:fontRef idx="minor">
-            <a:schemeClr val="lt1"/>
-          </a:fontRef>
-        </p:style>
-        <p:txBody>
-          <a:bodyPr rtlCol="0" anchor="ctr"/>
-          <a:lstStyle/>
-          <a:p>
-            <a:pPr algn="ctr"/>
-            <a:r>
-              <a:rPr lang="en-AU" sz="2400" dirty="0"/>
-              <a:t>Sender</a:t>
-            </a:r>
-          </a:p>
-        </p:txBody>
-      </p:sp>
-      <p:sp>
-        <p:nvSpPr>
-          <p:cNvPr id="38" name="Rounded Rectangle 8">
-            <a:extLst>
-              <a:ext uri="{FF2B5EF4-FFF2-40B4-BE49-F238E27FC236}">
-                <a16:creationId xmlns:a16="http://schemas.microsoft.com/office/drawing/2014/main" id="{CF10E06A-CBA9-4378-8DF7-DAE1B3690CE9}"/>
-              </a:ext>
-            </a:extLst>
-          </p:cNvPr>
-          <p:cNvSpPr/>
-          <p:nvPr/>
-        </p:nvSpPr>
-        <p:spPr>
-          <a:xfrm>
-            <a:off x="240658" y="4781157"/>
-            <a:ext cx="1429066" cy="727764"/>
-          </a:xfrm>
-          <a:prstGeom prst="roundRect">
-            <a:avLst/>
-          </a:prstGeom>
-          <a:noFill/>
-          <a:ln>
-            <a:noFill/>
-          </a:ln>
-          <a:effectLst/>
-        </p:spPr>
-        <p:style>
-          <a:lnRef idx="2">
-            <a:schemeClr val="accent1">
-              <a:shade val="50000"/>
-            </a:schemeClr>
-          </a:lnRef>
-          <a:fillRef idx="1">
-            <a:schemeClr val="accent1"/>
-          </a:fillRef>
-          <a:effectRef idx="0">
-            <a:schemeClr val="accent1"/>
-          </a:effectRef>
-          <a:fontRef idx="minor">
-            <a:schemeClr val="lt1"/>
-          </a:fontRef>
-        </p:style>
-        <p:txBody>
-          <a:bodyPr rtlCol="0" anchor="ctr"/>
-          <a:lstStyle/>
-          <a:p>
-            <a:pPr algn="ctr"/>
-            <a:r>
-              <a:rPr lang="en-AU" sz="2400" dirty="0"/>
-              <a:t>Receiver</a:t>
-            </a:r>
-          </a:p>
-        </p:txBody>
-      </p:sp>
-    </p:spTree>
-    <p:extLst>
-      <p:ext uri="{BB962C8B-B14F-4D97-AF65-F5344CB8AC3E}">
-        <p14:creationId xmlns:p14="http://schemas.microsoft.com/office/powerpoint/2010/main" val="1928337419"/>
-      </p:ext>
-    </p:extLst>
-  </p:cSld>
-  <p:clrMapOvr>
-    <a:masterClrMapping/>
-  </p:clrMapOvr>
-</p:sld>
-</file>
-
-<file path=ppt/slides/slide50.xml><?xml version="1.0" encoding="utf-8"?>
-<p:sld xmlns:a="http://schemas.openxmlformats.org/drawingml/2006/main" xmlns:r="http://schemas.openxmlformats.org/officeDocument/2006/relationships" xmlns:p="http://schemas.openxmlformats.org/presentationml/2006/main">
-  <p:cSld>
-    <p:spTree>
-      <p:nvGrpSpPr>
-        <p:cNvPr id="1" name=""/>
-        <p:cNvGrpSpPr/>
-        <p:nvPr/>
-      </p:nvGrpSpPr>
-      <p:grpSpPr>
-        <a:xfrm>
-          <a:off x="0" y="0"/>
-          <a:ext cx="0" cy="0"/>
-          <a:chOff x="0" y="0"/>
-          <a:chExt cx="0" cy="0"/>
-        </a:xfrm>
-      </p:grpSpPr>
-      <p:sp>
-        <p:nvSpPr>
           <p:cNvPr id="3" name="Slide Number Placeholder 2"/>
           <p:cNvSpPr>
             <a:spLocks noGrp="1"/>
@@ -32108,7 +32491,7 @@
                 </a:solidFill>
               </a:rPr>
               <a:pPr/>
-              <a:t>50</a:t>
+              <a:t>51</a:t>
             </a:fld>
             <a:endParaRPr lang="en-AU" dirty="0">
               <a:solidFill>
@@ -32168,7 +32551,7 @@
             <p:spPr>
               <a:xfrm>
                 <a:off x="709902" y="3485229"/>
-                <a:ext cx="8651811" cy="2515520"/>
+                <a:ext cx="11092238" cy="2515520"/>
               </a:xfrm>
               <a:prstGeom prst="rect">
                 <a:avLst/>
@@ -32847,20 +33230,27 @@
               <a:p>
                 <a:r>
                   <a:rPr lang="en-AU" sz="3200" dirty="0"/>
-                  <a:t>Assume </a:t>
+                  <a:t>More specifically, </a:t>
                 </a:r>
                 <a14:m>
                   <m:oMath xmlns:m="http://schemas.openxmlformats.org/officeDocument/2006/math">
                     <m:sSub>
                       <m:sSubPr>
                         <m:ctrlPr>
-                          <a:rPr lang="en-AU" sz="3200" i="1" smtClean="0">
+                          <a:rPr lang="en-AU" sz="3200" i="1">
                             <a:effectLst/>
                             <a:latin typeface="Cambria Math" panose="02040503050406030204" pitchFamily="18" charset="0"/>
                           </a:rPr>
                         </m:ctrlPr>
                       </m:sSubPr>
                       <m:e>
+                        <m:r>
+                          <a:rPr lang="en-AU" sz="3200" i="1">
+                            <a:effectLst/>
+                            <a:latin typeface="Cambria Math" panose="02040503050406030204" pitchFamily="18" charset="0"/>
+                          </a:rPr>
+                          <m:t>|</m:t>
+                        </m:r>
                         <m:r>
                           <a:rPr lang="en-AU" sz="3200" i="1">
                             <a:effectLst/>
@@ -32883,11 +33273,20 @@
                         </m:r>
                       </m:sub>
                     </m:sSub>
+                    <m:r>
+                      <a:rPr lang="en-AU" sz="3200" i="1">
+                        <a:effectLst/>
+                        <a:latin typeface="Cambria Math" panose="02040503050406030204" pitchFamily="18" charset="0"/>
+                        <a:ea typeface="DengXian" panose="02010600030101010101" pitchFamily="2" charset="-122"/>
+                        <a:cs typeface="Times New Roman" panose="02020603050405020304" pitchFamily="18" charset="0"/>
+                      </a:rPr>
+                      <m:t>|</m:t>
+                    </m:r>
                   </m:oMath>
                 </a14:m>
                 <a:r>
                   <a:rPr lang="en-AU" sz="3200" dirty="0"/>
-                  <a:t> falls within </a:t>
+                  <a:t> falls within a sub-range, denoted by </a:t>
                 </a:r>
                 <a14:m>
                   <m:oMath xmlns:m="http://schemas.openxmlformats.org/officeDocument/2006/math">
@@ -32952,7 +33351,7 @@
             <p:spPr>
               <a:xfrm>
                 <a:off x="709902" y="3485229"/>
-                <a:ext cx="8651811" cy="2515520"/>
+                <a:ext cx="11092238" cy="2515520"/>
               </a:xfrm>
               <a:prstGeom prst="rect">
                 <a:avLst/>
@@ -33719,7 +34118,7 @@
 </p:sld>
 </file>
 
-<file path=ppt/slides/slide51.xml><?xml version="1.0" encoding="utf-8"?>
+<file path=ppt/slides/slide52.xml><?xml version="1.0" encoding="utf-8"?>
 <p:sld xmlns:a="http://schemas.openxmlformats.org/drawingml/2006/main" xmlns:r="http://schemas.openxmlformats.org/officeDocument/2006/relationships" xmlns:p="http://schemas.openxmlformats.org/presentationml/2006/main">
   <p:cSld>
     <p:spTree>
@@ -33765,7 +34164,7 @@
                 </a:solidFill>
               </a:rPr>
               <a:pPr/>
-              <a:t>51</a:t>
+              <a:t>52</a:t>
             </a:fld>
             <a:endParaRPr lang="en-AU" dirty="0">
               <a:solidFill>
@@ -34496,22 +34895,25 @@
                 </a:r>
               </a:p>
               <a:p>
-                <a:r>
-                  <a:rPr lang="en-AU" sz="2800" dirty="0"/>
-                  <a:t>Assume </a:t>
-                </a:r>
                 <a14:m>
                   <m:oMath xmlns:m="http://schemas.openxmlformats.org/officeDocument/2006/math">
                     <m:sSub>
                       <m:sSubPr>
                         <m:ctrlPr>
-                          <a:rPr lang="en-AU" sz="2800" i="1" smtClean="0">
+                          <a:rPr lang="en-AU" sz="2800" i="1">
                             <a:effectLst/>
                             <a:latin typeface="Cambria Math" panose="02040503050406030204" pitchFamily="18" charset="0"/>
                           </a:rPr>
                         </m:ctrlPr>
                       </m:sSubPr>
                       <m:e>
+                        <m:r>
+                          <a:rPr lang="en-AU" sz="2800" i="1">
+                            <a:effectLst/>
+                            <a:latin typeface="Cambria Math" panose="02040503050406030204" pitchFamily="18" charset="0"/>
+                          </a:rPr>
+                          <m:t>|</m:t>
+                        </m:r>
                         <m:r>
                           <a:rPr lang="en-AU" sz="2800" i="1">
                             <a:effectLst/>
@@ -34534,11 +34936,29 @@
                         </m:r>
                       </m:sub>
                     </m:sSub>
+                    <m:r>
+                      <a:rPr lang="en-AU" sz="2800" i="1">
+                        <a:effectLst/>
+                        <a:latin typeface="Cambria Math" panose="02040503050406030204" pitchFamily="18" charset="0"/>
+                        <a:ea typeface="DengXian" panose="02010600030101010101" pitchFamily="2" charset="-122"/>
+                        <a:cs typeface="Times New Roman" panose="02020603050405020304" pitchFamily="18" charset="0"/>
+                      </a:rPr>
+                      <m:t>|</m:t>
+                    </m:r>
+                    <m:r>
+                      <a:rPr lang="en-AU" sz="2800" b="0" i="1" smtClean="0">
+                        <a:effectLst/>
+                        <a:latin typeface="Cambria Math" panose="02040503050406030204" pitchFamily="18" charset="0"/>
+                        <a:ea typeface="DengXian" panose="02010600030101010101" pitchFamily="2" charset="-122"/>
+                        <a:cs typeface="Times New Roman" panose="02020603050405020304" pitchFamily="18" charset="0"/>
+                      </a:rPr>
+                      <m:t> </m:t>
+                    </m:r>
                   </m:oMath>
                 </a14:m>
                 <a:r>
                   <a:rPr lang="en-AU" sz="2800" dirty="0"/>
-                  <a:t> falls within </a:t>
+                  <a:t>falls within </a:t>
                 </a:r>
                 <a14:m>
                   <m:oMath xmlns:m="http://schemas.openxmlformats.org/officeDocument/2006/math">
@@ -36284,7 +36704,7 @@
 </p:sld>
 </file>
 
-<file path=ppt/slides/slide52.xml><?xml version="1.0" encoding="utf-8"?>
+<file path=ppt/slides/slide53.xml><?xml version="1.0" encoding="utf-8"?>
 <p:sld xmlns:a="http://schemas.openxmlformats.org/drawingml/2006/main" xmlns:r="http://schemas.openxmlformats.org/officeDocument/2006/relationships" xmlns:p="http://schemas.openxmlformats.org/presentationml/2006/main">
   <p:cSld>
     <p:spTree>
@@ -37266,7 +37686,7 @@
 </p:sld>
 </file>
 
-<file path=ppt/slides/slide53.xml><?xml version="1.0" encoding="utf-8"?>
+<file path=ppt/slides/slide54.xml><?xml version="1.0" encoding="utf-8"?>
 <p:sld xmlns:a="http://schemas.openxmlformats.org/drawingml/2006/main" xmlns:r="http://schemas.openxmlformats.org/officeDocument/2006/relationships" xmlns:p="http://schemas.openxmlformats.org/presentationml/2006/main">
   <p:cSld>
     <p:spTree>
@@ -39157,7 +39577,7 @@
 </p:sld>
 </file>
 
-<file path=ppt/slides/slide54.xml><?xml version="1.0" encoding="utf-8"?>
+<file path=ppt/slides/slide55.xml><?xml version="1.0" encoding="utf-8"?>
 <p:sld xmlns:a="http://schemas.openxmlformats.org/drawingml/2006/main" xmlns:r="http://schemas.openxmlformats.org/officeDocument/2006/relationships" xmlns:p="http://schemas.openxmlformats.org/presentationml/2006/main">
   <p:cSld>
     <p:spTree>
@@ -41204,7 +41624,7 @@
 </p:sld>
 </file>
 
-<file path=ppt/slides/slide55.xml><?xml version="1.0" encoding="utf-8"?>
+<file path=ppt/slides/slide56.xml><?xml version="1.0" encoding="utf-8"?>
 <p:sld xmlns:a="http://schemas.openxmlformats.org/drawingml/2006/main" xmlns:r="http://schemas.openxmlformats.org/officeDocument/2006/relationships" xmlns:p="http://schemas.openxmlformats.org/presentationml/2006/main">
   <p:cSld>
     <p:spTree>
@@ -42130,7 +42550,7 @@
 </p:sld>
 </file>
 
-<file path=ppt/slides/slide56.xml><?xml version="1.0" encoding="utf-8"?>
+<file path=ppt/slides/slide57.xml><?xml version="1.0" encoding="utf-8"?>
 <p:sld xmlns:a="http://schemas.openxmlformats.org/drawingml/2006/main" xmlns:r="http://schemas.openxmlformats.org/officeDocument/2006/relationships" xmlns:p="http://schemas.openxmlformats.org/presentationml/2006/main">
   <p:cSld>
     <p:spTree>
@@ -43572,7 +43992,7 @@
 </p:sld>
 </file>
 
-<file path=ppt/slides/slide57.xml><?xml version="1.0" encoding="utf-8"?>
+<file path=ppt/slides/slide58.xml><?xml version="1.0" encoding="utf-8"?>
 <p:sld xmlns:a="http://schemas.openxmlformats.org/drawingml/2006/main" xmlns:r="http://schemas.openxmlformats.org/officeDocument/2006/relationships" xmlns:p="http://schemas.openxmlformats.org/presentationml/2006/main">
   <p:cSld>
     <p:spTree>
@@ -44807,110 +45227,6 @@
 </p:sld>
 </file>
 
-<file path=ppt/slides/slide58.xml><?xml version="1.0" encoding="utf-8"?>
-<p:sld xmlns:a="http://schemas.openxmlformats.org/drawingml/2006/main" xmlns:r="http://schemas.openxmlformats.org/officeDocument/2006/relationships" xmlns:p="http://schemas.openxmlformats.org/presentationml/2006/main">
-  <p:cSld>
-    <p:spTree>
-      <p:nvGrpSpPr>
-        <p:cNvPr id="1" name=""/>
-        <p:cNvGrpSpPr/>
-        <p:nvPr/>
-      </p:nvGrpSpPr>
-      <p:grpSpPr>
-        <a:xfrm>
-          <a:off x="0" y="0"/>
-          <a:ext cx="0" cy="0"/>
-          <a:chOff x="0" y="0"/>
-          <a:chExt cx="0" cy="0"/>
-        </a:xfrm>
-      </p:grpSpPr>
-      <p:sp>
-        <p:nvSpPr>
-          <p:cNvPr id="2" name="Title 1">
-            <a:extLst>
-              <a:ext uri="{FF2B5EF4-FFF2-40B4-BE49-F238E27FC236}">
-                <a16:creationId xmlns:a16="http://schemas.microsoft.com/office/drawing/2014/main" id="{0A3F5FEA-3F77-4D4C-AB72-9756601391C6}"/>
-              </a:ext>
-            </a:extLst>
-          </p:cNvPr>
-          <p:cNvSpPr>
-            <a:spLocks noGrp="1"/>
-          </p:cNvSpPr>
-          <p:nvPr>
-            <p:ph type="title"/>
-          </p:nvPr>
-        </p:nvSpPr>
-        <p:spPr>
-          <a:xfrm>
-            <a:off x="913795" y="54142"/>
-            <a:ext cx="10353762" cy="1012659"/>
-          </a:xfrm>
-        </p:spPr>
-        <p:txBody>
-          <a:bodyPr/>
-          <a:lstStyle/>
-          <a:p>
-            <a:r>
-              <a:rPr lang="en-AU" dirty="0"/>
-              <a:t>Image Steganography</a:t>
-            </a:r>
-          </a:p>
-        </p:txBody>
-      </p:sp>
-      <p:sp>
-        <p:nvSpPr>
-          <p:cNvPr id="3" name="Content Placeholder 2">
-            <a:extLst>
-              <a:ext uri="{FF2B5EF4-FFF2-40B4-BE49-F238E27FC236}">
-                <a16:creationId xmlns:a16="http://schemas.microsoft.com/office/drawing/2014/main" id="{4F798BBB-DCDF-406A-8C96-973EF97757D7}"/>
-              </a:ext>
-            </a:extLst>
-          </p:cNvPr>
-          <p:cNvSpPr>
-            <a:spLocks noGrp="1"/>
-          </p:cNvSpPr>
-          <p:nvPr>
-            <p:ph idx="1"/>
-          </p:nvPr>
-        </p:nvSpPr>
-        <p:spPr>
-          <a:xfrm>
-            <a:off x="451573" y="1066801"/>
-            <a:ext cx="11278205" cy="4604083"/>
-          </a:xfrm>
-        </p:spPr>
-        <p:txBody>
-          <a:bodyPr>
-            <a:normAutofit/>
-          </a:bodyPr>
-          <a:lstStyle/>
-          <a:p>
-            <a:r>
-              <a:rPr lang="en-AU" sz="2800" dirty="0"/>
-              <a:t>How difficult/easy is it to detect image steganography?</a:t>
-            </a:r>
-          </a:p>
-          <a:p>
-            <a:r>
-              <a:rPr lang="en-AU" sz="2800" dirty="0"/>
-              <a:t>What kinds/types of images are more resistant to image steganography?</a:t>
-            </a:r>
-          </a:p>
-        </p:txBody>
-      </p:sp>
-    </p:spTree>
-    <p:extLst>
-      <p:ext uri="{BB962C8B-B14F-4D97-AF65-F5344CB8AC3E}">
-        <p14:creationId xmlns:p14="http://schemas.microsoft.com/office/powerpoint/2010/main" val="3854745769"/>
-      </p:ext>
-    </p:extLst>
-  </p:cSld>
-  <p:clrMapOvr>
-    <a:masterClrMapping/>
-  </p:clrMapOvr>
-</p:sld>
-</file>
-
 <file path=ppt/slides/slide59.xml><?xml version="1.0" encoding="utf-8"?>
 <p:sld xmlns:a="http://schemas.openxmlformats.org/drawingml/2006/main" xmlns:r="http://schemas.openxmlformats.org/officeDocument/2006/relationships" xmlns:p="http://schemas.openxmlformats.org/presentationml/2006/main">
   <p:cSld>
@@ -44933,7 +45249,7 @@
           <p:cNvPr id="2" name="Title 1">
             <a:extLst>
               <a:ext uri="{FF2B5EF4-FFF2-40B4-BE49-F238E27FC236}">
-                <a16:creationId xmlns:a16="http://schemas.microsoft.com/office/drawing/2014/main" id="{5B374C25-2D5A-48BC-9315-DB95C4804247}"/>
+                <a16:creationId xmlns:a16="http://schemas.microsoft.com/office/drawing/2014/main" id="{0A3F5FEA-3F77-4D4C-AB72-9756601391C6}"/>
               </a:ext>
             </a:extLst>
           </p:cNvPr>
@@ -44946,8 +45262,8 @@
         </p:nvSpPr>
         <p:spPr>
           <a:xfrm>
-            <a:off x="1058174" y="22058"/>
-            <a:ext cx="10353762" cy="972553"/>
+            <a:off x="913795" y="54142"/>
+            <a:ext cx="10353762" cy="1012659"/>
           </a:xfrm>
         </p:spPr>
         <p:txBody>
@@ -44966,7 +45282,7 @@
           <p:cNvPr id="3" name="Content Placeholder 2">
             <a:extLst>
               <a:ext uri="{FF2B5EF4-FFF2-40B4-BE49-F238E27FC236}">
-                <a16:creationId xmlns:a16="http://schemas.microsoft.com/office/drawing/2014/main" id="{A31F018A-FD8B-4DBD-91A8-B6A88766EDA8}"/>
+                <a16:creationId xmlns:a16="http://schemas.microsoft.com/office/drawing/2014/main" id="{4F798BBB-DCDF-406A-8C96-973EF97757D7}"/>
               </a:ext>
             </a:extLst>
           </p:cNvPr>
@@ -44979,12 +45295,14 @@
         </p:nvSpPr>
         <p:spPr>
           <a:xfrm>
-            <a:off x="689204" y="1205865"/>
-            <a:ext cx="10885761" cy="3714749"/>
+            <a:off x="451573" y="1066801"/>
+            <a:ext cx="11278205" cy="4604083"/>
           </a:xfrm>
         </p:spPr>
         <p:txBody>
-          <a:bodyPr/>
+          <a:bodyPr>
+            <a:normAutofit/>
+          </a:bodyPr>
           <a:lstStyle/>
           <a:p>
             <a:r>
@@ -44993,28 +45311,17 @@
             </a:r>
           </a:p>
           <a:p>
-            <a:pPr lvl="1"/>
             <a:r>
               <a:rPr lang="en-AU" sz="2800" dirty="0"/>
-              <a:t>What if it is easy? </a:t>
-            </a:r>
-          </a:p>
-          <a:p>
-            <a:pPr lvl="1"/>
-            <a:r>
-              <a:rPr lang="en-AU" sz="2800" dirty="0"/>
-              <a:t>What if it is difficult?</a:t>
-            </a:r>
-          </a:p>
-          <a:p>
-            <a:endParaRPr lang="en-AU" dirty="0"/>
+              <a:t>What kinds/types of images are more resistant to image steganography?</a:t>
+            </a:r>
           </a:p>
         </p:txBody>
       </p:sp>
     </p:spTree>
     <p:extLst>
       <p:ext uri="{BB962C8B-B14F-4D97-AF65-F5344CB8AC3E}">
-        <p14:creationId xmlns:p14="http://schemas.microsoft.com/office/powerpoint/2010/main" val="4032313505"/>
+        <p14:creationId xmlns:p14="http://schemas.microsoft.com/office/powerpoint/2010/main" val="3854745769"/>
       </p:ext>
     </p:extLst>
   </p:cSld>
@@ -45167,7 +45474,7 @@
           <p:cNvPr id="2" name="Title 1">
             <a:extLst>
               <a:ext uri="{FF2B5EF4-FFF2-40B4-BE49-F238E27FC236}">
-                <a16:creationId xmlns:a16="http://schemas.microsoft.com/office/drawing/2014/main" id="{0A3F5FEA-3F77-4D4C-AB72-9756601391C6}"/>
+                <a16:creationId xmlns:a16="http://schemas.microsoft.com/office/drawing/2014/main" id="{5B374C25-2D5A-48BC-9315-DB95C4804247}"/>
               </a:ext>
             </a:extLst>
           </p:cNvPr>
@@ -45180,8 +45487,8 @@
         </p:nvSpPr>
         <p:spPr>
           <a:xfrm>
-            <a:off x="913795" y="54142"/>
-            <a:ext cx="10353762" cy="1012659"/>
+            <a:off x="1058174" y="22058"/>
+            <a:ext cx="10353762" cy="972553"/>
           </a:xfrm>
         </p:spPr>
         <p:txBody>
@@ -45200,7 +45507,7 @@
           <p:cNvPr id="3" name="Content Placeholder 2">
             <a:extLst>
               <a:ext uri="{FF2B5EF4-FFF2-40B4-BE49-F238E27FC236}">
-                <a16:creationId xmlns:a16="http://schemas.microsoft.com/office/drawing/2014/main" id="{4F798BBB-DCDF-406A-8C96-973EF97757D7}"/>
+                <a16:creationId xmlns:a16="http://schemas.microsoft.com/office/drawing/2014/main" id="{A31F018A-FD8B-4DBD-91A8-B6A88766EDA8}"/>
               </a:ext>
             </a:extLst>
           </p:cNvPr>
@@ -45213,14 +45520,12 @@
         </p:nvSpPr>
         <p:spPr>
           <a:xfrm>
-            <a:off x="451573" y="1066801"/>
-            <a:ext cx="11278205" cy="4604083"/>
+            <a:off x="689204" y="1205865"/>
+            <a:ext cx="10885761" cy="3714749"/>
           </a:xfrm>
         </p:spPr>
         <p:txBody>
-          <a:bodyPr>
-            <a:normAutofit/>
-          </a:bodyPr>
+          <a:bodyPr/>
           <a:lstStyle/>
           <a:p>
             <a:r>
@@ -45243,29 +45548,14 @@
             </a:r>
           </a:p>
           <a:p>
-            <a:pPr lvl="1"/>
-            <a:endParaRPr lang="en-AU" sz="2600" dirty="0"/>
-          </a:p>
-          <a:p>
-            <a:r>
-              <a:rPr lang="en-AU" sz="2800" dirty="0"/>
-              <a:t>What kinds/types of images are </a:t>
-            </a:r>
-            <a:r>
-              <a:rPr lang="en-AU" sz="2800"/>
-              <a:t>more resistant </a:t>
-            </a:r>
-            <a:r>
-              <a:rPr lang="en-AU" sz="2800" dirty="0"/>
-              <a:t>to image steganography?</a:t>
-            </a:r>
+            <a:endParaRPr lang="en-AU" dirty="0"/>
           </a:p>
         </p:txBody>
       </p:sp>
     </p:spTree>
     <p:extLst>
       <p:ext uri="{BB962C8B-B14F-4D97-AF65-F5344CB8AC3E}">
-        <p14:creationId xmlns:p14="http://schemas.microsoft.com/office/powerpoint/2010/main" val="2847743479"/>
+        <p14:creationId xmlns:p14="http://schemas.microsoft.com/office/powerpoint/2010/main" val="4032313505"/>
       </p:ext>
     </p:extLst>
   </p:cSld>
@@ -45379,6 +45669,136 @@
           <a:p>
             <a:r>
               <a:rPr lang="en-AU" sz="2800" dirty="0"/>
+              <a:t>What kinds/types of images are </a:t>
+            </a:r>
+            <a:r>
+              <a:rPr lang="en-AU" sz="2800"/>
+              <a:t>more resistant </a:t>
+            </a:r>
+            <a:r>
+              <a:rPr lang="en-AU" sz="2800" dirty="0"/>
+              <a:t>to image steganography?</a:t>
+            </a:r>
+          </a:p>
+        </p:txBody>
+      </p:sp>
+    </p:spTree>
+    <p:extLst>
+      <p:ext uri="{BB962C8B-B14F-4D97-AF65-F5344CB8AC3E}">
+        <p14:creationId xmlns:p14="http://schemas.microsoft.com/office/powerpoint/2010/main" val="2847743479"/>
+      </p:ext>
+    </p:extLst>
+  </p:cSld>
+  <p:clrMapOvr>
+    <a:masterClrMapping/>
+  </p:clrMapOvr>
+</p:sld>
+</file>
+
+<file path=ppt/slides/slide62.xml><?xml version="1.0" encoding="utf-8"?>
+<p:sld xmlns:a="http://schemas.openxmlformats.org/drawingml/2006/main" xmlns:r="http://schemas.openxmlformats.org/officeDocument/2006/relationships" xmlns:p="http://schemas.openxmlformats.org/presentationml/2006/main">
+  <p:cSld>
+    <p:spTree>
+      <p:nvGrpSpPr>
+        <p:cNvPr id="1" name=""/>
+        <p:cNvGrpSpPr/>
+        <p:nvPr/>
+      </p:nvGrpSpPr>
+      <p:grpSpPr>
+        <a:xfrm>
+          <a:off x="0" y="0"/>
+          <a:ext cx="0" cy="0"/>
+          <a:chOff x="0" y="0"/>
+          <a:chExt cx="0" cy="0"/>
+        </a:xfrm>
+      </p:grpSpPr>
+      <p:sp>
+        <p:nvSpPr>
+          <p:cNvPr id="2" name="Title 1">
+            <a:extLst>
+              <a:ext uri="{FF2B5EF4-FFF2-40B4-BE49-F238E27FC236}">
+                <a16:creationId xmlns:a16="http://schemas.microsoft.com/office/drawing/2014/main" id="{0A3F5FEA-3F77-4D4C-AB72-9756601391C6}"/>
+              </a:ext>
+            </a:extLst>
+          </p:cNvPr>
+          <p:cNvSpPr>
+            <a:spLocks noGrp="1"/>
+          </p:cNvSpPr>
+          <p:nvPr>
+            <p:ph type="title"/>
+          </p:nvPr>
+        </p:nvSpPr>
+        <p:spPr>
+          <a:xfrm>
+            <a:off x="913795" y="54142"/>
+            <a:ext cx="10353762" cy="1012659"/>
+          </a:xfrm>
+        </p:spPr>
+        <p:txBody>
+          <a:bodyPr/>
+          <a:lstStyle/>
+          <a:p>
+            <a:r>
+              <a:rPr lang="en-AU" dirty="0"/>
+              <a:t>Image Steganography</a:t>
+            </a:r>
+          </a:p>
+        </p:txBody>
+      </p:sp>
+      <p:sp>
+        <p:nvSpPr>
+          <p:cNvPr id="3" name="Content Placeholder 2">
+            <a:extLst>
+              <a:ext uri="{FF2B5EF4-FFF2-40B4-BE49-F238E27FC236}">
+                <a16:creationId xmlns:a16="http://schemas.microsoft.com/office/drawing/2014/main" id="{4F798BBB-DCDF-406A-8C96-973EF97757D7}"/>
+              </a:ext>
+            </a:extLst>
+          </p:cNvPr>
+          <p:cNvSpPr>
+            <a:spLocks noGrp="1"/>
+          </p:cNvSpPr>
+          <p:nvPr>
+            <p:ph idx="1"/>
+          </p:nvPr>
+        </p:nvSpPr>
+        <p:spPr>
+          <a:xfrm>
+            <a:off x="451573" y="1066801"/>
+            <a:ext cx="11278205" cy="4604083"/>
+          </a:xfrm>
+        </p:spPr>
+        <p:txBody>
+          <a:bodyPr>
+            <a:normAutofit/>
+          </a:bodyPr>
+          <a:lstStyle/>
+          <a:p>
+            <a:r>
+              <a:rPr lang="en-AU" sz="2800" dirty="0"/>
+              <a:t>How difficult/easy is it to detect image steganography?</a:t>
+            </a:r>
+          </a:p>
+          <a:p>
+            <a:pPr lvl="1"/>
+            <a:r>
+              <a:rPr lang="en-AU" sz="2800" dirty="0"/>
+              <a:t>What if it is easy? </a:t>
+            </a:r>
+          </a:p>
+          <a:p>
+            <a:pPr lvl="1"/>
+            <a:r>
+              <a:rPr lang="en-AU" sz="2800" dirty="0"/>
+              <a:t>What if it is difficult?</a:t>
+            </a:r>
+          </a:p>
+          <a:p>
+            <a:pPr lvl="1"/>
+            <a:endParaRPr lang="en-AU" sz="2600" dirty="0"/>
+          </a:p>
+          <a:p>
+            <a:r>
+              <a:rPr lang="en-AU" sz="2800" dirty="0"/>
               <a:t>What kinds/types of images are more resistant to image steganography?</a:t>
             </a:r>
           </a:p>
@@ -45387,13 +45807,6 @@
             <a:r>
               <a:rPr lang="en-AU" sz="2800" dirty="0"/>
               <a:t>Lossless compression images, e.g., PNG or BMP</a:t>
-            </a:r>
-          </a:p>
-          <a:p>
-            <a:pPr lvl="1"/>
-            <a:r>
-              <a:rPr lang="en-US" sz="2800" dirty="0"/>
-              <a:t>Images with a low color depth, e.g., images with black and white only</a:t>
             </a:r>
           </a:p>
         </p:txBody>
